--- a/Presentation_Projet_Trading.pptx
+++ b/Presentation_Projet_Trading.pptx
@@ -7,24 +7,26 @@
   <p:sldIdLst>
     <p:sldId id="256" r:id="rId2"/>
     <p:sldId id="257" r:id="rId3"/>
-    <p:sldId id="264" r:id="rId4"/>
-    <p:sldId id="258" r:id="rId5"/>
+    <p:sldId id="258" r:id="rId4"/>
+    <p:sldId id="264" r:id="rId5"/>
     <p:sldId id="259" r:id="rId6"/>
     <p:sldId id="265" r:id="rId7"/>
     <p:sldId id="267" r:id="rId8"/>
-    <p:sldId id="268" r:id="rId9"/>
-    <p:sldId id="270" r:id="rId10"/>
-    <p:sldId id="260" r:id="rId11"/>
-    <p:sldId id="269" r:id="rId12"/>
-    <p:sldId id="271" r:id="rId13"/>
-    <p:sldId id="272" r:id="rId14"/>
-    <p:sldId id="273" r:id="rId15"/>
-    <p:sldId id="261" r:id="rId16"/>
-    <p:sldId id="266" r:id="rId17"/>
-    <p:sldId id="262" r:id="rId18"/>
-    <p:sldId id="263" r:id="rId19"/>
-    <p:sldId id="274" r:id="rId20"/>
-    <p:sldId id="275" r:id="rId21"/>
+    <p:sldId id="276" r:id="rId9"/>
+    <p:sldId id="268" r:id="rId10"/>
+    <p:sldId id="277" r:id="rId11"/>
+    <p:sldId id="278" r:id="rId12"/>
+    <p:sldId id="270" r:id="rId13"/>
+    <p:sldId id="269" r:id="rId14"/>
+    <p:sldId id="271" r:id="rId15"/>
+    <p:sldId id="279" r:id="rId16"/>
+    <p:sldId id="280" r:id="rId17"/>
+    <p:sldId id="272" r:id="rId18"/>
+    <p:sldId id="273" r:id="rId19"/>
+    <p:sldId id="281" r:id="rId20"/>
+    <p:sldId id="261" r:id="rId21"/>
+    <p:sldId id="262" r:id="rId22"/>
+    <p:sldId id="275" r:id="rId23"/>
   </p:sldIdLst>
   <p:sldSz cx="9144000" cy="6858000" type="screen4x3"/>
   <p:notesSz cx="6858000" cy="9144000"/>
@@ -3135,7 +3137,8 @@
           <a:lstStyle/>
           <a:p>
             <a:r>
-              <a:t>Projet Fil Rouge : Système de Trading GBP/USD</a:t>
+              <a:rPr dirty="0"/>
+              <a:t>Système de Trading GBP/USD</a:t>
             </a:r>
           </a:p>
         </p:txBody>
@@ -3153,15 +3156,9 @@
         <p:spPr/>
         <p:txBody>
           <a:bodyPr>
-            <a:normAutofit fontScale="92500" lnSpcReduction="20000"/>
+            <a:normAutofit/>
           </a:bodyPr>
           <a:lstStyle/>
-          <a:p>
-            <a:r>
-              <a:rPr dirty="0"/>
-              <a:t>M1 → M15 → ML → RL → API → Docker</a:t>
-            </a:r>
-          </a:p>
           <a:p>
             <a:r>
               <a:rPr lang="fr-FR" dirty="0"/>
@@ -3233,7 +3230,13 @@
       </p:grpSpPr>
       <p:sp>
         <p:nvSpPr>
-          <p:cNvPr id="2" name="Title 1"/>
+          <p:cNvPr id="2" name="Titre 1">
+            <a:extLst>
+              <a:ext uri="{FF2B5EF4-FFF2-40B4-BE49-F238E27FC236}">
+                <a16:creationId xmlns:a16="http://schemas.microsoft.com/office/drawing/2014/main" id="{7B5E8F3E-55E1-8742-51E3-EFD4E6DE656A}"/>
+              </a:ext>
+            </a:extLst>
+          </p:cNvPr>
           <p:cNvSpPr>
             <a:spLocks noGrp="1"/>
           </p:cNvSpPr>
@@ -3243,61 +3246,116 @@
         </p:nvSpPr>
         <p:spPr/>
         <p:txBody>
-          <a:bodyPr/>
+          <a:bodyPr>
+            <a:normAutofit/>
+          </a:bodyPr>
           <a:lstStyle/>
           <a:p>
             <a:r>
-              <a:t>Feature Engineering V2</a:t>
-            </a:r>
-          </a:p>
-        </p:txBody>
-      </p:sp>
-      <p:sp>
-        <p:nvSpPr>
-          <p:cNvPr id="3" name="Content Placeholder 2"/>
-          <p:cNvSpPr>
-            <a:spLocks noGrp="1"/>
-          </p:cNvSpPr>
+              <a:rPr lang="fr-FR" dirty="0"/>
+              <a:t>Rendements et volumes par jour</a:t>
+            </a:r>
+          </a:p>
+        </p:txBody>
+      </p:sp>
+      <p:pic>
+        <p:nvPicPr>
+          <p:cNvPr id="7" name="Image 6">
+            <a:extLst>
+              <a:ext uri="{FF2B5EF4-FFF2-40B4-BE49-F238E27FC236}">
+                <a16:creationId xmlns:a16="http://schemas.microsoft.com/office/drawing/2014/main" id="{D830BB08-C5CE-9638-CE7E-E5582F75CCAE}"/>
+              </a:ext>
+            </a:extLst>
+          </p:cNvPr>
+          <p:cNvPicPr>
+            <a:picLocks noChangeAspect="1"/>
+          </p:cNvPicPr>
+          <p:nvPr/>
+        </p:nvPicPr>
+        <p:blipFill>
+          <a:blip r:embed="rId2"/>
+          <a:stretch>
+            <a:fillRect/>
+          </a:stretch>
+        </p:blipFill>
+        <p:spPr>
+          <a:xfrm>
+            <a:off x="543795" y="1340734"/>
+            <a:ext cx="8056407" cy="2499745"/>
+          </a:xfrm>
+          <a:prstGeom prst="rect">
+            <a:avLst/>
+          </a:prstGeom>
+        </p:spPr>
+      </p:pic>
+      <p:pic>
+        <p:nvPicPr>
+          <p:cNvPr id="8" name="Image 7">
+            <a:extLst>
+              <a:ext uri="{FF2B5EF4-FFF2-40B4-BE49-F238E27FC236}">
+                <a16:creationId xmlns:a16="http://schemas.microsoft.com/office/drawing/2014/main" id="{03251DA7-FCFE-715F-75E2-1068C199469B}"/>
+              </a:ext>
+            </a:extLst>
+          </p:cNvPr>
+          <p:cNvPicPr>
+            <a:picLocks noChangeAspect="1"/>
+          </p:cNvPicPr>
+          <p:nvPr/>
+        </p:nvPicPr>
+        <p:blipFill>
+          <a:blip r:embed="rId3"/>
+          <a:stretch>
+            <a:fillRect/>
+          </a:stretch>
+        </p:blipFill>
+        <p:spPr>
+          <a:xfrm>
+            <a:off x="4571998" y="4096342"/>
+            <a:ext cx="4468029" cy="1860368"/>
+          </a:xfrm>
+          <a:prstGeom prst="rect">
+            <a:avLst/>
+          </a:prstGeom>
+        </p:spPr>
+      </p:pic>
+      <p:pic>
+        <p:nvPicPr>
+          <p:cNvPr id="5" name="Espace réservé du contenu 4">
+            <a:extLst>
+              <a:ext uri="{FF2B5EF4-FFF2-40B4-BE49-F238E27FC236}">
+                <a16:creationId xmlns:a16="http://schemas.microsoft.com/office/drawing/2014/main" id="{47A40BA7-5E3B-7645-2B01-0B037EE08A40}"/>
+              </a:ext>
+            </a:extLst>
+          </p:cNvPr>
+          <p:cNvPicPr>
+            <a:picLocks noGrp="1" noChangeAspect="1"/>
+          </p:cNvPicPr>
           <p:nvPr>
             <p:ph idx="1"/>
           </p:nvPr>
-        </p:nvSpPr>
-        <p:spPr/>
-        <p:txBody>
-          <a:bodyPr/>
-          <a:lstStyle/>
-          <a:p>
-            <a:r>
-              <a:t>Indicateurs techniques calculés sur le passé uniquement.</a:t>
-            </a:r>
-          </a:p>
-          <a:p>
-            <a:pPr lvl="1"/>
-            <a:r>
-              <a:t>Bloc Court Terme (Dynamique) :</a:t>
-            </a:r>
-          </a:p>
-          <a:p>
-            <a:pPr lvl="2"/>
-            <a:r>
-              <a:t>Returns, EMA (20, 50), RSI 14, Volatilité roulante.</a:t>
-            </a:r>
-          </a:p>
-          <a:p>
-            <a:pPr lvl="1"/>
-            <a:r>
-              <a:t>Bloc Contexte (Régime) :</a:t>
-            </a:r>
-          </a:p>
-          <a:p>
-            <a:pPr lvl="2"/>
-            <a:r>
-              <a:t>Tendance long terme (EMA 200), ATR 14, ADX, MACD.</a:t>
-            </a:r>
-          </a:p>
-        </p:txBody>
-      </p:sp>
+        </p:nvPicPr>
+        <p:blipFill>
+          <a:blip r:embed="rId4"/>
+          <a:stretch>
+            <a:fillRect/>
+          </a:stretch>
+        </p:blipFill>
+        <p:spPr>
+          <a:xfrm>
+            <a:off x="279841" y="4159136"/>
+            <a:ext cx="4411866" cy="1773190"/>
+          </a:xfrm>
+          <a:prstGeom prst="rect">
+            <a:avLst/>
+          </a:prstGeom>
+        </p:spPr>
+      </p:pic>
     </p:spTree>
+    <p:extLst>
+      <p:ext uri="{BB962C8B-B14F-4D97-AF65-F5344CB8AC3E}">
+        <p14:creationId xmlns:p14="http://schemas.microsoft.com/office/powerpoint/2010/main" val="2792445408"/>
+      </p:ext>
+    </p:extLst>
   </p:cSld>
   <p:clrMapOvr>
     <a:masterClrMapping/>
@@ -3327,7 +3385,7 @@
           <p:cNvPr id="2" name="Titre 1">
             <a:extLst>
               <a:ext uri="{FF2B5EF4-FFF2-40B4-BE49-F238E27FC236}">
-                <a16:creationId xmlns:a16="http://schemas.microsoft.com/office/drawing/2014/main" id="{14D2382F-65CE-32D3-3F6C-A4B2DC0791FA}"/>
+                <a16:creationId xmlns:a16="http://schemas.microsoft.com/office/drawing/2014/main" id="{7E3DDF82-51F1-063F-A423-871DA3D03C1B}"/>
               </a:ext>
             </a:extLst>
           </p:cNvPr>
@@ -3345,63 +3403,45 @@
           <a:p>
             <a:r>
               <a:rPr lang="fr-FR" dirty="0"/>
-              <a:t>Phase 6 – </a:t>
-            </a:r>
-            <a:r>
-              <a:rPr lang="fr-FR" dirty="0" err="1"/>
-              <a:t>Baselines</a:t>
-            </a:r>
-            <a:r>
-              <a:rPr lang="fr-FR" dirty="0"/>
-              <a:t> &amp; </a:t>
-            </a:r>
-            <a:r>
-              <a:rPr lang="fr-FR" dirty="0" err="1"/>
-              <a:t>Backtest</a:t>
-            </a:r>
-            <a:endParaRPr lang="fr-FR" dirty="0"/>
-          </a:p>
-        </p:txBody>
-      </p:sp>
-      <p:pic>
-        <p:nvPicPr>
-          <p:cNvPr id="5" name="Espace réservé du contenu 4">
+              <a:t>Autocorrélation</a:t>
+            </a:r>
+          </a:p>
+        </p:txBody>
+      </p:sp>
+      <p:sp>
+        <p:nvSpPr>
+          <p:cNvPr id="3" name="Espace réservé du contenu 2">
             <a:extLst>
               <a:ext uri="{FF2B5EF4-FFF2-40B4-BE49-F238E27FC236}">
-                <a16:creationId xmlns:a16="http://schemas.microsoft.com/office/drawing/2014/main" id="{752D11FC-D992-E575-F05F-128C8F451951}"/>
+                <a16:creationId xmlns:a16="http://schemas.microsoft.com/office/drawing/2014/main" id="{322C9FF1-EF50-E255-20A7-5675B7FF5B03}"/>
               </a:ext>
             </a:extLst>
           </p:cNvPr>
-          <p:cNvPicPr>
-            <a:picLocks noGrp="1" noChangeAspect="1"/>
-          </p:cNvPicPr>
+          <p:cNvSpPr>
+            <a:spLocks noGrp="1"/>
+          </p:cNvSpPr>
           <p:nvPr>
             <p:ph idx="1"/>
           </p:nvPr>
-        </p:nvPicPr>
-        <p:blipFill>
-          <a:blip r:embed="rId2"/>
-          <a:srcRect l="563"/>
-          <a:stretch>
-            <a:fillRect/>
-          </a:stretch>
-        </p:blipFill>
-        <p:spPr>
-          <a:xfrm>
-            <a:off x="584200" y="1294008"/>
-            <a:ext cx="8183282" cy="2036558"/>
-          </a:xfrm>
-          <a:prstGeom prst="rect">
-            <a:avLst/>
-          </a:prstGeom>
-        </p:spPr>
-      </p:pic>
+        </p:nvSpPr>
+        <p:spPr/>
+        <p:txBody>
+          <a:bodyPr/>
+          <a:lstStyle/>
+          <a:p>
+            <a:pPr marL="0" indent="0">
+              <a:buNone/>
+            </a:pPr>
+            <a:endParaRPr lang="fr-FR" dirty="0"/>
+          </a:p>
+        </p:txBody>
+      </p:sp>
       <p:pic>
         <p:nvPicPr>
-          <p:cNvPr id="7" name="Image 6">
+          <p:cNvPr id="5" name="Image 4">
             <a:extLst>
               <a:ext uri="{FF2B5EF4-FFF2-40B4-BE49-F238E27FC236}">
-                <a16:creationId xmlns:a16="http://schemas.microsoft.com/office/drawing/2014/main" id="{437A6ADE-3995-FA1C-FE68-397B36F3F874}"/>
+                <a16:creationId xmlns:a16="http://schemas.microsoft.com/office/drawing/2014/main" id="{17B33CFA-D0D7-59D3-CAD9-227273C0324E}"/>
               </a:ext>
             </a:extLst>
           </p:cNvPr>
@@ -3411,15 +3451,15 @@
           <p:nvPr/>
         </p:nvPicPr>
         <p:blipFill>
-          <a:blip r:embed="rId3"/>
+          <a:blip r:embed="rId2"/>
           <a:stretch>
             <a:fillRect/>
           </a:stretch>
         </p:blipFill>
         <p:spPr>
           <a:xfrm>
-            <a:off x="809100" y="3673102"/>
-            <a:ext cx="7525800" cy="2667372"/>
+            <a:off x="853350" y="1600200"/>
+            <a:ext cx="7437300" cy="4746913"/>
           </a:xfrm>
           <a:prstGeom prst="rect">
             <a:avLst/>
@@ -3429,7 +3469,7 @@
     </p:spTree>
     <p:extLst>
       <p:ext uri="{BB962C8B-B14F-4D97-AF65-F5344CB8AC3E}">
-        <p14:creationId xmlns:p14="http://schemas.microsoft.com/office/powerpoint/2010/main" val="3653451836"/>
+        <p14:creationId xmlns:p14="http://schemas.microsoft.com/office/powerpoint/2010/main" val="2436918218"/>
       </p:ext>
     </p:extLst>
   </p:cSld>
@@ -3461,7 +3501,7 @@
           <p:cNvPr id="2" name="Titre 1">
             <a:extLst>
               <a:ext uri="{FF2B5EF4-FFF2-40B4-BE49-F238E27FC236}">
-                <a16:creationId xmlns:a16="http://schemas.microsoft.com/office/drawing/2014/main" id="{67BA667A-80D4-F966-0168-B945D4FE9C94}"/>
+                <a16:creationId xmlns:a16="http://schemas.microsoft.com/office/drawing/2014/main" id="{DC474ACD-9FFC-4659-9837-3F0087302A79}"/>
               </a:ext>
             </a:extLst>
           </p:cNvPr>
@@ -3474,18 +3514,23 @@
         </p:nvSpPr>
         <p:spPr/>
         <p:txBody>
-          <a:bodyPr/>
+          <a:bodyPr>
+            <a:normAutofit/>
+          </a:bodyPr>
           <a:lstStyle/>
           <a:p>
             <a:r>
               <a:rPr lang="fr-FR" dirty="0"/>
-              <a:t>Machine </a:t>
+              <a:t>5 – </a:t>
             </a:r>
             <a:r>
               <a:rPr lang="fr-FR" dirty="0" err="1"/>
-              <a:t>learning</a:t>
-            </a:r>
-            <a:endParaRPr lang="fr-FR" dirty="0"/>
+              <a:t>Feature</a:t>
+            </a:r>
+            <a:r>
+              <a:rPr lang="fr-FR" dirty="0"/>
+              <a:t> engineering</a:t>
+            </a:r>
           </a:p>
         </p:txBody>
       </p:sp>
@@ -3494,7 +3539,7 @@
           <p:cNvPr id="3" name="Espace réservé du contenu 2">
             <a:extLst>
               <a:ext uri="{FF2B5EF4-FFF2-40B4-BE49-F238E27FC236}">
-                <a16:creationId xmlns:a16="http://schemas.microsoft.com/office/drawing/2014/main" id="{9D2C0FF1-ACDD-823F-E62C-69BC68B4F371}"/>
+                <a16:creationId xmlns:a16="http://schemas.microsoft.com/office/drawing/2014/main" id="{FBB0F750-C285-B7AE-B828-3BF5AB7DA366}"/>
               </a:ext>
             </a:extLst>
           </p:cNvPr>
@@ -3510,19 +3555,55 @@
           <a:bodyPr/>
           <a:lstStyle/>
           <a:p>
-            <a:r>
+            <a:pPr>
+              <a:buFont typeface="Wingdings" panose="05000000000000000000" pitchFamily="2" charset="2"/>
+              <a:buChar char="ü"/>
+            </a:pPr>
+            <a:r>
+              <a:rPr lang="fr-FR" sz="1400" dirty="0"/>
+              <a:t>2 blocs : </a:t>
+            </a:r>
+          </a:p>
+          <a:p>
+            <a:pPr lvl="1">
+              <a:buFont typeface="Wingdings" panose="05000000000000000000" pitchFamily="2" charset="2"/>
+              <a:buChar char="ü"/>
+            </a:pPr>
+            <a:r>
+              <a:rPr lang="fr-FR" sz="1400" dirty="0"/>
+              <a:t>Court terme : Dynamique immédiate du prix (</a:t>
+            </a:r>
+            <a:r>
+              <a:rPr lang="fr-FR" sz="1400" dirty="0" err="1"/>
+              <a:t>Returns</a:t>
+            </a:r>
+            <a:r>
+              <a:rPr lang="fr-FR" sz="1400" dirty="0"/>
+              <a:t>, RSI, Ranges)</a:t>
+            </a:r>
+          </a:p>
+          <a:p>
+            <a:pPr lvl="1">
+              <a:buFont typeface="Wingdings" panose="05000000000000000000" pitchFamily="2" charset="2"/>
+              <a:buChar char="ü"/>
+            </a:pPr>
+            <a:r>
+              <a:rPr lang="fr-FR" sz="1400" dirty="0"/>
+              <a:t>Contexte &amp; Régime : Tendances de fond (EDA 200, ADX) et volatilité (ATR)</a:t>
+            </a:r>
+            <a:br>
               <a:rPr lang="fr-FR" dirty="0"/>
-              <a:t>4,47% sur train</a:t>
-            </a:r>
+            </a:br>
+            <a:endParaRPr lang="fr-FR" dirty="0"/>
           </a:p>
         </p:txBody>
       </p:sp>
       <p:pic>
         <p:nvPicPr>
-          <p:cNvPr id="5" name="Image 4">
+          <p:cNvPr id="6" name="Image 5">
             <a:extLst>
               <a:ext uri="{FF2B5EF4-FFF2-40B4-BE49-F238E27FC236}">
-                <a16:creationId xmlns:a16="http://schemas.microsoft.com/office/drawing/2014/main" id="{EEBD579D-A3D3-3172-9B80-19E58F392EEB}"/>
+                <a16:creationId xmlns:a16="http://schemas.microsoft.com/office/drawing/2014/main" id="{807B0F95-C21C-4BD3-4F62-35F387FE407A}"/>
               </a:ext>
             </a:extLst>
           </p:cNvPr>
@@ -3539,8 +3620,8 @@
         </p:blipFill>
         <p:spPr>
           <a:xfrm>
-            <a:off x="2657856" y="1271334"/>
-            <a:ext cx="6486144" cy="3360828"/>
+            <a:off x="1916512" y="2542156"/>
+            <a:ext cx="5016302" cy="4315844"/>
           </a:xfrm>
           <a:prstGeom prst="rect">
             <a:avLst/>
@@ -3550,7 +3631,7 @@
     </p:spTree>
     <p:extLst>
       <p:ext uri="{BB962C8B-B14F-4D97-AF65-F5344CB8AC3E}">
-        <p14:creationId xmlns:p14="http://schemas.microsoft.com/office/powerpoint/2010/main" val="2161479730"/>
+        <p14:creationId xmlns:p14="http://schemas.microsoft.com/office/powerpoint/2010/main" val="3040014445"/>
       </p:ext>
     </p:extLst>
   </p:cSld>
@@ -3582,7 +3663,7 @@
           <p:cNvPr id="2" name="Titre 1">
             <a:extLst>
               <a:ext uri="{FF2B5EF4-FFF2-40B4-BE49-F238E27FC236}">
-                <a16:creationId xmlns:a16="http://schemas.microsoft.com/office/drawing/2014/main" id="{EFCF9DA8-B48E-83BB-075B-7820D2850051}"/>
+                <a16:creationId xmlns:a16="http://schemas.microsoft.com/office/drawing/2014/main" id="{14D2382F-65CE-32D3-3F6C-A4B2DC0791FA}"/>
               </a:ext>
             </a:extLst>
           </p:cNvPr>
@@ -3600,11 +3681,19 @@
           <a:p>
             <a:r>
               <a:rPr lang="fr-FR" dirty="0"/>
-              <a:t>Importance des </a:t>
+              <a:t>Phase 6 – </a:t>
             </a:r>
             <a:r>
               <a:rPr lang="fr-FR" dirty="0" err="1"/>
-              <a:t>features</a:t>
+              <a:t>Baselines</a:t>
+            </a:r>
+            <a:r>
+              <a:rPr lang="fr-FR" dirty="0"/>
+              <a:t> &amp; </a:t>
+            </a:r>
+            <a:r>
+              <a:rPr lang="fr-FR" dirty="0" err="1"/>
+              <a:t>Backtest</a:t>
             </a:r>
             <a:endParaRPr lang="fr-FR" dirty="0"/>
           </a:p>
@@ -3612,10 +3701,10 @@
       </p:sp>
       <p:sp>
         <p:nvSpPr>
-          <p:cNvPr id="3" name="Espace réservé du contenu 2">
+          <p:cNvPr id="4" name="Espace réservé du contenu 3">
             <a:extLst>
               <a:ext uri="{FF2B5EF4-FFF2-40B4-BE49-F238E27FC236}">
-                <a16:creationId xmlns:a16="http://schemas.microsoft.com/office/drawing/2014/main" id="{6CDBF437-C127-3CCC-F599-BC4974D1BD49}"/>
+                <a16:creationId xmlns:a16="http://schemas.microsoft.com/office/drawing/2014/main" id="{2D20BD92-0EFD-6FED-C341-E4A8B8F9F5DD}"/>
               </a:ext>
             </a:extLst>
           </p:cNvPr>
@@ -3631,16 +3720,16 @@
           <a:bodyPr/>
           <a:lstStyle/>
           <a:p>
-            <a:endParaRPr lang="fr-FR"/>
+            <a:endParaRPr lang="fr-FR" dirty="0"/>
           </a:p>
         </p:txBody>
       </p:sp>
       <p:pic>
         <p:nvPicPr>
-          <p:cNvPr id="5" name="Image 4">
+          <p:cNvPr id="8" name="Image 7">
             <a:extLst>
               <a:ext uri="{FF2B5EF4-FFF2-40B4-BE49-F238E27FC236}">
-                <a16:creationId xmlns:a16="http://schemas.microsoft.com/office/drawing/2014/main" id="{24ADEE21-7DB3-30BA-60DE-11E01FDDAB72}"/>
+                <a16:creationId xmlns:a16="http://schemas.microsoft.com/office/drawing/2014/main" id="{D219ED08-AB22-685C-0567-AD07E1ED5853}"/>
               </a:ext>
             </a:extLst>
           </p:cNvPr>
@@ -3657,8 +3746,989 @@
         </p:blipFill>
         <p:spPr>
           <a:xfrm>
-            <a:off x="457200" y="1506010"/>
-            <a:ext cx="6900672" cy="3386225"/>
+            <a:off x="0" y="1417638"/>
+            <a:ext cx="9144000" cy="1616546"/>
+          </a:xfrm>
+          <a:prstGeom prst="rect">
+            <a:avLst/>
+          </a:prstGeom>
+        </p:spPr>
+      </p:pic>
+      <p:pic>
+        <p:nvPicPr>
+          <p:cNvPr id="10" name="Image 9">
+            <a:extLst>
+              <a:ext uri="{FF2B5EF4-FFF2-40B4-BE49-F238E27FC236}">
+                <a16:creationId xmlns:a16="http://schemas.microsoft.com/office/drawing/2014/main" id="{00395AF9-3AA6-DAA7-6235-8CACD21931DA}"/>
+              </a:ext>
+            </a:extLst>
+          </p:cNvPr>
+          <p:cNvPicPr>
+            <a:picLocks noChangeAspect="1"/>
+          </p:cNvPicPr>
+          <p:nvPr/>
+        </p:nvPicPr>
+        <p:blipFill>
+          <a:blip r:embed="rId3"/>
+          <a:stretch>
+            <a:fillRect/>
+          </a:stretch>
+        </p:blipFill>
+        <p:spPr>
+          <a:xfrm>
+            <a:off x="2271355" y="3216746"/>
+            <a:ext cx="4345576" cy="3577944"/>
+          </a:xfrm>
+          <a:prstGeom prst="rect">
+            <a:avLst/>
+          </a:prstGeom>
+        </p:spPr>
+      </p:pic>
+    </p:spTree>
+    <p:extLst>
+      <p:ext uri="{BB962C8B-B14F-4D97-AF65-F5344CB8AC3E}">
+        <p14:creationId xmlns:p14="http://schemas.microsoft.com/office/powerpoint/2010/main" val="3653451836"/>
+      </p:ext>
+    </p:extLst>
+  </p:cSld>
+  <p:clrMapOvr>
+    <a:masterClrMapping/>
+  </p:clrMapOvr>
+</p:sld>
+</file>
+
+<file path=ppt/slides/slide14.xml><?xml version="1.0" encoding="utf-8"?>
+<p:sld xmlns:a="http://schemas.openxmlformats.org/drawingml/2006/main" xmlns:r="http://schemas.openxmlformats.org/officeDocument/2006/relationships" xmlns:p="http://schemas.openxmlformats.org/presentationml/2006/main">
+  <p:cSld>
+    <p:spTree>
+      <p:nvGrpSpPr>
+        <p:cNvPr id="1" name=""/>
+        <p:cNvGrpSpPr/>
+        <p:nvPr/>
+      </p:nvGrpSpPr>
+      <p:grpSpPr>
+        <a:xfrm>
+          <a:off x="0" y="0"/>
+          <a:ext cx="0" cy="0"/>
+          <a:chOff x="0" y="0"/>
+          <a:chExt cx="0" cy="0"/>
+        </a:xfrm>
+      </p:grpSpPr>
+      <p:sp>
+        <p:nvSpPr>
+          <p:cNvPr id="2" name="Titre 1">
+            <a:extLst>
+              <a:ext uri="{FF2B5EF4-FFF2-40B4-BE49-F238E27FC236}">
+                <a16:creationId xmlns:a16="http://schemas.microsoft.com/office/drawing/2014/main" id="{67BA667A-80D4-F966-0168-B945D4FE9C94}"/>
+              </a:ext>
+            </a:extLst>
+          </p:cNvPr>
+          <p:cNvSpPr>
+            <a:spLocks noGrp="1"/>
+          </p:cNvSpPr>
+          <p:nvPr>
+            <p:ph type="title"/>
+          </p:nvPr>
+        </p:nvSpPr>
+        <p:spPr/>
+        <p:txBody>
+          <a:bodyPr/>
+          <a:lstStyle/>
+          <a:p>
+            <a:r>
+              <a:rPr lang="fr-FR" dirty="0"/>
+              <a:t>Machine </a:t>
+            </a:r>
+            <a:r>
+              <a:rPr lang="fr-FR" dirty="0" err="1"/>
+              <a:t>learning</a:t>
+            </a:r>
+            <a:endParaRPr lang="fr-FR" dirty="0"/>
+          </a:p>
+        </p:txBody>
+      </p:sp>
+      <p:sp>
+        <p:nvSpPr>
+          <p:cNvPr id="3" name="Espace réservé du contenu 2">
+            <a:extLst>
+              <a:ext uri="{FF2B5EF4-FFF2-40B4-BE49-F238E27FC236}">
+                <a16:creationId xmlns:a16="http://schemas.microsoft.com/office/drawing/2014/main" id="{9D2C0FF1-ACDD-823F-E62C-69BC68B4F371}"/>
+              </a:ext>
+            </a:extLst>
+          </p:cNvPr>
+          <p:cNvSpPr>
+            <a:spLocks noGrp="1"/>
+          </p:cNvSpPr>
+          <p:nvPr>
+            <p:ph idx="1"/>
+          </p:nvPr>
+        </p:nvSpPr>
+        <p:spPr/>
+        <p:txBody>
+          <a:bodyPr/>
+          <a:lstStyle/>
+          <a:p>
+            <a:pPr marL="0" indent="0">
+              <a:buNone/>
+            </a:pPr>
+            <a:endParaRPr lang="fr-FR" dirty="0"/>
+          </a:p>
+        </p:txBody>
+      </p:sp>
+      <p:graphicFrame>
+        <p:nvGraphicFramePr>
+          <p:cNvPr id="4" name="Tableau 3">
+            <a:extLst>
+              <a:ext uri="{FF2B5EF4-FFF2-40B4-BE49-F238E27FC236}">
+                <a16:creationId xmlns:a16="http://schemas.microsoft.com/office/drawing/2014/main" id="{2D88CD23-8F7E-010D-667F-4E9F923BED87}"/>
+              </a:ext>
+            </a:extLst>
+          </p:cNvPr>
+          <p:cNvGraphicFramePr>
+            <a:graphicFrameLocks noGrp="1"/>
+          </p:cNvGraphicFramePr>
+          <p:nvPr>
+            <p:extLst>
+              <p:ext uri="{D42A27DB-BD31-4B8C-83A1-F6EECF244321}">
+                <p14:modId xmlns:p14="http://schemas.microsoft.com/office/powerpoint/2010/main" val="2407455506"/>
+              </p:ext>
+            </p:extLst>
+          </p:nvPr>
+        </p:nvGraphicFramePr>
+        <p:xfrm>
+          <a:off x="210013" y="1557064"/>
+          <a:ext cx="8723974" cy="4093800"/>
+        </p:xfrm>
+        <a:graphic>
+          <a:graphicData uri="http://schemas.openxmlformats.org/drawingml/2006/table">
+            <a:tbl>
+              <a:tblPr firstRow="1" bandRow="1">
+                <a:tableStyleId>{2D5ABB26-0587-4C30-8999-92F81FD0307C}</a:tableStyleId>
+              </a:tblPr>
+              <a:tblGrid>
+                <a:gridCol w="2965449">
+                  <a:extLst>
+                    <a:ext uri="{9D8B030D-6E8A-4147-A177-3AD203B41FA5}">
+                      <a16:colId xmlns:a16="http://schemas.microsoft.com/office/drawing/2014/main" val="4050864089"/>
+                    </a:ext>
+                  </a:extLst>
+                </a:gridCol>
+                <a:gridCol w="5758525">
+                  <a:extLst>
+                    <a:ext uri="{9D8B030D-6E8A-4147-A177-3AD203B41FA5}">
+                      <a16:colId xmlns:a16="http://schemas.microsoft.com/office/drawing/2014/main" val="2856584891"/>
+                    </a:ext>
+                  </a:extLst>
+                </a:gridCol>
+              </a:tblGrid>
+              <a:tr h="996632">
+                <a:tc>
+                  <a:txBody>
+                    <a:bodyPr/>
+                    <a:lstStyle/>
+                    <a:p>
+                      <a:r>
+                        <a:rPr lang="fr-FR" dirty="0">
+                          <a:solidFill>
+                            <a:schemeClr val="bg1"/>
+                          </a:solidFill>
+                        </a:rPr>
+                        <a:t>Modèle</a:t>
+                      </a:r>
+                    </a:p>
+                  </a:txBody>
+                  <a:tcPr>
+                    <a:lnR w="12700" cap="flat" cmpd="sng" algn="ctr">
+                      <a:solidFill>
+                        <a:schemeClr val="tx1"/>
+                      </a:solidFill>
+                      <a:prstDash val="solid"/>
+                      <a:round/>
+                      <a:headEnd type="none" w="med" len="med"/>
+                      <a:tailEnd type="none" w="med" len="med"/>
+                    </a:lnR>
+                    <a:lnT w="12700" cap="flat" cmpd="sng" algn="ctr">
+                      <a:solidFill>
+                        <a:schemeClr val="tx1"/>
+                      </a:solidFill>
+                      <a:prstDash val="solid"/>
+                      <a:round/>
+                      <a:headEnd type="none" w="med" len="med"/>
+                      <a:tailEnd type="none" w="med" len="med"/>
+                    </a:lnT>
+                    <a:lnB w="12700" cap="flat" cmpd="sng" algn="ctr">
+                      <a:solidFill>
+                        <a:schemeClr val="tx1"/>
+                      </a:solidFill>
+                      <a:prstDash val="solid"/>
+                      <a:round/>
+                      <a:headEnd type="none" w="med" len="med"/>
+                      <a:tailEnd type="none" w="med" len="med"/>
+                    </a:lnB>
+                    <a:solidFill>
+                      <a:schemeClr val="tx2"/>
+                    </a:solidFill>
+                  </a:tcPr>
+                </a:tc>
+                <a:tc>
+                  <a:txBody>
+                    <a:bodyPr/>
+                    <a:lstStyle/>
+                    <a:p>
+                      <a:r>
+                        <a:rPr lang="fr-FR" dirty="0">
+                          <a:solidFill>
+                            <a:schemeClr val="bg1"/>
+                          </a:solidFill>
+                        </a:rPr>
+                        <a:t>Résultats</a:t>
+                      </a:r>
+                    </a:p>
+                  </a:txBody>
+                  <a:tcPr>
+                    <a:lnL w="12700" cap="flat" cmpd="sng" algn="ctr">
+                      <a:solidFill>
+                        <a:schemeClr val="tx1"/>
+                      </a:solidFill>
+                      <a:prstDash val="solid"/>
+                      <a:round/>
+                      <a:headEnd type="none" w="med" len="med"/>
+                      <a:tailEnd type="none" w="med" len="med"/>
+                    </a:lnL>
+                    <a:lnT w="12700" cap="flat" cmpd="sng" algn="ctr">
+                      <a:solidFill>
+                        <a:schemeClr val="tx1"/>
+                      </a:solidFill>
+                      <a:prstDash val="solid"/>
+                      <a:round/>
+                      <a:headEnd type="none" w="med" len="med"/>
+                      <a:tailEnd type="none" w="med" len="med"/>
+                    </a:lnT>
+                    <a:lnB w="12700" cap="flat" cmpd="sng" algn="ctr">
+                      <a:solidFill>
+                        <a:schemeClr val="tx1"/>
+                      </a:solidFill>
+                      <a:prstDash val="solid"/>
+                      <a:round/>
+                      <a:headEnd type="none" w="med" len="med"/>
+                      <a:tailEnd type="none" w="med" len="med"/>
+                    </a:lnB>
+                    <a:solidFill>
+                      <a:schemeClr val="tx2"/>
+                    </a:solidFill>
+                  </a:tcPr>
+                </a:tc>
+                <a:extLst>
+                  <a:ext uri="{0D108BD9-81ED-4DB2-BD59-A6C34878D82A}">
+                    <a16:rowId xmlns:a16="http://schemas.microsoft.com/office/drawing/2014/main" val="1513005252"/>
+                  </a:ext>
+                </a:extLst>
+              </a:tr>
+              <a:tr h="1103904">
+                <a:tc>
+                  <a:txBody>
+                    <a:bodyPr/>
+                    <a:lstStyle/>
+                    <a:p>
+                      <a:r>
+                        <a:rPr lang="fr-FR" dirty="0"/>
+                        <a:t>Régression logistique</a:t>
+                      </a:r>
+                    </a:p>
+                  </a:txBody>
+                  <a:tcPr>
+                    <a:lnR w="12700" cap="flat" cmpd="sng" algn="ctr">
+                      <a:solidFill>
+                        <a:schemeClr val="tx1"/>
+                      </a:solidFill>
+                      <a:prstDash val="solid"/>
+                      <a:round/>
+                      <a:headEnd type="none" w="med" len="med"/>
+                      <a:tailEnd type="none" w="med" len="med"/>
+                    </a:lnR>
+                    <a:lnT w="12700" cap="flat" cmpd="sng" algn="ctr">
+                      <a:solidFill>
+                        <a:schemeClr val="tx1"/>
+                      </a:solidFill>
+                      <a:prstDash val="solid"/>
+                      <a:round/>
+                      <a:headEnd type="none" w="med" len="med"/>
+                      <a:tailEnd type="none" w="med" len="med"/>
+                    </a:lnT>
+                  </a:tcPr>
+                </a:tc>
+                <a:tc>
+                  <a:txBody>
+                    <a:bodyPr/>
+                    <a:lstStyle/>
+                    <a:p>
+                      <a:pPr algn="r"/>
+                      <a:endParaRPr lang="fr-FR" dirty="0"/>
+                    </a:p>
+                  </a:txBody>
+                  <a:tcPr>
+                    <a:lnL w="12700" cap="flat" cmpd="sng" algn="ctr">
+                      <a:solidFill>
+                        <a:schemeClr val="tx1"/>
+                      </a:solidFill>
+                      <a:prstDash val="solid"/>
+                      <a:round/>
+                      <a:headEnd type="none" w="med" len="med"/>
+                      <a:tailEnd type="none" w="med" len="med"/>
+                    </a:lnL>
+                    <a:lnT w="12700" cap="flat" cmpd="sng" algn="ctr">
+                      <a:solidFill>
+                        <a:schemeClr val="tx1"/>
+                      </a:solidFill>
+                      <a:prstDash val="solid"/>
+                      <a:round/>
+                      <a:headEnd type="none" w="med" len="med"/>
+                      <a:tailEnd type="none" w="med" len="med"/>
+                    </a:lnT>
+                  </a:tcPr>
+                </a:tc>
+                <a:extLst>
+                  <a:ext uri="{0D108BD9-81ED-4DB2-BD59-A6C34878D82A}">
+                    <a16:rowId xmlns:a16="http://schemas.microsoft.com/office/drawing/2014/main" val="555058107"/>
+                  </a:ext>
+                </a:extLst>
+              </a:tr>
+              <a:tr h="996632">
+                <a:tc>
+                  <a:txBody>
+                    <a:bodyPr/>
+                    <a:lstStyle/>
+                    <a:p>
+                      <a:r>
+                        <a:rPr lang="fr-FR" dirty="0" err="1"/>
+                        <a:t>Random</a:t>
+                      </a:r>
+                      <a:r>
+                        <a:rPr lang="fr-FR" dirty="0"/>
+                        <a:t> Forest</a:t>
+                      </a:r>
+                    </a:p>
+                  </a:txBody>
+                  <a:tcPr>
+                    <a:lnR w="12700" cap="flat" cmpd="sng" algn="ctr">
+                      <a:solidFill>
+                        <a:schemeClr val="tx1"/>
+                      </a:solidFill>
+                      <a:prstDash val="solid"/>
+                      <a:round/>
+                      <a:headEnd type="none" w="med" len="med"/>
+                      <a:tailEnd type="none" w="med" len="med"/>
+                    </a:lnR>
+                  </a:tcPr>
+                </a:tc>
+                <a:tc>
+                  <a:txBody>
+                    <a:bodyPr/>
+                    <a:lstStyle/>
+                    <a:p>
+                      <a:pPr algn="r"/>
+                      <a:endParaRPr lang="fr-FR" dirty="0"/>
+                    </a:p>
+                  </a:txBody>
+                  <a:tcPr>
+                    <a:lnL w="12700" cap="flat" cmpd="sng" algn="ctr">
+                      <a:solidFill>
+                        <a:schemeClr val="tx1"/>
+                      </a:solidFill>
+                      <a:prstDash val="solid"/>
+                      <a:round/>
+                      <a:headEnd type="none" w="med" len="med"/>
+                      <a:tailEnd type="none" w="med" len="med"/>
+                    </a:lnL>
+                  </a:tcPr>
+                </a:tc>
+                <a:extLst>
+                  <a:ext uri="{0D108BD9-81ED-4DB2-BD59-A6C34878D82A}">
+                    <a16:rowId xmlns:a16="http://schemas.microsoft.com/office/drawing/2014/main" val="3497072245"/>
+                  </a:ext>
+                </a:extLst>
+              </a:tr>
+              <a:tr h="996632">
+                <a:tc>
+                  <a:txBody>
+                    <a:bodyPr/>
+                    <a:lstStyle/>
+                    <a:p>
+                      <a:r>
+                        <a:rPr lang="fr-FR" dirty="0"/>
+                        <a:t>Gradient </a:t>
+                      </a:r>
+                      <a:r>
+                        <a:rPr lang="fr-FR" dirty="0" err="1"/>
+                        <a:t>boosting</a:t>
+                      </a:r>
+                      <a:endParaRPr lang="fr-FR" dirty="0"/>
+                    </a:p>
+                  </a:txBody>
+                  <a:tcPr>
+                    <a:lnR w="12700" cap="flat" cmpd="sng" algn="ctr">
+                      <a:solidFill>
+                        <a:schemeClr val="tx1"/>
+                      </a:solidFill>
+                      <a:prstDash val="solid"/>
+                      <a:round/>
+                      <a:headEnd type="none" w="med" len="med"/>
+                      <a:tailEnd type="none" w="med" len="med"/>
+                    </a:lnR>
+                  </a:tcPr>
+                </a:tc>
+                <a:tc>
+                  <a:txBody>
+                    <a:bodyPr/>
+                    <a:lstStyle/>
+                    <a:p>
+                      <a:pPr algn="r"/>
+                      <a:endParaRPr lang="fr-FR" dirty="0"/>
+                    </a:p>
+                  </a:txBody>
+                  <a:tcPr>
+                    <a:lnL w="12700" cap="flat" cmpd="sng" algn="ctr">
+                      <a:solidFill>
+                        <a:schemeClr val="tx1"/>
+                      </a:solidFill>
+                      <a:prstDash val="solid"/>
+                      <a:round/>
+                      <a:headEnd type="none" w="med" len="med"/>
+                      <a:tailEnd type="none" w="med" len="med"/>
+                    </a:lnL>
+                  </a:tcPr>
+                </a:tc>
+                <a:extLst>
+                  <a:ext uri="{0D108BD9-81ED-4DB2-BD59-A6C34878D82A}">
+                    <a16:rowId xmlns:a16="http://schemas.microsoft.com/office/drawing/2014/main" val="1801750295"/>
+                  </a:ext>
+                </a:extLst>
+              </a:tr>
+            </a:tbl>
+          </a:graphicData>
+        </a:graphic>
+      </p:graphicFrame>
+      <p:pic>
+        <p:nvPicPr>
+          <p:cNvPr id="7" name="Image 6">
+            <a:extLst>
+              <a:ext uri="{FF2B5EF4-FFF2-40B4-BE49-F238E27FC236}">
+                <a16:creationId xmlns:a16="http://schemas.microsoft.com/office/drawing/2014/main" id="{C5299595-9156-7C48-BC6F-9E58B0F83F11}"/>
+              </a:ext>
+            </a:extLst>
+          </p:cNvPr>
+          <p:cNvPicPr>
+            <a:picLocks noChangeAspect="1"/>
+          </p:cNvPicPr>
+          <p:nvPr/>
+        </p:nvPicPr>
+        <p:blipFill>
+          <a:blip r:embed="rId2"/>
+          <a:stretch>
+            <a:fillRect/>
+          </a:stretch>
+        </p:blipFill>
+        <p:spPr>
+          <a:xfrm>
+            <a:off x="3465938" y="4743356"/>
+            <a:ext cx="5468049" cy="514444"/>
+          </a:xfrm>
+          <a:prstGeom prst="rect">
+            <a:avLst/>
+          </a:prstGeom>
+        </p:spPr>
+      </p:pic>
+      <p:pic>
+        <p:nvPicPr>
+          <p:cNvPr id="9" name="Image 8">
+            <a:extLst>
+              <a:ext uri="{FF2B5EF4-FFF2-40B4-BE49-F238E27FC236}">
+                <a16:creationId xmlns:a16="http://schemas.microsoft.com/office/drawing/2014/main" id="{DB157DA7-CEDB-08BF-6590-26EACC11203D}"/>
+              </a:ext>
+            </a:extLst>
+          </p:cNvPr>
+          <p:cNvPicPr>
+            <a:picLocks noChangeAspect="1"/>
+          </p:cNvPicPr>
+          <p:nvPr/>
+        </p:nvPicPr>
+        <p:blipFill>
+          <a:blip r:embed="rId3"/>
+          <a:stretch>
+            <a:fillRect/>
+          </a:stretch>
+        </p:blipFill>
+        <p:spPr>
+          <a:xfrm>
+            <a:off x="3465938" y="2655639"/>
+            <a:ext cx="5010849" cy="552527"/>
+          </a:xfrm>
+          <a:prstGeom prst="rect">
+            <a:avLst/>
+          </a:prstGeom>
+        </p:spPr>
+      </p:pic>
+      <p:pic>
+        <p:nvPicPr>
+          <p:cNvPr id="11" name="Image 10">
+            <a:extLst>
+              <a:ext uri="{FF2B5EF4-FFF2-40B4-BE49-F238E27FC236}">
+                <a16:creationId xmlns:a16="http://schemas.microsoft.com/office/drawing/2014/main" id="{1F3B51CD-FCC7-46E2-0136-B385AD0825DF}"/>
+              </a:ext>
+            </a:extLst>
+          </p:cNvPr>
+          <p:cNvPicPr>
+            <a:picLocks noChangeAspect="1"/>
+          </p:cNvPicPr>
+          <p:nvPr/>
+        </p:nvPicPr>
+        <p:blipFill>
+          <a:blip r:embed="rId4"/>
+          <a:stretch>
+            <a:fillRect/>
+          </a:stretch>
+        </p:blipFill>
+        <p:spPr>
+          <a:xfrm>
+            <a:off x="3465938" y="3679906"/>
+            <a:ext cx="4591691" cy="657317"/>
+          </a:xfrm>
+          <a:prstGeom prst="rect">
+            <a:avLst/>
+          </a:prstGeom>
+        </p:spPr>
+      </p:pic>
+    </p:spTree>
+    <p:extLst>
+      <p:ext uri="{BB962C8B-B14F-4D97-AF65-F5344CB8AC3E}">
+        <p14:creationId xmlns:p14="http://schemas.microsoft.com/office/powerpoint/2010/main" val="2161479730"/>
+      </p:ext>
+    </p:extLst>
+  </p:cSld>
+  <p:clrMapOvr>
+    <a:masterClrMapping/>
+  </p:clrMapOvr>
+</p:sld>
+</file>
+
+<file path=ppt/slides/slide15.xml><?xml version="1.0" encoding="utf-8"?>
+<p:sld xmlns:a="http://schemas.openxmlformats.org/drawingml/2006/main" xmlns:r="http://schemas.openxmlformats.org/officeDocument/2006/relationships" xmlns:p="http://schemas.openxmlformats.org/presentationml/2006/main">
+  <p:cSld>
+    <p:spTree>
+      <p:nvGrpSpPr>
+        <p:cNvPr id="1" name=""/>
+        <p:cNvGrpSpPr/>
+        <p:nvPr/>
+      </p:nvGrpSpPr>
+      <p:grpSpPr>
+        <a:xfrm>
+          <a:off x="0" y="0"/>
+          <a:ext cx="0" cy="0"/>
+          <a:chOff x="0" y="0"/>
+          <a:chExt cx="0" cy="0"/>
+        </a:xfrm>
+      </p:grpSpPr>
+      <p:sp>
+        <p:nvSpPr>
+          <p:cNvPr id="2" name="Titre 1">
+            <a:extLst>
+              <a:ext uri="{FF2B5EF4-FFF2-40B4-BE49-F238E27FC236}">
+                <a16:creationId xmlns:a16="http://schemas.microsoft.com/office/drawing/2014/main" id="{1FA890A9-1FC5-0BCA-4837-BD54E9E255D9}"/>
+              </a:ext>
+            </a:extLst>
+          </p:cNvPr>
+          <p:cNvSpPr>
+            <a:spLocks noGrp="1"/>
+          </p:cNvSpPr>
+          <p:nvPr>
+            <p:ph type="title"/>
+          </p:nvPr>
+        </p:nvSpPr>
+        <p:spPr/>
+        <p:txBody>
+          <a:bodyPr/>
+          <a:lstStyle/>
+          <a:p>
+            <a:r>
+              <a:rPr lang="fr-FR" dirty="0"/>
+              <a:t>Ecarts entre les modèles</a:t>
+            </a:r>
+          </a:p>
+        </p:txBody>
+      </p:sp>
+      <p:sp>
+        <p:nvSpPr>
+          <p:cNvPr id="3" name="Espace réservé du contenu 2">
+            <a:extLst>
+              <a:ext uri="{FF2B5EF4-FFF2-40B4-BE49-F238E27FC236}">
+                <a16:creationId xmlns:a16="http://schemas.microsoft.com/office/drawing/2014/main" id="{EF54025C-6539-7920-E3A3-F01C106D9B11}"/>
+              </a:ext>
+            </a:extLst>
+          </p:cNvPr>
+          <p:cNvSpPr>
+            <a:spLocks noGrp="1"/>
+          </p:cNvSpPr>
+          <p:nvPr>
+            <p:ph idx="1"/>
+          </p:nvPr>
+        </p:nvSpPr>
+        <p:spPr/>
+        <p:txBody>
+          <a:bodyPr/>
+          <a:lstStyle/>
+          <a:p>
+            <a:pPr marL="0" indent="0">
+              <a:buNone/>
+            </a:pPr>
+            <a:endParaRPr lang="fr-FR" dirty="0"/>
+          </a:p>
+        </p:txBody>
+      </p:sp>
+      <p:pic>
+        <p:nvPicPr>
+          <p:cNvPr id="5" name="Image 4">
+            <a:extLst>
+              <a:ext uri="{FF2B5EF4-FFF2-40B4-BE49-F238E27FC236}">
+                <a16:creationId xmlns:a16="http://schemas.microsoft.com/office/drawing/2014/main" id="{335C54A0-A053-B439-33FF-3E64457A659C}"/>
+              </a:ext>
+            </a:extLst>
+          </p:cNvPr>
+          <p:cNvPicPr>
+            <a:picLocks noChangeAspect="1"/>
+          </p:cNvPicPr>
+          <p:nvPr/>
+        </p:nvPicPr>
+        <p:blipFill>
+          <a:blip r:embed="rId2"/>
+          <a:stretch>
+            <a:fillRect/>
+          </a:stretch>
+        </p:blipFill>
+        <p:spPr>
+          <a:xfrm>
+            <a:off x="3286917" y="1064570"/>
+            <a:ext cx="2651760" cy="2308474"/>
+          </a:xfrm>
+          <a:prstGeom prst="rect">
+            <a:avLst/>
+          </a:prstGeom>
+        </p:spPr>
+      </p:pic>
+      <p:pic>
+        <p:nvPicPr>
+          <p:cNvPr id="7" name="Image 6">
+            <a:extLst>
+              <a:ext uri="{FF2B5EF4-FFF2-40B4-BE49-F238E27FC236}">
+                <a16:creationId xmlns:a16="http://schemas.microsoft.com/office/drawing/2014/main" id="{B06655B3-B5E1-C6BD-07D8-0120100CF108}"/>
+              </a:ext>
+            </a:extLst>
+          </p:cNvPr>
+          <p:cNvPicPr>
+            <a:picLocks noChangeAspect="1"/>
+          </p:cNvPicPr>
+          <p:nvPr/>
+        </p:nvPicPr>
+        <p:blipFill>
+          <a:blip r:embed="rId3"/>
+          <a:stretch>
+            <a:fillRect/>
+          </a:stretch>
+        </p:blipFill>
+        <p:spPr>
+          <a:xfrm>
+            <a:off x="457200" y="1120526"/>
+            <a:ext cx="2651760" cy="2308474"/>
+          </a:xfrm>
+          <a:prstGeom prst="rect">
+            <a:avLst/>
+          </a:prstGeom>
+        </p:spPr>
+      </p:pic>
+      <p:pic>
+        <p:nvPicPr>
+          <p:cNvPr id="9" name="Image 8">
+            <a:extLst>
+              <a:ext uri="{FF2B5EF4-FFF2-40B4-BE49-F238E27FC236}">
+                <a16:creationId xmlns:a16="http://schemas.microsoft.com/office/drawing/2014/main" id="{DDC15EAB-636E-D528-A653-9AC49D985B24}"/>
+              </a:ext>
+            </a:extLst>
+          </p:cNvPr>
+          <p:cNvPicPr>
+            <a:picLocks noChangeAspect="1"/>
+          </p:cNvPicPr>
+          <p:nvPr/>
+        </p:nvPicPr>
+        <p:blipFill>
+          <a:blip r:embed="rId4"/>
+          <a:stretch>
+            <a:fillRect/>
+          </a:stretch>
+        </p:blipFill>
+        <p:spPr>
+          <a:xfrm>
+            <a:off x="1334192" y="3611562"/>
+            <a:ext cx="6201295" cy="3050231"/>
+          </a:xfrm>
+          <a:prstGeom prst="rect">
+            <a:avLst/>
+          </a:prstGeom>
+        </p:spPr>
+      </p:pic>
+      <p:pic>
+        <p:nvPicPr>
+          <p:cNvPr id="11" name="Image 10">
+            <a:extLst>
+              <a:ext uri="{FF2B5EF4-FFF2-40B4-BE49-F238E27FC236}">
+                <a16:creationId xmlns:a16="http://schemas.microsoft.com/office/drawing/2014/main" id="{ACE280F5-70AD-BAE0-E8A6-23145913F5B2}"/>
+              </a:ext>
+            </a:extLst>
+          </p:cNvPr>
+          <p:cNvPicPr>
+            <a:picLocks noChangeAspect="1"/>
+          </p:cNvPicPr>
+          <p:nvPr/>
+        </p:nvPicPr>
+        <p:blipFill>
+          <a:blip r:embed="rId5"/>
+          <a:stretch>
+            <a:fillRect/>
+          </a:stretch>
+        </p:blipFill>
+        <p:spPr>
+          <a:xfrm>
+            <a:off x="6075837" y="1064570"/>
+            <a:ext cx="2748123" cy="2392362"/>
+          </a:xfrm>
+          <a:prstGeom prst="rect">
+            <a:avLst/>
+          </a:prstGeom>
+        </p:spPr>
+      </p:pic>
+    </p:spTree>
+    <p:extLst>
+      <p:ext uri="{BB962C8B-B14F-4D97-AF65-F5344CB8AC3E}">
+        <p14:creationId xmlns:p14="http://schemas.microsoft.com/office/powerpoint/2010/main" val="2687667382"/>
+      </p:ext>
+    </p:extLst>
+  </p:cSld>
+  <p:clrMapOvr>
+    <a:masterClrMapping/>
+  </p:clrMapOvr>
+</p:sld>
+</file>
+
+<file path=ppt/slides/slide16.xml><?xml version="1.0" encoding="utf-8"?>
+<p:sld xmlns:a="http://schemas.openxmlformats.org/drawingml/2006/main" xmlns:r="http://schemas.openxmlformats.org/officeDocument/2006/relationships" xmlns:p="http://schemas.openxmlformats.org/presentationml/2006/main">
+  <p:cSld>
+    <p:spTree>
+      <p:nvGrpSpPr>
+        <p:cNvPr id="1" name=""/>
+        <p:cNvGrpSpPr/>
+        <p:nvPr/>
+      </p:nvGrpSpPr>
+      <p:grpSpPr>
+        <a:xfrm>
+          <a:off x="0" y="0"/>
+          <a:ext cx="0" cy="0"/>
+          <a:chOff x="0" y="0"/>
+          <a:chExt cx="0" cy="0"/>
+        </a:xfrm>
+      </p:grpSpPr>
+      <p:sp>
+        <p:nvSpPr>
+          <p:cNvPr id="2" name="Titre 1">
+            <a:extLst>
+              <a:ext uri="{FF2B5EF4-FFF2-40B4-BE49-F238E27FC236}">
+                <a16:creationId xmlns:a16="http://schemas.microsoft.com/office/drawing/2014/main" id="{FC50C7BA-DD3E-E272-0683-DD600E36C36C}"/>
+              </a:ext>
+            </a:extLst>
+          </p:cNvPr>
+          <p:cNvSpPr>
+            <a:spLocks noGrp="1"/>
+          </p:cNvSpPr>
+          <p:nvPr>
+            <p:ph type="title"/>
+          </p:nvPr>
+        </p:nvSpPr>
+        <p:spPr/>
+        <p:txBody>
+          <a:bodyPr/>
+          <a:lstStyle/>
+          <a:p>
+            <a:r>
+              <a:rPr lang="fr-FR" dirty="0"/>
+              <a:t>Comparatif</a:t>
+            </a:r>
+          </a:p>
+        </p:txBody>
+      </p:sp>
+      <p:sp>
+        <p:nvSpPr>
+          <p:cNvPr id="3" name="Espace réservé du contenu 2">
+            <a:extLst>
+              <a:ext uri="{FF2B5EF4-FFF2-40B4-BE49-F238E27FC236}">
+                <a16:creationId xmlns:a16="http://schemas.microsoft.com/office/drawing/2014/main" id="{5BE85845-F259-386A-1FF1-2F1A89A0493B}"/>
+              </a:ext>
+            </a:extLst>
+          </p:cNvPr>
+          <p:cNvSpPr>
+            <a:spLocks noGrp="1"/>
+          </p:cNvSpPr>
+          <p:nvPr>
+            <p:ph idx="1"/>
+          </p:nvPr>
+        </p:nvSpPr>
+        <p:spPr/>
+        <p:txBody>
+          <a:bodyPr/>
+          <a:lstStyle/>
+          <a:p>
+            <a:endParaRPr lang="fr-FR"/>
+          </a:p>
+        </p:txBody>
+      </p:sp>
+      <p:pic>
+        <p:nvPicPr>
+          <p:cNvPr id="5" name="Image 4">
+            <a:extLst>
+              <a:ext uri="{FF2B5EF4-FFF2-40B4-BE49-F238E27FC236}">
+                <a16:creationId xmlns:a16="http://schemas.microsoft.com/office/drawing/2014/main" id="{120A413E-DE9E-01FF-FC7A-EEC750B7F00F}"/>
+              </a:ext>
+            </a:extLst>
+          </p:cNvPr>
+          <p:cNvPicPr>
+            <a:picLocks noChangeAspect="1"/>
+          </p:cNvPicPr>
+          <p:nvPr/>
+        </p:nvPicPr>
+        <p:blipFill>
+          <a:blip r:embed="rId2"/>
+          <a:stretch>
+            <a:fillRect/>
+          </a:stretch>
+        </p:blipFill>
+        <p:spPr>
+          <a:xfrm>
+            <a:off x="282696" y="1600200"/>
+            <a:ext cx="8578607" cy="3619875"/>
+          </a:xfrm>
+          <a:prstGeom prst="rect">
+            <a:avLst/>
+          </a:prstGeom>
+        </p:spPr>
+      </p:pic>
+    </p:spTree>
+    <p:extLst>
+      <p:ext uri="{BB962C8B-B14F-4D97-AF65-F5344CB8AC3E}">
+        <p14:creationId xmlns:p14="http://schemas.microsoft.com/office/powerpoint/2010/main" val="3575880056"/>
+      </p:ext>
+    </p:extLst>
+  </p:cSld>
+  <p:clrMapOvr>
+    <a:masterClrMapping/>
+  </p:clrMapOvr>
+</p:sld>
+</file>
+
+<file path=ppt/slides/slide17.xml><?xml version="1.0" encoding="utf-8"?>
+<p:sld xmlns:a="http://schemas.openxmlformats.org/drawingml/2006/main" xmlns:r="http://schemas.openxmlformats.org/officeDocument/2006/relationships" xmlns:p="http://schemas.openxmlformats.org/presentationml/2006/main">
+  <p:cSld>
+    <p:spTree>
+      <p:nvGrpSpPr>
+        <p:cNvPr id="1" name=""/>
+        <p:cNvGrpSpPr/>
+        <p:nvPr/>
+      </p:nvGrpSpPr>
+      <p:grpSpPr>
+        <a:xfrm>
+          <a:off x="0" y="0"/>
+          <a:ext cx="0" cy="0"/>
+          <a:chOff x="0" y="0"/>
+          <a:chExt cx="0" cy="0"/>
+        </a:xfrm>
+      </p:grpSpPr>
+      <p:sp>
+        <p:nvSpPr>
+          <p:cNvPr id="2" name="Titre 1">
+            <a:extLst>
+              <a:ext uri="{FF2B5EF4-FFF2-40B4-BE49-F238E27FC236}">
+                <a16:creationId xmlns:a16="http://schemas.microsoft.com/office/drawing/2014/main" id="{EFCF9DA8-B48E-83BB-075B-7820D2850051}"/>
+              </a:ext>
+            </a:extLst>
+          </p:cNvPr>
+          <p:cNvSpPr>
+            <a:spLocks noGrp="1"/>
+          </p:cNvSpPr>
+          <p:nvPr>
+            <p:ph type="title"/>
+          </p:nvPr>
+        </p:nvSpPr>
+        <p:spPr/>
+        <p:txBody>
+          <a:bodyPr/>
+          <a:lstStyle/>
+          <a:p>
+            <a:r>
+              <a:rPr lang="fr-FR" dirty="0"/>
+              <a:t>Importance des </a:t>
+            </a:r>
+            <a:r>
+              <a:rPr lang="fr-FR" dirty="0" err="1"/>
+              <a:t>features</a:t>
+            </a:r>
+            <a:endParaRPr lang="fr-FR" dirty="0"/>
+          </a:p>
+        </p:txBody>
+      </p:sp>
+      <p:sp>
+        <p:nvSpPr>
+          <p:cNvPr id="3" name="Espace réservé du contenu 2">
+            <a:extLst>
+              <a:ext uri="{FF2B5EF4-FFF2-40B4-BE49-F238E27FC236}">
+                <a16:creationId xmlns:a16="http://schemas.microsoft.com/office/drawing/2014/main" id="{6CDBF437-C127-3CCC-F599-BC4974D1BD49}"/>
+              </a:ext>
+            </a:extLst>
+          </p:cNvPr>
+          <p:cNvSpPr>
+            <a:spLocks noGrp="1"/>
+          </p:cNvSpPr>
+          <p:nvPr>
+            <p:ph idx="1"/>
+          </p:nvPr>
+        </p:nvSpPr>
+        <p:spPr/>
+        <p:txBody>
+          <a:bodyPr/>
+          <a:lstStyle/>
+          <a:p>
+            <a:endParaRPr lang="fr-FR"/>
+          </a:p>
+        </p:txBody>
+      </p:sp>
+      <p:pic>
+        <p:nvPicPr>
+          <p:cNvPr id="6" name="Image 5">
+            <a:extLst>
+              <a:ext uri="{FF2B5EF4-FFF2-40B4-BE49-F238E27FC236}">
+                <a16:creationId xmlns:a16="http://schemas.microsoft.com/office/drawing/2014/main" id="{1D1D3F8D-816C-451C-856C-9586456461BB}"/>
+              </a:ext>
+            </a:extLst>
+          </p:cNvPr>
+          <p:cNvPicPr>
+            <a:picLocks noChangeAspect="1"/>
+          </p:cNvPicPr>
+          <p:nvPr/>
+        </p:nvPicPr>
+        <p:blipFill>
+          <a:blip r:embed="rId2"/>
+          <a:stretch>
+            <a:fillRect/>
+          </a:stretch>
+        </p:blipFill>
+        <p:spPr>
+          <a:xfrm>
+            <a:off x="457200" y="1560040"/>
+            <a:ext cx="8229600" cy="3364127"/>
           </a:xfrm>
           <a:prstGeom prst="rect">
             <a:avLst/>
@@ -3678,7 +4748,7 @@
 </p:sld>
 </file>
 
-<file path=ppt/slides/slide14.xml><?xml version="1.0" encoding="utf-8"?>
+<file path=ppt/slides/slide18.xml><?xml version="1.0" encoding="utf-8"?>
 <p:sld xmlns:a="http://schemas.openxmlformats.org/drawingml/2006/main" xmlns:r="http://schemas.openxmlformats.org/officeDocument/2006/relationships" xmlns:p="http://schemas.openxmlformats.org/presentationml/2006/main">
   <p:cSld>
     <p:spTree>
@@ -3807,400 +4877,6 @@
 </p:sld>
 </file>
 
-<file path=ppt/slides/slide15.xml><?xml version="1.0" encoding="utf-8"?>
-<p:sld xmlns:a="http://schemas.openxmlformats.org/drawingml/2006/main" xmlns:r="http://schemas.openxmlformats.org/officeDocument/2006/relationships" xmlns:p="http://schemas.openxmlformats.org/presentationml/2006/main">
-  <p:cSld>
-    <p:spTree>
-      <p:nvGrpSpPr>
-        <p:cNvPr id="1" name=""/>
-        <p:cNvGrpSpPr/>
-        <p:nvPr/>
-      </p:nvGrpSpPr>
-      <p:grpSpPr>
-        <a:xfrm>
-          <a:off x="0" y="0"/>
-          <a:ext cx="0" cy="0"/>
-          <a:chOff x="0" y="0"/>
-          <a:chExt cx="0" cy="0"/>
-        </a:xfrm>
-      </p:grpSpPr>
-      <p:sp>
-        <p:nvSpPr>
-          <p:cNvPr id="2" name="Title 1"/>
-          <p:cNvSpPr>
-            <a:spLocks noGrp="1"/>
-          </p:cNvSpPr>
-          <p:nvPr>
-            <p:ph type="title"/>
-          </p:nvPr>
-        </p:nvSpPr>
-        <p:spPr/>
-        <p:txBody>
-          <a:bodyPr/>
-          <a:lstStyle/>
-          <a:p>
-            <a:r>
-              <a:t>Stratégies &amp; Modélisation</a:t>
-            </a:r>
-          </a:p>
-        </p:txBody>
-      </p:sp>
-      <p:sp>
-        <p:nvSpPr>
-          <p:cNvPr id="3" name="Content Placeholder 2"/>
-          <p:cNvSpPr>
-            <a:spLocks noGrp="1"/>
-          </p:cNvSpPr>
-          <p:nvPr>
-            <p:ph idx="1"/>
-          </p:nvPr>
-        </p:nvSpPr>
-        <p:spPr/>
-        <p:txBody>
-          <a:bodyPr/>
-          <a:lstStyle/>
-          <a:p>
-            <a:endParaRPr/>
-          </a:p>
-          <a:p>
-            <a:r>
-              <a:t>1. Baseline : Règles Fixes</a:t>
-            </a:r>
-          </a:p>
-          <a:p>
-            <a:pPr lvl="1"/>
-            <a:r>
-              <a:t>Stratégie simple (ex: EMA Cross + RSI) pour établir un niveau de référence.</a:t>
-            </a:r>
-          </a:p>
-          <a:p>
-            <a:r>
-              <a:t>2. Machine Learning</a:t>
-            </a:r>
-          </a:p>
-          <a:p>
-            <a:pPr lvl="1"/>
-            <a:r>
-              <a:t>Objectif : Prédire la direction (Hausse/Baisse) de la prochaine bougie.</a:t>
-            </a:r>
-          </a:p>
-          <a:p>
-            <a:pPr lvl="1"/>
-            <a:r>
-              <a:t>Algorithmes : Random Forest, Gradient Boosting.</a:t>
-            </a:r>
-          </a:p>
-        </p:txBody>
-      </p:sp>
-    </p:spTree>
-  </p:cSld>
-  <p:clrMapOvr>
-    <a:masterClrMapping/>
-  </p:clrMapOvr>
-</p:sld>
-</file>
-
-<file path=ppt/slides/slide16.xml><?xml version="1.0" encoding="utf-8"?>
-<p:sld xmlns:a="http://schemas.openxmlformats.org/drawingml/2006/main" xmlns:r="http://schemas.openxmlformats.org/officeDocument/2006/relationships" xmlns:p="http://schemas.openxmlformats.org/presentationml/2006/main">
-  <p:cSld>
-    <p:spTree>
-      <p:nvGrpSpPr>
-        <p:cNvPr id="1" name=""/>
-        <p:cNvGrpSpPr/>
-        <p:nvPr/>
-      </p:nvGrpSpPr>
-      <p:grpSpPr>
-        <a:xfrm>
-          <a:off x="0" y="0"/>
-          <a:ext cx="0" cy="0"/>
-          <a:chOff x="0" y="0"/>
-          <a:chExt cx="0" cy="0"/>
-        </a:xfrm>
-      </p:grpSpPr>
-      <p:sp>
-        <p:nvSpPr>
-          <p:cNvPr id="2" name="Titre 1">
-            <a:extLst>
-              <a:ext uri="{FF2B5EF4-FFF2-40B4-BE49-F238E27FC236}">
-                <a16:creationId xmlns:a16="http://schemas.microsoft.com/office/drawing/2014/main" id="{A2385115-F8F0-9ADA-1D5C-45C6D73A5193}"/>
-              </a:ext>
-            </a:extLst>
-          </p:cNvPr>
-          <p:cNvSpPr>
-            <a:spLocks noGrp="1"/>
-          </p:cNvSpPr>
-          <p:nvPr>
-            <p:ph type="title"/>
-          </p:nvPr>
-        </p:nvSpPr>
-        <p:spPr/>
-        <p:txBody>
-          <a:bodyPr/>
-          <a:lstStyle/>
-          <a:p>
-            <a:r>
-              <a:rPr lang="fr-FR" dirty="0"/>
-              <a:t>Phase </a:t>
-            </a:r>
-          </a:p>
-        </p:txBody>
-      </p:sp>
-      <p:sp>
-        <p:nvSpPr>
-          <p:cNvPr id="3" name="Espace réservé du contenu 2">
-            <a:extLst>
-              <a:ext uri="{FF2B5EF4-FFF2-40B4-BE49-F238E27FC236}">
-                <a16:creationId xmlns:a16="http://schemas.microsoft.com/office/drawing/2014/main" id="{8A34695F-4349-90FD-FA12-A2963D35CF95}"/>
-              </a:ext>
-            </a:extLst>
-          </p:cNvPr>
-          <p:cNvSpPr>
-            <a:spLocks noGrp="1"/>
-          </p:cNvSpPr>
-          <p:nvPr>
-            <p:ph idx="1"/>
-          </p:nvPr>
-        </p:nvSpPr>
-        <p:spPr/>
-        <p:txBody>
-          <a:bodyPr/>
-          <a:lstStyle/>
-          <a:p>
-            <a:r>
-              <a:rPr lang="fr-FR" dirty="0"/>
-              <a:t>Protocole de Split Strict (Interdiction de split aléatoire) :</a:t>
-            </a:r>
-          </a:p>
-          <a:p>
-            <a:pPr lvl="1"/>
-            <a:r>
-              <a:rPr lang="fr-FR" dirty="0"/>
-              <a:t>2022 : Entraînement (Train)</a:t>
-            </a:r>
-          </a:p>
-          <a:p>
-            <a:pPr lvl="1"/>
-            <a:r>
-              <a:rPr lang="fr-FR" dirty="0"/>
-              <a:t>2023 : Validation / Optimisation</a:t>
-            </a:r>
-          </a:p>
-          <a:p>
-            <a:pPr lvl="1"/>
-            <a:r>
-              <a:rPr lang="fr-FR" dirty="0"/>
-              <a:t>2024 : Test Final (Jamais vu par le modèle)</a:t>
-            </a:r>
-          </a:p>
-          <a:p>
-            <a:endParaRPr lang="fr-FR" dirty="0"/>
-          </a:p>
-        </p:txBody>
-      </p:sp>
-    </p:spTree>
-    <p:extLst>
-      <p:ext uri="{BB962C8B-B14F-4D97-AF65-F5344CB8AC3E}">
-        <p14:creationId xmlns:p14="http://schemas.microsoft.com/office/powerpoint/2010/main" val="699077693"/>
-      </p:ext>
-    </p:extLst>
-  </p:cSld>
-  <p:clrMapOvr>
-    <a:masterClrMapping/>
-  </p:clrMapOvr>
-</p:sld>
-</file>
-
-<file path=ppt/slides/slide17.xml><?xml version="1.0" encoding="utf-8"?>
-<p:sld xmlns:a="http://schemas.openxmlformats.org/drawingml/2006/main" xmlns:r="http://schemas.openxmlformats.org/officeDocument/2006/relationships" xmlns:p="http://schemas.openxmlformats.org/presentationml/2006/main">
-  <p:cSld>
-    <p:spTree>
-      <p:nvGrpSpPr>
-        <p:cNvPr id="1" name=""/>
-        <p:cNvGrpSpPr/>
-        <p:nvPr/>
-      </p:nvGrpSpPr>
-      <p:grpSpPr>
-        <a:xfrm>
-          <a:off x="0" y="0"/>
-          <a:ext cx="0" cy="0"/>
-          <a:chOff x="0" y="0"/>
-          <a:chExt cx="0" cy="0"/>
-        </a:xfrm>
-      </p:grpSpPr>
-      <p:sp>
-        <p:nvSpPr>
-          <p:cNvPr id="2" name="Title 1"/>
-          <p:cNvSpPr>
-            <a:spLocks noGrp="1"/>
-          </p:cNvSpPr>
-          <p:nvPr>
-            <p:ph type="title"/>
-          </p:nvPr>
-        </p:nvSpPr>
-        <p:spPr/>
-        <p:txBody>
-          <a:bodyPr>
-            <a:normAutofit fontScale="90000"/>
-          </a:bodyPr>
-          <a:lstStyle/>
-          <a:p>
-            <a:r>
-              <a:t>Architecture Technique &amp; Industrialisation</a:t>
-            </a:r>
-          </a:p>
-        </p:txBody>
-      </p:sp>
-      <p:sp>
-        <p:nvSpPr>
-          <p:cNvPr id="3" name="Content Placeholder 2"/>
-          <p:cNvSpPr>
-            <a:spLocks noGrp="1"/>
-          </p:cNvSpPr>
-          <p:nvPr>
-            <p:ph idx="1"/>
-          </p:nvPr>
-        </p:nvSpPr>
-        <p:spPr/>
-        <p:txBody>
-          <a:bodyPr/>
-          <a:lstStyle/>
-          <a:p>
-            <a:endParaRPr/>
-          </a:p>
-          <a:p>
-            <a:r>
-              <a:t>Backend : API FastAPI</a:t>
-            </a:r>
-          </a:p>
-          <a:p>
-            <a:pPr lvl="1"/>
-            <a:r>
-              <a:t>Expose le meilleur modèle, gère les inférences.</a:t>
-            </a:r>
-          </a:p>
-          <a:p>
-            <a:r>
-              <a:t>Frontend : Web App Flask</a:t>
-            </a:r>
-          </a:p>
-          <a:p>
-            <a:pPr lvl="1"/>
-            <a:r>
-              <a:t>Dashboard utilisateur, visualisation des prédictions.</a:t>
-            </a:r>
-          </a:p>
-          <a:p>
-            <a:r>
-              <a:t>MLOps :</a:t>
-            </a:r>
-          </a:p>
-          <a:p>
-            <a:pPr lvl="1"/>
-            <a:r>
-              <a:t>Model Registry (Versioning v1/v2), Dockerisation.</a:t>
-            </a:r>
-          </a:p>
-        </p:txBody>
-      </p:sp>
-    </p:spTree>
-  </p:cSld>
-  <p:clrMapOvr>
-    <a:masterClrMapping/>
-  </p:clrMapOvr>
-</p:sld>
-</file>
-
-<file path=ppt/slides/slide18.xml><?xml version="1.0" encoding="utf-8"?>
-<p:sld xmlns:a="http://schemas.openxmlformats.org/drawingml/2006/main" xmlns:r="http://schemas.openxmlformats.org/officeDocument/2006/relationships" xmlns:p="http://schemas.openxmlformats.org/presentationml/2006/main">
-  <p:cSld>
-    <p:spTree>
-      <p:nvGrpSpPr>
-        <p:cNvPr id="1" name=""/>
-        <p:cNvGrpSpPr/>
-        <p:nvPr/>
-      </p:nvGrpSpPr>
-      <p:grpSpPr>
-        <a:xfrm>
-          <a:off x="0" y="0"/>
-          <a:ext cx="0" cy="0"/>
-          <a:chOff x="0" y="0"/>
-          <a:chExt cx="0" cy="0"/>
-        </a:xfrm>
-      </p:grpSpPr>
-      <p:sp>
-        <p:nvSpPr>
-          <p:cNvPr id="2" name="Title 1"/>
-          <p:cNvSpPr>
-            <a:spLocks noGrp="1"/>
-          </p:cNvSpPr>
-          <p:nvPr>
-            <p:ph type="title"/>
-          </p:nvPr>
-        </p:nvSpPr>
-        <p:spPr/>
-        <p:txBody>
-          <a:bodyPr/>
-          <a:lstStyle/>
-          <a:p>
-            <a:r>
-              <a:t>Conclusion</a:t>
-            </a:r>
-          </a:p>
-        </p:txBody>
-      </p:sp>
-      <p:sp>
-        <p:nvSpPr>
-          <p:cNvPr id="3" name="Content Placeholder 2"/>
-          <p:cNvSpPr>
-            <a:spLocks noGrp="1"/>
-          </p:cNvSpPr>
-          <p:nvPr>
-            <p:ph idx="1"/>
-          </p:nvPr>
-        </p:nvSpPr>
-        <p:spPr/>
-        <p:txBody>
-          <a:bodyPr/>
-          <a:lstStyle/>
-          <a:p>
-            <a:r>
-              <a:t>Un modèle performant n'est pas celui qui gagne le plus sur 2022, mais celui qui :</a:t>
-            </a:r>
-          </a:p>
-          <a:p>
-            <a:pPr lvl="1"/>
-            <a:r>
-              <a:t>Survit au changement de régime (Robustesse 2024).</a:t>
-            </a:r>
-          </a:p>
-          <a:p>
-            <a:pPr lvl="1"/>
-            <a:r>
-              <a:t>Tient compte des coûts de transaction.</a:t>
-            </a:r>
-          </a:p>
-          <a:p>
-            <a:pPr lvl="1"/>
-            <a:r>
-              <a:t>Évite l'overfitting temporel.</a:t>
-            </a:r>
-          </a:p>
-          <a:p>
-            <a:pPr lvl="1"/>
-            <a:r>
-              <a:t>Est reproductible et industrialisable.</a:t>
-            </a:r>
-          </a:p>
-        </p:txBody>
-      </p:sp>
-    </p:spTree>
-  </p:cSld>
-  <p:clrMapOvr>
-    <a:masterClrMapping/>
-  </p:clrMapOvr>
-</p:sld>
-</file>
-
 <file path=ppt/slides/slide19.xml><?xml version="1.0" encoding="utf-8"?>
 <p:sld xmlns:a="http://schemas.openxmlformats.org/drawingml/2006/main" xmlns:r="http://schemas.openxmlformats.org/officeDocument/2006/relationships" xmlns:p="http://schemas.openxmlformats.org/presentationml/2006/main">
   <p:cSld>
@@ -4223,7 +4899,7 @@
           <p:cNvPr id="2" name="Titre 1">
             <a:extLst>
               <a:ext uri="{FF2B5EF4-FFF2-40B4-BE49-F238E27FC236}">
-                <a16:creationId xmlns:a16="http://schemas.microsoft.com/office/drawing/2014/main" id="{DF5A850C-617E-1B56-039D-94724685E2D3}"/>
+                <a16:creationId xmlns:a16="http://schemas.microsoft.com/office/drawing/2014/main" id="{1A87A67A-FD32-6DC3-D39D-4AE87A1BF14B}"/>
               </a:ext>
             </a:extLst>
           </p:cNvPr>
@@ -4242,9 +4918,10 @@
           <a:lstStyle/>
           <a:p>
             <a:r>
-              <a:rPr lang="fr-FR" dirty="0"/>
-              <a:t>Phase 10 – API</a:t>
-            </a:r>
+              <a:rPr lang="en-US" b="1" dirty="0"/>
+              <a:t>Equity curves PPO vs Baselines</a:t>
+            </a:r>
+            <a:endParaRPr lang="fr-FR" dirty="0"/>
           </a:p>
         </p:txBody>
       </p:sp>
@@ -4253,7 +4930,7 @@
           <p:cNvPr id="3" name="Espace réservé du contenu 2">
             <a:extLst>
               <a:ext uri="{FF2B5EF4-FFF2-40B4-BE49-F238E27FC236}">
-                <a16:creationId xmlns:a16="http://schemas.microsoft.com/office/drawing/2014/main" id="{3FCF444A-D378-CDBF-194A-85273C57074C}"/>
+                <a16:creationId xmlns:a16="http://schemas.microsoft.com/office/drawing/2014/main" id="{115DF2B0-79EC-2270-B7BC-2128D3DB4915}"/>
               </a:ext>
             </a:extLst>
           </p:cNvPr>
@@ -4273,10 +4950,70 @@
           </a:p>
         </p:txBody>
       </p:sp>
+      <p:pic>
+        <p:nvPicPr>
+          <p:cNvPr id="5" name="Image 4">
+            <a:extLst>
+              <a:ext uri="{FF2B5EF4-FFF2-40B4-BE49-F238E27FC236}">
+                <a16:creationId xmlns:a16="http://schemas.microsoft.com/office/drawing/2014/main" id="{55FA84D6-B5C3-F93F-9BEB-CBFF763262E0}"/>
+              </a:ext>
+            </a:extLst>
+          </p:cNvPr>
+          <p:cNvPicPr>
+            <a:picLocks noChangeAspect="1"/>
+          </p:cNvPicPr>
+          <p:nvPr/>
+        </p:nvPicPr>
+        <p:blipFill>
+          <a:blip r:embed="rId2"/>
+          <a:stretch>
+            <a:fillRect/>
+          </a:stretch>
+        </p:blipFill>
+        <p:spPr>
+          <a:xfrm>
+            <a:off x="0" y="1841980"/>
+            <a:ext cx="9144000" cy="2268708"/>
+          </a:xfrm>
+          <a:prstGeom prst="rect">
+            <a:avLst/>
+          </a:prstGeom>
+        </p:spPr>
+      </p:pic>
+      <p:pic>
+        <p:nvPicPr>
+          <p:cNvPr id="7" name="Image 6">
+            <a:extLst>
+              <a:ext uri="{FF2B5EF4-FFF2-40B4-BE49-F238E27FC236}">
+                <a16:creationId xmlns:a16="http://schemas.microsoft.com/office/drawing/2014/main" id="{5C792C98-C421-1EC8-9095-B78CA438EA5C}"/>
+              </a:ext>
+            </a:extLst>
+          </p:cNvPr>
+          <p:cNvPicPr>
+            <a:picLocks noChangeAspect="1"/>
+          </p:cNvPicPr>
+          <p:nvPr/>
+        </p:nvPicPr>
+        <p:blipFill>
+          <a:blip r:embed="rId3"/>
+          <a:stretch>
+            <a:fillRect/>
+          </a:stretch>
+        </p:blipFill>
+        <p:spPr>
+          <a:xfrm>
+            <a:off x="0" y="4567887"/>
+            <a:ext cx="9144000" cy="2015475"/>
+          </a:xfrm>
+          <a:prstGeom prst="rect">
+            <a:avLst/>
+          </a:prstGeom>
+        </p:spPr>
+      </p:pic>
     </p:spTree>
     <p:extLst>
       <p:ext uri="{BB962C8B-B14F-4D97-AF65-F5344CB8AC3E}">
-        <p14:creationId xmlns:p14="http://schemas.microsoft.com/office/powerpoint/2010/main" val="1732780539"/>
+        <p14:creationId xmlns:p14="http://schemas.microsoft.com/office/powerpoint/2010/main" val="1812918575"/>
       </p:ext>
     </p:extLst>
   </p:cSld>
@@ -4337,7 +5074,7 @@
         <p:spPr/>
         <p:txBody>
           <a:bodyPr>
-            <a:normAutofit lnSpcReduction="10000"/>
+            <a:normAutofit/>
           </a:bodyPr>
           <a:lstStyle/>
           <a:p>
@@ -4346,41 +5083,60 @@
               <a:buChar char="ü"/>
             </a:pPr>
             <a:r>
-              <a:rPr dirty="0"/>
+              <a:rPr sz="2600" dirty="0"/>
               <a:t>Conception d'un </a:t>
             </a:r>
             <a:r>
-              <a:rPr dirty="0" err="1"/>
+              <a:rPr sz="2600" dirty="0" err="1"/>
               <a:t>système</a:t>
             </a:r>
             <a:r>
-              <a:rPr dirty="0"/>
+              <a:rPr sz="2600" dirty="0"/>
               <a:t> de </a:t>
             </a:r>
             <a:r>
-              <a:rPr dirty="0" err="1"/>
+              <a:rPr sz="2600" dirty="0" err="1"/>
               <a:t>décision</a:t>
             </a:r>
             <a:r>
-              <a:rPr dirty="0"/>
+              <a:rPr sz="2600" dirty="0"/>
               <a:t> </a:t>
             </a:r>
             <a:r>
-              <a:rPr dirty="0" err="1"/>
+              <a:rPr sz="2600" dirty="0" err="1"/>
               <a:t>algorithmique</a:t>
             </a:r>
             <a:r>
-              <a:rPr dirty="0"/>
+              <a:rPr sz="2600" dirty="0"/>
               <a:t> sur la </a:t>
             </a:r>
             <a:r>
-              <a:rPr dirty="0" err="1"/>
+              <a:rPr sz="2600" dirty="0" err="1"/>
               <a:t>paire</a:t>
             </a:r>
             <a:r>
-              <a:rPr dirty="0"/>
+              <a:rPr sz="2600" dirty="0"/>
               <a:t> GBP/USD.</a:t>
             </a:r>
+            <a:endParaRPr lang="fr-FR" sz="2600" dirty="0"/>
+          </a:p>
+          <a:p>
+            <a:pPr>
+              <a:buFont typeface="Wingdings" panose="05000000000000000000" pitchFamily="2" charset="2"/>
+              <a:buChar char="ü"/>
+            </a:pPr>
+            <a:endParaRPr sz="2600" dirty="0"/>
+          </a:p>
+          <a:p>
+            <a:pPr>
+              <a:buFont typeface="Wingdings" panose="05000000000000000000" pitchFamily="2" charset="2"/>
+              <a:buChar char="ü"/>
+            </a:pPr>
+            <a:r>
+              <a:rPr sz="2600" dirty="0"/>
+              <a:t>Données : </a:t>
+            </a:r>
+            <a:endParaRPr lang="fr-FR" sz="2600" dirty="0"/>
           </a:p>
           <a:p>
             <a:pPr lvl="1">
@@ -4388,110 +5144,57 @@
               <a:buChar char="ü"/>
             </a:pPr>
             <a:r>
-              <a:rPr dirty="0"/>
-              <a:t>Données : </a:t>
-            </a:r>
-            <a:r>
-              <a:rPr dirty="0" err="1"/>
+              <a:rPr sz="2600" dirty="0" err="1"/>
               <a:t>Fréquence</a:t>
             </a:r>
             <a:r>
-              <a:rPr dirty="0"/>
+              <a:rPr sz="2600" dirty="0"/>
               <a:t> brute 1 minute -&gt; </a:t>
             </a:r>
             <a:r>
-              <a:rPr dirty="0" err="1"/>
+              <a:rPr sz="2600" dirty="0" err="1"/>
               <a:t>Décision</a:t>
             </a:r>
             <a:r>
-              <a:rPr dirty="0"/>
+              <a:rPr sz="2600" dirty="0"/>
               <a:t> 15 minutes.</a:t>
             </a:r>
-          </a:p>
-          <a:p>
-            <a:pPr lvl="1">
+            <a:endParaRPr lang="fr-FR" sz="2600" dirty="0"/>
+          </a:p>
+          <a:p>
+            <a:pPr>
               <a:buFont typeface="Wingdings" panose="05000000000000000000" pitchFamily="2" charset="2"/>
               <a:buChar char="ü"/>
             </a:pPr>
-            <a:r>
-              <a:rPr dirty="0"/>
-              <a:t>Actions : BUY, SELL, HOLD.</a:t>
-            </a:r>
-          </a:p>
-          <a:p>
-            <a:pPr lvl="1">
+            <a:endParaRPr sz="2600" dirty="0"/>
+          </a:p>
+          <a:p>
+            <a:pPr>
               <a:buFont typeface="Wingdings" panose="05000000000000000000" pitchFamily="2" charset="2"/>
               <a:buChar char="ü"/>
             </a:pPr>
             <a:r>
-              <a:rPr dirty="0"/>
-              <a:t>Objectif : Maximiser le profit </a:t>
-            </a:r>
-            <a:r>
-              <a:rPr dirty="0" err="1"/>
-              <a:t>cumulé</a:t>
-            </a:r>
-            <a:r>
-              <a:rPr dirty="0"/>
-              <a:t> sous </a:t>
-            </a:r>
-            <a:r>
-              <a:rPr dirty="0" err="1"/>
-              <a:t>contraintes</a:t>
-            </a:r>
-            <a:r>
-              <a:rPr dirty="0"/>
-              <a:t> :</a:t>
-            </a:r>
-          </a:p>
-          <a:p>
-            <a:pPr lvl="2">
+              <a:rPr sz="2600" dirty="0"/>
+              <a:t>Actions : BUY, SELL, HOLD.</a:t>
+            </a:r>
+            <a:endParaRPr lang="fr-FR" sz="2600" dirty="0"/>
+          </a:p>
+          <a:p>
+            <a:pPr>
               <a:buFont typeface="Wingdings" panose="05000000000000000000" pitchFamily="2" charset="2"/>
               <a:buChar char="ü"/>
             </a:pPr>
-            <a:r>
-              <a:rPr dirty="0" err="1"/>
-              <a:t>Coûts</a:t>
-            </a:r>
-            <a:r>
-              <a:rPr dirty="0"/>
-              <a:t> de transaction </a:t>
-            </a:r>
-            <a:r>
-              <a:rPr dirty="0" err="1"/>
-              <a:t>réalistes</a:t>
-            </a:r>
-            <a:endParaRPr dirty="0"/>
-          </a:p>
-          <a:p>
-            <a:pPr lvl="2">
+            <a:endParaRPr sz="2600" dirty="0"/>
+          </a:p>
+          <a:p>
+            <a:pPr>
               <a:buFont typeface="Wingdings" panose="05000000000000000000" pitchFamily="2" charset="2"/>
               <a:buChar char="ü"/>
             </a:pPr>
             <a:r>
-              <a:rPr dirty="0"/>
-              <a:t>Drawdown </a:t>
-            </a:r>
-            <a:r>
-              <a:rPr dirty="0" err="1"/>
-              <a:t>limité</a:t>
-            </a:r>
-            <a:endParaRPr dirty="0"/>
-          </a:p>
-          <a:p>
-            <a:pPr lvl="2">
-              <a:buFont typeface="Wingdings" panose="05000000000000000000" pitchFamily="2" charset="2"/>
-              <a:buChar char="ü"/>
-            </a:pPr>
-            <a:r>
-              <a:rPr dirty="0"/>
-              <a:t>Robustesse inter-</a:t>
-            </a:r>
-            <a:r>
-              <a:rPr dirty="0" err="1"/>
-              <a:t>annuelle</a:t>
-            </a:r>
-            <a:endParaRPr dirty="0"/>
+              <a:rPr sz="2600" dirty="0"/>
+              <a:t>Objectif : Maximiser le profit</a:t>
+            </a:r>
           </a:p>
         </p:txBody>
       </p:sp>
@@ -4504,6 +5207,216 @@
 </file>
 
 <file path=ppt/slides/slide20.xml><?xml version="1.0" encoding="utf-8"?>
+<p:sld xmlns:a="http://schemas.openxmlformats.org/drawingml/2006/main" xmlns:r="http://schemas.openxmlformats.org/officeDocument/2006/relationships" xmlns:p="http://schemas.openxmlformats.org/presentationml/2006/main">
+  <p:cSld>
+    <p:spTree>
+      <p:nvGrpSpPr>
+        <p:cNvPr id="1" name=""/>
+        <p:cNvGrpSpPr/>
+        <p:nvPr/>
+      </p:nvGrpSpPr>
+      <p:grpSpPr>
+        <a:xfrm>
+          <a:off x="0" y="0"/>
+          <a:ext cx="0" cy="0"/>
+          <a:chOff x="0" y="0"/>
+          <a:chExt cx="0" cy="0"/>
+        </a:xfrm>
+      </p:grpSpPr>
+      <p:sp>
+        <p:nvSpPr>
+          <p:cNvPr id="2" name="Title 1"/>
+          <p:cNvSpPr>
+            <a:spLocks noGrp="1"/>
+          </p:cNvSpPr>
+          <p:nvPr>
+            <p:ph type="title"/>
+          </p:nvPr>
+        </p:nvSpPr>
+        <p:spPr/>
+        <p:txBody>
+          <a:bodyPr/>
+          <a:lstStyle/>
+          <a:p>
+            <a:r>
+              <a:rPr lang="fr-FR" dirty="0"/>
+              <a:t>9 : Comparatifs</a:t>
+            </a:r>
+            <a:endParaRPr dirty="0"/>
+          </a:p>
+        </p:txBody>
+      </p:sp>
+      <p:sp>
+        <p:nvSpPr>
+          <p:cNvPr id="3" name="Content Placeholder 2"/>
+          <p:cNvSpPr>
+            <a:spLocks noGrp="1"/>
+          </p:cNvSpPr>
+          <p:nvPr>
+            <p:ph idx="1"/>
+          </p:nvPr>
+        </p:nvSpPr>
+        <p:spPr/>
+        <p:txBody>
+          <a:bodyPr/>
+          <a:lstStyle/>
+          <a:p>
+            <a:pPr marL="0" indent="0">
+              <a:buNone/>
+            </a:pPr>
+            <a:endParaRPr dirty="0"/>
+          </a:p>
+        </p:txBody>
+      </p:sp>
+      <p:pic>
+        <p:nvPicPr>
+          <p:cNvPr id="7" name="Image 6">
+            <a:extLst>
+              <a:ext uri="{FF2B5EF4-FFF2-40B4-BE49-F238E27FC236}">
+                <a16:creationId xmlns:a16="http://schemas.microsoft.com/office/drawing/2014/main" id="{A06A1847-D699-D14A-4275-3B30E089700A}"/>
+              </a:ext>
+            </a:extLst>
+          </p:cNvPr>
+          <p:cNvPicPr>
+            <a:picLocks noChangeAspect="1"/>
+          </p:cNvPicPr>
+          <p:nvPr/>
+        </p:nvPicPr>
+        <p:blipFill>
+          <a:blip r:embed="rId2"/>
+          <a:stretch>
+            <a:fillRect/>
+          </a:stretch>
+        </p:blipFill>
+        <p:spPr>
+          <a:xfrm>
+            <a:off x="1423548" y="1799705"/>
+            <a:ext cx="6296904" cy="1114581"/>
+          </a:xfrm>
+          <a:prstGeom prst="rect">
+            <a:avLst/>
+          </a:prstGeom>
+        </p:spPr>
+      </p:pic>
+    </p:spTree>
+  </p:cSld>
+  <p:clrMapOvr>
+    <a:masterClrMapping/>
+  </p:clrMapOvr>
+</p:sld>
+</file>
+
+<file path=ppt/slides/slide21.xml><?xml version="1.0" encoding="utf-8"?>
+<p:sld xmlns:a="http://schemas.openxmlformats.org/drawingml/2006/main" xmlns:r="http://schemas.openxmlformats.org/officeDocument/2006/relationships" xmlns:p="http://schemas.openxmlformats.org/presentationml/2006/main">
+  <p:cSld>
+    <p:spTree>
+      <p:nvGrpSpPr>
+        <p:cNvPr id="1" name=""/>
+        <p:cNvGrpSpPr/>
+        <p:nvPr/>
+      </p:nvGrpSpPr>
+      <p:grpSpPr>
+        <a:xfrm>
+          <a:off x="0" y="0"/>
+          <a:ext cx="0" cy="0"/>
+          <a:chOff x="0" y="0"/>
+          <a:chExt cx="0" cy="0"/>
+        </a:xfrm>
+      </p:grpSpPr>
+      <p:sp>
+        <p:nvSpPr>
+          <p:cNvPr id="2" name="Title 1"/>
+          <p:cNvSpPr>
+            <a:spLocks noGrp="1"/>
+          </p:cNvSpPr>
+          <p:nvPr>
+            <p:ph type="title"/>
+          </p:nvPr>
+        </p:nvSpPr>
+        <p:spPr/>
+        <p:txBody>
+          <a:bodyPr>
+            <a:normAutofit fontScale="90000"/>
+          </a:bodyPr>
+          <a:lstStyle/>
+          <a:p>
+            <a:r>
+              <a:rPr lang="fr-FR" dirty="0"/>
+              <a:t>10 : </a:t>
+            </a:r>
+            <a:r>
+              <a:rPr dirty="0"/>
+              <a:t>Architecture Technique &amp; </a:t>
+            </a:r>
+            <a:r>
+              <a:rPr dirty="0" err="1"/>
+              <a:t>Industrialisation</a:t>
+            </a:r>
+            <a:endParaRPr dirty="0"/>
+          </a:p>
+        </p:txBody>
+      </p:sp>
+      <p:sp>
+        <p:nvSpPr>
+          <p:cNvPr id="3" name="Content Placeholder 2"/>
+          <p:cNvSpPr>
+            <a:spLocks noGrp="1"/>
+          </p:cNvSpPr>
+          <p:nvPr>
+            <p:ph idx="1"/>
+          </p:nvPr>
+        </p:nvSpPr>
+        <p:spPr/>
+        <p:txBody>
+          <a:bodyPr/>
+          <a:lstStyle/>
+          <a:p>
+            <a:endParaRPr/>
+          </a:p>
+          <a:p>
+            <a:r>
+              <a:t>Backend : API FastAPI</a:t>
+            </a:r>
+          </a:p>
+          <a:p>
+            <a:pPr lvl="1"/>
+            <a:r>
+              <a:t>Expose le meilleur modèle, gère les inférences.</a:t>
+            </a:r>
+          </a:p>
+          <a:p>
+            <a:r>
+              <a:t>Frontend : Web App Flask</a:t>
+            </a:r>
+          </a:p>
+          <a:p>
+            <a:pPr lvl="1"/>
+            <a:r>
+              <a:t>Dashboard utilisateur, visualisation des prédictions.</a:t>
+            </a:r>
+          </a:p>
+          <a:p>
+            <a:r>
+              <a:t>MLOps :</a:t>
+            </a:r>
+          </a:p>
+          <a:p>
+            <a:pPr lvl="1"/>
+            <a:r>
+              <a:t>Model Registry (Versioning v1/v2), Dockerisation.</a:t>
+            </a:r>
+          </a:p>
+        </p:txBody>
+      </p:sp>
+    </p:spTree>
+  </p:cSld>
+  <p:clrMapOvr>
+    <a:masterClrMapping/>
+  </p:clrMapOvr>
+</p:sld>
+</file>
+
+<file path=ppt/slides/slide22.xml><?xml version="1.0" encoding="utf-8"?>
 <p:sld xmlns:a="http://schemas.openxmlformats.org/drawingml/2006/main" xmlns:r="http://schemas.openxmlformats.org/officeDocument/2006/relationships" xmlns:p="http://schemas.openxmlformats.org/presentationml/2006/main">
   <p:cSld>
     <p:spTree>
@@ -4630,6 +5543,571 @@
       </p:grpSpPr>
       <p:sp>
         <p:nvSpPr>
+          <p:cNvPr id="2" name="Title 1"/>
+          <p:cNvSpPr>
+            <a:spLocks noGrp="1"/>
+          </p:cNvSpPr>
+          <p:nvPr>
+            <p:ph type="title"/>
+          </p:nvPr>
+        </p:nvSpPr>
+        <p:spPr/>
+        <p:txBody>
+          <a:bodyPr/>
+          <a:lstStyle/>
+          <a:p>
+            <a:r>
+              <a:rPr dirty="0"/>
+              <a:t>Données &amp; Split </a:t>
+            </a:r>
+            <a:r>
+              <a:rPr dirty="0" err="1"/>
+              <a:t>Temporel</a:t>
+            </a:r>
+            <a:endParaRPr dirty="0"/>
+          </a:p>
+        </p:txBody>
+      </p:sp>
+      <p:sp>
+        <p:nvSpPr>
+          <p:cNvPr id="3" name="Content Placeholder 2"/>
+          <p:cNvSpPr>
+            <a:spLocks noGrp="1"/>
+          </p:cNvSpPr>
+          <p:nvPr>
+            <p:ph idx="1"/>
+          </p:nvPr>
+        </p:nvSpPr>
+        <p:spPr>
+          <a:xfrm>
+            <a:off x="457200" y="1600200"/>
+            <a:ext cx="6257365" cy="4525963"/>
+          </a:xfrm>
+        </p:spPr>
+        <p:txBody>
+          <a:bodyPr/>
+          <a:lstStyle/>
+          <a:p>
+            <a:pPr>
+              <a:buFont typeface="Wingdings" panose="05000000000000000000" pitchFamily="2" charset="2"/>
+              <a:buChar char="ü"/>
+            </a:pPr>
+            <a:r>
+              <a:rPr dirty="0" err="1"/>
+              <a:t>Période</a:t>
+            </a:r>
+            <a:r>
+              <a:rPr dirty="0"/>
+              <a:t> </a:t>
+            </a:r>
+            <a:r>
+              <a:rPr lang="fr-FR" dirty="0"/>
+              <a:t>étudiée</a:t>
+            </a:r>
+            <a:r>
+              <a:rPr dirty="0"/>
+              <a:t> : 2022 - 202</a:t>
+            </a:r>
+            <a:r>
+              <a:rPr lang="fr-FR" dirty="0"/>
+              <a:t>5</a:t>
+            </a:r>
+            <a:endParaRPr dirty="0"/>
+          </a:p>
+        </p:txBody>
+      </p:sp>
+      <p:pic>
+        <p:nvPicPr>
+          <p:cNvPr id="6" name="Image 5">
+            <a:extLst>
+              <a:ext uri="{FF2B5EF4-FFF2-40B4-BE49-F238E27FC236}">
+                <a16:creationId xmlns:a16="http://schemas.microsoft.com/office/drawing/2014/main" id="{3E0EB7D3-96C2-08CD-BEBE-BC6EEF425FD0}"/>
+              </a:ext>
+            </a:extLst>
+          </p:cNvPr>
+          <p:cNvPicPr>
+            <a:picLocks noChangeAspect="1"/>
+          </p:cNvPicPr>
+          <p:nvPr/>
+        </p:nvPicPr>
+        <p:blipFill>
+          <a:blip r:embed="rId2"/>
+          <a:stretch>
+            <a:fillRect/>
+          </a:stretch>
+        </p:blipFill>
+        <p:spPr>
+          <a:xfrm>
+            <a:off x="553031" y="2420083"/>
+            <a:ext cx="4829849" cy="1533739"/>
+          </a:xfrm>
+          <a:prstGeom prst="rect">
+            <a:avLst/>
+          </a:prstGeom>
+        </p:spPr>
+      </p:pic>
+      <p:graphicFrame>
+        <p:nvGraphicFramePr>
+          <p:cNvPr id="4" name="Tableau 3">
+            <a:extLst>
+              <a:ext uri="{FF2B5EF4-FFF2-40B4-BE49-F238E27FC236}">
+                <a16:creationId xmlns:a16="http://schemas.microsoft.com/office/drawing/2014/main" id="{63C061F7-8E8A-851A-3CA5-0E0EDF0222D1}"/>
+              </a:ext>
+            </a:extLst>
+          </p:cNvPr>
+          <p:cNvGraphicFramePr>
+            <a:graphicFrameLocks noGrp="1"/>
+          </p:cNvGraphicFramePr>
+          <p:nvPr>
+            <p:extLst>
+              <p:ext uri="{D42A27DB-BD31-4B8C-83A1-F6EECF244321}">
+                <p14:modId xmlns:p14="http://schemas.microsoft.com/office/powerpoint/2010/main" val="860895784"/>
+              </p:ext>
+            </p:extLst>
+          </p:nvPr>
+        </p:nvGraphicFramePr>
+        <p:xfrm>
+          <a:off x="553031" y="4451951"/>
+          <a:ext cx="3827292" cy="1828800"/>
+        </p:xfrm>
+        <a:graphic>
+          <a:graphicData uri="http://schemas.openxmlformats.org/drawingml/2006/table">
+            <a:tbl>
+              <a:tblPr firstRow="1" bandRow="1">
+                <a:tableStyleId>{2D5ABB26-0587-4C30-8999-92F81FD0307C}</a:tableStyleId>
+              </a:tblPr>
+              <a:tblGrid>
+                <a:gridCol w="1913646">
+                  <a:extLst>
+                    <a:ext uri="{9D8B030D-6E8A-4147-A177-3AD203B41FA5}">
+                      <a16:colId xmlns:a16="http://schemas.microsoft.com/office/drawing/2014/main" val="4050864089"/>
+                    </a:ext>
+                  </a:extLst>
+                </a:gridCol>
+                <a:gridCol w="1913646">
+                  <a:extLst>
+                    <a:ext uri="{9D8B030D-6E8A-4147-A177-3AD203B41FA5}">
+                      <a16:colId xmlns:a16="http://schemas.microsoft.com/office/drawing/2014/main" val="2856584891"/>
+                    </a:ext>
+                  </a:extLst>
+                </a:gridCol>
+              </a:tblGrid>
+              <a:tr h="306748">
+                <a:tc>
+                  <a:txBody>
+                    <a:bodyPr/>
+                    <a:lstStyle/>
+                    <a:p>
+                      <a:r>
+                        <a:rPr lang="fr-FR" dirty="0">
+                          <a:solidFill>
+                            <a:schemeClr val="bg1"/>
+                          </a:solidFill>
+                        </a:rPr>
+                        <a:t>Année</a:t>
+                      </a:r>
+                    </a:p>
+                  </a:txBody>
+                  <a:tcPr>
+                    <a:lnR w="12700" cap="flat" cmpd="sng" algn="ctr">
+                      <a:solidFill>
+                        <a:schemeClr val="tx1"/>
+                      </a:solidFill>
+                      <a:prstDash val="solid"/>
+                      <a:round/>
+                      <a:headEnd type="none" w="med" len="med"/>
+                      <a:tailEnd type="none" w="med" len="med"/>
+                    </a:lnR>
+                    <a:lnT w="12700" cap="flat" cmpd="sng" algn="ctr">
+                      <a:solidFill>
+                        <a:schemeClr val="tx1"/>
+                      </a:solidFill>
+                      <a:prstDash val="solid"/>
+                      <a:round/>
+                      <a:headEnd type="none" w="med" len="med"/>
+                      <a:tailEnd type="none" w="med" len="med"/>
+                    </a:lnT>
+                    <a:lnB w="12700" cap="flat" cmpd="sng" algn="ctr">
+                      <a:solidFill>
+                        <a:schemeClr val="tx1"/>
+                      </a:solidFill>
+                      <a:prstDash val="solid"/>
+                      <a:round/>
+                      <a:headEnd type="none" w="med" len="med"/>
+                      <a:tailEnd type="none" w="med" len="med"/>
+                    </a:lnB>
+                    <a:solidFill>
+                      <a:schemeClr val="tx2"/>
+                    </a:solidFill>
+                  </a:tcPr>
+                </a:tc>
+                <a:tc>
+                  <a:txBody>
+                    <a:bodyPr/>
+                    <a:lstStyle/>
+                    <a:p>
+                      <a:r>
+                        <a:rPr lang="fr-FR" dirty="0">
+                          <a:solidFill>
+                            <a:schemeClr val="bg1"/>
+                          </a:solidFill>
+                        </a:rPr>
+                        <a:t>Variation</a:t>
+                      </a:r>
+                    </a:p>
+                  </a:txBody>
+                  <a:tcPr>
+                    <a:lnL w="12700" cap="flat" cmpd="sng" algn="ctr">
+                      <a:solidFill>
+                        <a:schemeClr val="tx1"/>
+                      </a:solidFill>
+                      <a:prstDash val="solid"/>
+                      <a:round/>
+                      <a:headEnd type="none" w="med" len="med"/>
+                      <a:tailEnd type="none" w="med" len="med"/>
+                    </a:lnL>
+                    <a:lnT w="12700" cap="flat" cmpd="sng" algn="ctr">
+                      <a:solidFill>
+                        <a:schemeClr val="tx1"/>
+                      </a:solidFill>
+                      <a:prstDash val="solid"/>
+                      <a:round/>
+                      <a:headEnd type="none" w="med" len="med"/>
+                      <a:tailEnd type="none" w="med" len="med"/>
+                    </a:lnT>
+                    <a:lnB w="12700" cap="flat" cmpd="sng" algn="ctr">
+                      <a:solidFill>
+                        <a:schemeClr val="tx1"/>
+                      </a:solidFill>
+                      <a:prstDash val="solid"/>
+                      <a:round/>
+                      <a:headEnd type="none" w="med" len="med"/>
+                      <a:tailEnd type="none" w="med" len="med"/>
+                    </a:lnB>
+                    <a:solidFill>
+                      <a:schemeClr val="tx2"/>
+                    </a:solidFill>
+                  </a:tcPr>
+                </a:tc>
+                <a:extLst>
+                  <a:ext uri="{0D108BD9-81ED-4DB2-BD59-A6C34878D82A}">
+                    <a16:rowId xmlns:a16="http://schemas.microsoft.com/office/drawing/2014/main" val="1513005252"/>
+                  </a:ext>
+                </a:extLst>
+              </a:tr>
+              <a:tr h="306748">
+                <a:tc>
+                  <a:txBody>
+                    <a:bodyPr/>
+                    <a:lstStyle/>
+                    <a:p>
+                      <a:r>
+                        <a:rPr lang="fr-FR" dirty="0"/>
+                        <a:t>2022</a:t>
+                      </a:r>
+                    </a:p>
+                  </a:txBody>
+                  <a:tcPr>
+                    <a:lnR w="12700" cap="flat" cmpd="sng" algn="ctr">
+                      <a:solidFill>
+                        <a:schemeClr val="tx1"/>
+                      </a:solidFill>
+                      <a:prstDash val="solid"/>
+                      <a:round/>
+                      <a:headEnd type="none" w="med" len="med"/>
+                      <a:tailEnd type="none" w="med" len="med"/>
+                    </a:lnR>
+                    <a:lnT w="12700" cap="flat" cmpd="sng" algn="ctr">
+                      <a:solidFill>
+                        <a:schemeClr val="tx1"/>
+                      </a:solidFill>
+                      <a:prstDash val="solid"/>
+                      <a:round/>
+                      <a:headEnd type="none" w="med" len="med"/>
+                      <a:tailEnd type="none" w="med" len="med"/>
+                    </a:lnT>
+                  </a:tcPr>
+                </a:tc>
+                <a:tc>
+                  <a:txBody>
+                    <a:bodyPr/>
+                    <a:lstStyle/>
+                    <a:p>
+                      <a:pPr algn="r"/>
+                      <a:r>
+                        <a:rPr lang="fr-FR" dirty="0"/>
+                        <a:t>-10,54%</a:t>
+                      </a:r>
+                    </a:p>
+                  </a:txBody>
+                  <a:tcPr>
+                    <a:lnL w="12700" cap="flat" cmpd="sng" algn="ctr">
+                      <a:solidFill>
+                        <a:schemeClr val="tx1"/>
+                      </a:solidFill>
+                      <a:prstDash val="solid"/>
+                      <a:round/>
+                      <a:headEnd type="none" w="med" len="med"/>
+                      <a:tailEnd type="none" w="med" len="med"/>
+                    </a:lnL>
+                    <a:lnT w="12700" cap="flat" cmpd="sng" algn="ctr">
+                      <a:solidFill>
+                        <a:schemeClr val="tx1"/>
+                      </a:solidFill>
+                      <a:prstDash val="solid"/>
+                      <a:round/>
+                      <a:headEnd type="none" w="med" len="med"/>
+                      <a:tailEnd type="none" w="med" len="med"/>
+                    </a:lnT>
+                  </a:tcPr>
+                </a:tc>
+                <a:extLst>
+                  <a:ext uri="{0D108BD9-81ED-4DB2-BD59-A6C34878D82A}">
+                    <a16:rowId xmlns:a16="http://schemas.microsoft.com/office/drawing/2014/main" val="555058107"/>
+                  </a:ext>
+                </a:extLst>
+              </a:tr>
+              <a:tr h="306748">
+                <a:tc>
+                  <a:txBody>
+                    <a:bodyPr/>
+                    <a:lstStyle/>
+                    <a:p>
+                      <a:r>
+                        <a:rPr lang="fr-FR" dirty="0"/>
+                        <a:t>2023</a:t>
+                      </a:r>
+                    </a:p>
+                  </a:txBody>
+                  <a:tcPr>
+                    <a:lnR w="12700" cap="flat" cmpd="sng" algn="ctr">
+                      <a:solidFill>
+                        <a:schemeClr val="tx1"/>
+                      </a:solidFill>
+                      <a:prstDash val="solid"/>
+                      <a:round/>
+                      <a:headEnd type="none" w="med" len="med"/>
+                      <a:tailEnd type="none" w="med" len="med"/>
+                    </a:lnR>
+                  </a:tcPr>
+                </a:tc>
+                <a:tc>
+                  <a:txBody>
+                    <a:bodyPr/>
+                    <a:lstStyle/>
+                    <a:p>
+                      <a:pPr algn="r"/>
+                      <a:r>
+                        <a:rPr lang="fr-FR" dirty="0"/>
+                        <a:t>+5,55%</a:t>
+                      </a:r>
+                    </a:p>
+                  </a:txBody>
+                  <a:tcPr>
+                    <a:lnL w="12700" cap="flat" cmpd="sng" algn="ctr">
+                      <a:solidFill>
+                        <a:schemeClr val="tx1"/>
+                      </a:solidFill>
+                      <a:prstDash val="solid"/>
+                      <a:round/>
+                      <a:headEnd type="none" w="med" len="med"/>
+                      <a:tailEnd type="none" w="med" len="med"/>
+                    </a:lnL>
+                  </a:tcPr>
+                </a:tc>
+                <a:extLst>
+                  <a:ext uri="{0D108BD9-81ED-4DB2-BD59-A6C34878D82A}">
+                    <a16:rowId xmlns:a16="http://schemas.microsoft.com/office/drawing/2014/main" val="3497072245"/>
+                  </a:ext>
+                </a:extLst>
+              </a:tr>
+              <a:tr h="306748">
+                <a:tc>
+                  <a:txBody>
+                    <a:bodyPr/>
+                    <a:lstStyle/>
+                    <a:p>
+                      <a:r>
+                        <a:rPr lang="fr-FR" dirty="0"/>
+                        <a:t>2024</a:t>
+                      </a:r>
+                    </a:p>
+                  </a:txBody>
+                  <a:tcPr>
+                    <a:lnR w="12700" cap="flat" cmpd="sng" algn="ctr">
+                      <a:solidFill>
+                        <a:schemeClr val="tx1"/>
+                      </a:solidFill>
+                      <a:prstDash val="solid"/>
+                      <a:round/>
+                      <a:headEnd type="none" w="med" len="med"/>
+                      <a:tailEnd type="none" w="med" len="med"/>
+                    </a:lnR>
+                  </a:tcPr>
+                </a:tc>
+                <a:tc>
+                  <a:txBody>
+                    <a:bodyPr/>
+                    <a:lstStyle/>
+                    <a:p>
+                      <a:pPr algn="r"/>
+                      <a:r>
+                        <a:rPr lang="fr-FR" dirty="0"/>
+                        <a:t>-1,63%</a:t>
+                      </a:r>
+                    </a:p>
+                  </a:txBody>
+                  <a:tcPr>
+                    <a:lnL w="12700" cap="flat" cmpd="sng" algn="ctr">
+                      <a:solidFill>
+                        <a:schemeClr val="tx1"/>
+                      </a:solidFill>
+                      <a:prstDash val="solid"/>
+                      <a:round/>
+                      <a:headEnd type="none" w="med" len="med"/>
+                      <a:tailEnd type="none" w="med" len="med"/>
+                    </a:lnL>
+                  </a:tcPr>
+                </a:tc>
+                <a:extLst>
+                  <a:ext uri="{0D108BD9-81ED-4DB2-BD59-A6C34878D82A}">
+                    <a16:rowId xmlns:a16="http://schemas.microsoft.com/office/drawing/2014/main" val="1801750295"/>
+                  </a:ext>
+                </a:extLst>
+              </a:tr>
+              <a:tr h="306748">
+                <a:tc>
+                  <a:txBody>
+                    <a:bodyPr/>
+                    <a:lstStyle/>
+                    <a:p>
+                      <a:r>
+                        <a:rPr lang="fr-FR" dirty="0"/>
+                        <a:t>2025</a:t>
+                      </a:r>
+                    </a:p>
+                  </a:txBody>
+                  <a:tcPr>
+                    <a:lnR w="12700" cap="flat" cmpd="sng" algn="ctr">
+                      <a:solidFill>
+                        <a:schemeClr val="tx1"/>
+                      </a:solidFill>
+                      <a:prstDash val="solid"/>
+                      <a:round/>
+                      <a:headEnd type="none" w="med" len="med"/>
+                      <a:tailEnd type="none" w="med" len="med"/>
+                    </a:lnR>
+                    <a:lnB w="12700" cap="flat" cmpd="sng" algn="ctr">
+                      <a:solidFill>
+                        <a:schemeClr val="tx1"/>
+                      </a:solidFill>
+                      <a:prstDash val="solid"/>
+                      <a:round/>
+                      <a:headEnd type="none" w="med" len="med"/>
+                      <a:tailEnd type="none" w="med" len="med"/>
+                    </a:lnB>
+                  </a:tcPr>
+                </a:tc>
+                <a:tc>
+                  <a:txBody>
+                    <a:bodyPr/>
+                    <a:lstStyle/>
+                    <a:p>
+                      <a:pPr algn="r"/>
+                      <a:r>
+                        <a:rPr lang="fr-FR" dirty="0"/>
+                        <a:t>+7,67%</a:t>
+                      </a:r>
+                    </a:p>
+                  </a:txBody>
+                  <a:tcPr>
+                    <a:lnL w="12700" cap="flat" cmpd="sng" algn="ctr">
+                      <a:solidFill>
+                        <a:schemeClr val="tx1"/>
+                      </a:solidFill>
+                      <a:prstDash val="solid"/>
+                      <a:round/>
+                      <a:headEnd type="none" w="med" len="med"/>
+                      <a:tailEnd type="none" w="med" len="med"/>
+                    </a:lnL>
+                    <a:lnB w="12700" cap="flat" cmpd="sng" algn="ctr">
+                      <a:solidFill>
+                        <a:schemeClr val="tx1"/>
+                      </a:solidFill>
+                      <a:prstDash val="solid"/>
+                      <a:round/>
+                      <a:headEnd type="none" w="med" len="med"/>
+                      <a:tailEnd type="none" w="med" len="med"/>
+                    </a:lnB>
+                  </a:tcPr>
+                </a:tc>
+                <a:extLst>
+                  <a:ext uri="{0D108BD9-81ED-4DB2-BD59-A6C34878D82A}">
+                    <a16:rowId xmlns:a16="http://schemas.microsoft.com/office/drawing/2014/main" val="414968590"/>
+                  </a:ext>
+                </a:extLst>
+              </a:tr>
+            </a:tbl>
+          </a:graphicData>
+        </a:graphic>
+      </p:graphicFrame>
+      <p:pic>
+        <p:nvPicPr>
+          <p:cNvPr id="8" name="Image 7">
+            <a:extLst>
+              <a:ext uri="{FF2B5EF4-FFF2-40B4-BE49-F238E27FC236}">
+                <a16:creationId xmlns:a16="http://schemas.microsoft.com/office/drawing/2014/main" id="{728FF1E4-F470-41C9-1557-540772AA7E6B}"/>
+              </a:ext>
+            </a:extLst>
+          </p:cNvPr>
+          <p:cNvPicPr>
+            <a:picLocks noChangeAspect="1"/>
+          </p:cNvPicPr>
+          <p:nvPr/>
+        </p:nvPicPr>
+        <p:blipFill>
+          <a:blip r:embed="rId3"/>
+          <a:stretch>
+            <a:fillRect/>
+          </a:stretch>
+        </p:blipFill>
+        <p:spPr>
+          <a:xfrm>
+            <a:off x="5478711" y="2420083"/>
+            <a:ext cx="3585192" cy="4067016"/>
+          </a:xfrm>
+          <a:prstGeom prst="rect">
+            <a:avLst/>
+          </a:prstGeom>
+        </p:spPr>
+      </p:pic>
+    </p:spTree>
+  </p:cSld>
+  <p:clrMapOvr>
+    <a:masterClrMapping/>
+  </p:clrMapOvr>
+</p:sld>
+</file>
+
+<file path=ppt/slides/slide4.xml><?xml version="1.0" encoding="utf-8"?>
+<p:sld xmlns:a="http://schemas.openxmlformats.org/drawingml/2006/main" xmlns:r="http://schemas.openxmlformats.org/officeDocument/2006/relationships" xmlns:p="http://schemas.openxmlformats.org/presentationml/2006/main">
+  <p:cSld>
+    <p:spTree>
+      <p:nvGrpSpPr>
+        <p:cNvPr id="1" name=""/>
+        <p:cNvGrpSpPr/>
+        <p:nvPr/>
+      </p:nvGrpSpPr>
+      <p:grpSpPr>
+        <a:xfrm>
+          <a:off x="0" y="0"/>
+          <a:ext cx="0" cy="0"/>
+          <a:chOff x="0" y="0"/>
+          <a:chExt cx="0" cy="0"/>
+        </a:xfrm>
+      </p:grpSpPr>
+      <p:sp>
+        <p:nvSpPr>
           <p:cNvPr id="2" name="Titre 1">
             <a:extLst>
               <a:ext uri="{FF2B5EF4-FFF2-40B4-BE49-F238E27FC236}">
@@ -4672,13 +6150,13 @@
             <p:ph idx="1"/>
             <p:extLst>
               <p:ext uri="{D42A27DB-BD31-4B8C-83A1-F6EECF244321}">
-                <p14:modId xmlns:p14="http://schemas.microsoft.com/office/powerpoint/2010/main" val="13218092"/>
+                <p14:modId xmlns:p14="http://schemas.microsoft.com/office/powerpoint/2010/main" val="2729975411"/>
               </p:ext>
             </p:extLst>
           </p:nvPr>
         </p:nvGraphicFramePr>
         <p:xfrm>
-          <a:off x="457199" y="1794744"/>
+          <a:off x="457199" y="1983002"/>
           <a:ext cx="4634754" cy="3557181"/>
         </p:xfrm>
         <a:graphic>
@@ -4905,12 +6383,12 @@
                         <a:buNone/>
                       </a:pPr>
                       <a:r>
-                        <a:rPr lang="fr-FR" sz="1100" u="none" strike="noStrike">
+                        <a:rPr lang="fr-FR" sz="1100" u="none" strike="noStrike" dirty="0">
                           <a:effectLst/>
                         </a:rPr>
                         <a:t>T02 </a:t>
                       </a:r>
-                      <a:endParaRPr lang="fr-FR" sz="1100" b="0" i="0" u="none" strike="noStrike">
+                      <a:endParaRPr lang="fr-FR" sz="1100" b="0" i="0" u="none" strike="noStrike" dirty="0">
                         <a:solidFill>
                           <a:srgbClr val="000000"/>
                         </a:solidFill>
@@ -4919,7 +6397,9 @@
                       </a:endParaRPr>
                     </a:p>
                   </a:txBody>
-                  <a:tcPr marL="9525" marR="9525" marT="9525" marB="0" anchor="ctr"/>
+                  <a:tcPr marL="9525" marR="9525" marT="9525" marB="0" anchor="ctr">
+                    <a:noFill/>
+                  </a:tcPr>
                 </a:tc>
                 <a:tc>
                   <a:txBody>
@@ -4930,12 +6410,12 @@
                         <a:buNone/>
                       </a:pPr>
                       <a:r>
-                        <a:rPr lang="fr-FR" sz="1100" u="none" strike="noStrike">
+                        <a:rPr lang="fr-FR" sz="1100" u="none" strike="noStrike" dirty="0">
                           <a:effectLst/>
                         </a:rPr>
                         <a:t>Agrégation M1→M15</a:t>
                       </a:r>
-                      <a:endParaRPr lang="fr-FR" sz="1100" b="0" i="0" u="none" strike="noStrike">
+                      <a:endParaRPr lang="fr-FR" sz="1100" b="0" i="0" u="none" strike="noStrike" dirty="0">
                         <a:solidFill>
                           <a:srgbClr val="000000"/>
                         </a:solidFill>
@@ -4944,7 +6424,9 @@
                       </a:endParaRPr>
                     </a:p>
                   </a:txBody>
-                  <a:tcPr marL="9525" marR="9525" marT="9525" marB="0" anchor="b"/>
+                  <a:tcPr marL="9525" marR="9525" marT="9525" marB="0" anchor="b">
+                    <a:noFill/>
+                  </a:tcPr>
                 </a:tc>
                 <a:tc>
                   <a:txBody>
@@ -4955,12 +6437,12 @@
                         <a:buNone/>
                       </a:pPr>
                       <a:r>
-                        <a:rPr lang="fr-FR" sz="1100" u="none" strike="noStrike">
+                        <a:rPr lang="fr-FR" sz="1100" u="none" strike="noStrike" dirty="0">
                           <a:effectLst/>
                         </a:rPr>
                         <a:t>Ludo</a:t>
                       </a:r>
-                      <a:endParaRPr lang="fr-FR" sz="1100" b="0" i="0" u="none" strike="noStrike">
+                      <a:endParaRPr lang="fr-FR" sz="1100" b="0" i="0" u="none" strike="noStrike" dirty="0">
                         <a:solidFill>
                           <a:srgbClr val="000000"/>
                         </a:solidFill>
@@ -4969,7 +6451,9 @@
                       </a:endParaRPr>
                     </a:p>
                   </a:txBody>
-                  <a:tcPr marL="9525" marR="9525" marT="9525" marB="0" anchor="b"/>
+                  <a:tcPr marL="9525" marR="9525" marT="9525" marB="0" anchor="b">
+                    <a:noFill/>
+                  </a:tcPr>
                 </a:tc>
                 <a:extLst>
                   <a:ext uri="{0D108BD9-81ED-4DB2-BD59-A6C34878D82A}">
@@ -5083,7 +6567,9 @@
                       </a:endParaRPr>
                     </a:p>
                   </a:txBody>
-                  <a:tcPr marL="9525" marR="9525" marT="9525" marB="0" anchor="ctr"/>
+                  <a:tcPr marL="9525" marR="9525" marT="9525" marB="0" anchor="ctr">
+                    <a:noFill/>
+                  </a:tcPr>
                 </a:tc>
                 <a:tc>
                   <a:txBody>
@@ -5108,7 +6594,9 @@
                       </a:endParaRPr>
                     </a:p>
                   </a:txBody>
-                  <a:tcPr marL="9525" marR="9525" marT="9525" marB="0" anchor="b"/>
+                  <a:tcPr marL="9525" marR="9525" marT="9525" marB="0" anchor="b">
+                    <a:noFill/>
+                  </a:tcPr>
                 </a:tc>
                 <a:tc>
                   <a:txBody>
@@ -5119,12 +6607,12 @@
                         <a:buNone/>
                       </a:pPr>
                       <a:r>
-                        <a:rPr lang="fr-FR" sz="1100" u="none" strike="noStrike">
+                        <a:rPr lang="fr-FR" sz="1100" u="none" strike="noStrike" dirty="0">
                           <a:effectLst/>
                         </a:rPr>
                         <a:t>Ludo</a:t>
                       </a:r>
-                      <a:endParaRPr lang="fr-FR" sz="1100" b="0" i="0" u="none" strike="noStrike">
+                      <a:endParaRPr lang="fr-FR" sz="1100" b="0" i="0" u="none" strike="noStrike" dirty="0">
                         <a:solidFill>
                           <a:srgbClr val="000000"/>
                         </a:solidFill>
@@ -5133,7 +6621,9 @@
                       </a:endParaRPr>
                     </a:p>
                   </a:txBody>
-                  <a:tcPr marL="9525" marR="9525" marT="9525" marB="0" anchor="b"/>
+                  <a:tcPr marL="9525" marR="9525" marT="9525" marB="0" anchor="b">
+                    <a:noFill/>
+                  </a:tcPr>
                 </a:tc>
                 <a:extLst>
                   <a:ext uri="{0D108BD9-81ED-4DB2-BD59-A6C34878D82A}">
@@ -5176,12 +6666,18 @@
                         <a:buNone/>
                       </a:pPr>
                       <a:r>
-                        <a:rPr lang="fr-FR" sz="1100" u="none" strike="noStrike">
+                        <a:rPr lang="fr-FR" sz="1100" u="none" strike="noStrike" dirty="0" err="1">
                           <a:effectLst/>
                         </a:rPr>
-                        <a:t>Feature Pack V2 (court terme + régime)</a:t>
+                        <a:t>Feature</a:t>
                       </a:r>
-                      <a:endParaRPr lang="fr-FR" sz="1100" b="0" i="0" u="none" strike="noStrike">
+                      <a:r>
+                        <a:rPr lang="fr-FR" sz="1100" u="none" strike="noStrike" dirty="0">
+                          <a:effectLst/>
+                        </a:rPr>
+                        <a:t> Pack V2 (court terme + régime)</a:t>
+                      </a:r>
+                      <a:endParaRPr lang="fr-FR" sz="1100" b="0" i="0" u="none" strike="noStrike" dirty="0">
                         <a:solidFill>
                           <a:srgbClr val="000000"/>
                         </a:solidFill>
@@ -5247,7 +6743,9 @@
                       </a:endParaRPr>
                     </a:p>
                   </a:txBody>
-                  <a:tcPr marL="9525" marR="9525" marT="9525" marB="0" anchor="ctr"/>
+                  <a:tcPr marL="9525" marR="9525" marT="9525" marB="0" anchor="ctr">
+                    <a:noFill/>
+                  </a:tcPr>
                 </a:tc>
                 <a:tc>
                   <a:txBody>
@@ -5272,7 +6770,9 @@
                       </a:endParaRPr>
                     </a:p>
                   </a:txBody>
-                  <a:tcPr marL="9525" marR="9525" marT="9525" marB="0" anchor="b"/>
+                  <a:tcPr marL="9525" marR="9525" marT="9525" marB="0" anchor="b">
+                    <a:noFill/>
+                  </a:tcPr>
                 </a:tc>
                 <a:tc>
                   <a:txBody>
@@ -5283,12 +6783,12 @@
                         <a:buNone/>
                       </a:pPr>
                       <a:r>
-                        <a:rPr lang="fr-FR" sz="1100" u="none" strike="noStrike">
+                        <a:rPr lang="fr-FR" sz="1100" u="none" strike="noStrike" dirty="0">
                           <a:effectLst/>
                         </a:rPr>
                         <a:t>Ludo</a:t>
                       </a:r>
-                      <a:endParaRPr lang="fr-FR" sz="1100" b="0" i="0" u="none" strike="noStrike">
+                      <a:endParaRPr lang="fr-FR" sz="1100" b="0" i="0" u="none" strike="noStrike" dirty="0">
                         <a:solidFill>
                           <a:srgbClr val="000000"/>
                         </a:solidFill>
@@ -5297,7 +6797,9 @@
                       </a:endParaRPr>
                     </a:p>
                   </a:txBody>
-                  <a:tcPr marL="9525" marR="9525" marT="9525" marB="0" anchor="b"/>
+                  <a:tcPr marL="9525" marR="9525" marT="9525" marB="0" anchor="b">
+                    <a:noFill/>
+                  </a:tcPr>
                 </a:tc>
                 <a:extLst>
                   <a:ext uri="{0D108BD9-81ED-4DB2-BD59-A6C34878D82A}">
@@ -5411,7 +6913,9 @@
                       </a:endParaRPr>
                     </a:p>
                   </a:txBody>
-                  <a:tcPr marL="9525" marR="9525" marT="9525" marB="0" anchor="ctr"/>
+                  <a:tcPr marL="9525" marR="9525" marT="9525" marB="0" anchor="ctr">
+                    <a:noFill/>
+                  </a:tcPr>
                 </a:tc>
                 <a:tc>
                   <a:txBody>
@@ -5436,7 +6940,9 @@
                       </a:endParaRPr>
                     </a:p>
                   </a:txBody>
-                  <a:tcPr marL="9525" marR="9525" marT="9525" marB="0" anchor="b"/>
+                  <a:tcPr marL="9525" marR="9525" marT="9525" marB="0" anchor="b">
+                    <a:noFill/>
+                  </a:tcPr>
                 </a:tc>
                 <a:tc>
                   <a:txBody>
@@ -5447,12 +6953,12 @@
                         <a:buNone/>
                       </a:pPr>
                       <a:r>
-                        <a:rPr lang="fr-FR" sz="1100" u="none" strike="noStrike">
+                        <a:rPr lang="fr-FR" sz="1100" u="none" strike="noStrike" dirty="0">
                           <a:effectLst/>
                         </a:rPr>
                         <a:t>Ludo</a:t>
                       </a:r>
-                      <a:endParaRPr lang="fr-FR" sz="1100" b="0" i="0" u="none" strike="noStrike">
+                      <a:endParaRPr lang="fr-FR" sz="1100" b="0" i="0" u="none" strike="noStrike" dirty="0">
                         <a:solidFill>
                           <a:srgbClr val="000000"/>
                         </a:solidFill>
@@ -5461,7 +6967,9 @@
                       </a:endParaRPr>
                     </a:p>
                   </a:txBody>
-                  <a:tcPr marL="9525" marR="9525" marT="9525" marB="0" anchor="b"/>
+                  <a:tcPr marL="9525" marR="9525" marT="9525" marB="0" anchor="b">
+                    <a:noFill/>
+                  </a:tcPr>
                 </a:tc>
                 <a:extLst>
                   <a:ext uri="{0D108BD9-81ED-4DB2-BD59-A6C34878D82A}">
@@ -5575,7 +7083,9 @@
                       </a:endParaRPr>
                     </a:p>
                   </a:txBody>
-                  <a:tcPr marL="9525" marR="9525" marT="9525" marB="0" anchor="ctr"/>
+                  <a:tcPr marL="9525" marR="9525" marT="9525" marB="0" anchor="ctr">
+                    <a:noFill/>
+                  </a:tcPr>
                 </a:tc>
                 <a:tc>
                   <a:txBody>
@@ -5612,7 +7122,9 @@
                       </a:endParaRPr>
                     </a:p>
                   </a:txBody>
-                  <a:tcPr marL="9525" marR="9525" marT="9525" marB="0" anchor="b"/>
+                  <a:tcPr marL="9525" marR="9525" marT="9525" marB="0" anchor="b">
+                    <a:noFill/>
+                  </a:tcPr>
                 </a:tc>
                 <a:tc>
                   <a:txBody>
@@ -5623,12 +7135,12 @@
                         <a:buNone/>
                       </a:pPr>
                       <a:r>
-                        <a:rPr lang="fr-FR" sz="1100" u="none" strike="noStrike">
+                        <a:rPr lang="fr-FR" sz="1100" u="none" strike="noStrike" dirty="0">
                           <a:effectLst/>
                         </a:rPr>
                         <a:t>Ludo</a:t>
                       </a:r>
-                      <a:endParaRPr lang="fr-FR" sz="1100" b="0" i="0" u="none" strike="noStrike">
+                      <a:endParaRPr lang="fr-FR" sz="1100" b="0" i="0" u="none" strike="noStrike" dirty="0">
                         <a:solidFill>
                           <a:srgbClr val="000000"/>
                         </a:solidFill>
@@ -5637,7 +7149,9 @@
                       </a:endParaRPr>
                     </a:p>
                   </a:txBody>
-                  <a:tcPr marL="9525" marR="9525" marT="9525" marB="0" anchor="b"/>
+                  <a:tcPr marL="9525" marR="9525" marT="9525" marB="0" anchor="b">
+                    <a:noFill/>
+                  </a:tcPr>
                 </a:tc>
                 <a:extLst>
                   <a:ext uri="{0D108BD9-81ED-4DB2-BD59-A6C34878D82A}">
@@ -5763,7 +7277,9 @@
                       </a:endParaRPr>
                     </a:p>
                   </a:txBody>
-                  <a:tcPr marL="9525" marR="9525" marT="9525" marB="0" anchor="b"/>
+                  <a:tcPr marL="9525" marR="9525" marT="9525" marB="0" anchor="b">
+                    <a:noFill/>
+                  </a:tcPr>
                 </a:tc>
                 <a:tc>
                   <a:txBody>
@@ -5788,7 +7304,9 @@
                       </a:endParaRPr>
                     </a:p>
                   </a:txBody>
-                  <a:tcPr marL="9525" marR="9525" marT="9525" marB="0" anchor="b"/>
+                  <a:tcPr marL="9525" marR="9525" marT="9525" marB="0" anchor="b">
+                    <a:noFill/>
+                  </a:tcPr>
                 </a:tc>
                 <a:tc>
                   <a:txBody>
@@ -5813,7 +7331,9 @@
                       </a:endParaRPr>
                     </a:p>
                   </a:txBody>
-                  <a:tcPr marL="9525" marR="9525" marT="9525" marB="0" anchor="b"/>
+                  <a:tcPr marL="9525" marR="9525" marT="9525" marB="0" anchor="b">
+                    <a:noFill/>
+                  </a:tcPr>
                 </a:tc>
                 <a:extLst>
                   <a:ext uri="{0D108BD9-81ED-4DB2-BD59-A6C34878D82A}">
@@ -5869,158 +7389,6 @@
 </p:sld>
 </file>
 
-<file path=ppt/slides/slide4.xml><?xml version="1.0" encoding="utf-8"?>
-<p:sld xmlns:a="http://schemas.openxmlformats.org/drawingml/2006/main" xmlns:r="http://schemas.openxmlformats.org/officeDocument/2006/relationships" xmlns:p="http://schemas.openxmlformats.org/presentationml/2006/main">
-  <p:cSld>
-    <p:spTree>
-      <p:nvGrpSpPr>
-        <p:cNvPr id="1" name=""/>
-        <p:cNvGrpSpPr/>
-        <p:nvPr/>
-      </p:nvGrpSpPr>
-      <p:grpSpPr>
-        <a:xfrm>
-          <a:off x="0" y="0"/>
-          <a:ext cx="0" cy="0"/>
-          <a:chOff x="0" y="0"/>
-          <a:chExt cx="0" cy="0"/>
-        </a:xfrm>
-      </p:grpSpPr>
-      <p:sp>
-        <p:nvSpPr>
-          <p:cNvPr id="2" name="Title 1"/>
-          <p:cNvSpPr>
-            <a:spLocks noGrp="1"/>
-          </p:cNvSpPr>
-          <p:nvPr>
-            <p:ph type="title"/>
-          </p:nvPr>
-        </p:nvSpPr>
-        <p:spPr/>
-        <p:txBody>
-          <a:bodyPr/>
-          <a:lstStyle/>
-          <a:p>
-            <a:r>
-              <a:rPr dirty="0"/>
-              <a:t>Données &amp; Split </a:t>
-            </a:r>
-            <a:r>
-              <a:rPr dirty="0" err="1"/>
-              <a:t>Temporel</a:t>
-            </a:r>
-            <a:endParaRPr dirty="0"/>
-          </a:p>
-        </p:txBody>
-      </p:sp>
-      <p:sp>
-        <p:nvSpPr>
-          <p:cNvPr id="3" name="Content Placeholder 2"/>
-          <p:cNvSpPr>
-            <a:spLocks noGrp="1"/>
-          </p:cNvSpPr>
-          <p:nvPr>
-            <p:ph idx="1"/>
-          </p:nvPr>
-        </p:nvSpPr>
-        <p:spPr>
-          <a:xfrm>
-            <a:off x="457200" y="1600200"/>
-            <a:ext cx="6257365" cy="4525963"/>
-          </a:xfrm>
-        </p:spPr>
-        <p:txBody>
-          <a:bodyPr/>
-          <a:lstStyle/>
-          <a:p>
-            <a:pPr>
-              <a:buFont typeface="Wingdings" panose="05000000000000000000" pitchFamily="2" charset="2"/>
-              <a:buChar char="ü"/>
-            </a:pPr>
-            <a:r>
-              <a:rPr dirty="0" err="1"/>
-              <a:t>Période</a:t>
-            </a:r>
-            <a:r>
-              <a:rPr dirty="0"/>
-              <a:t> disponible : 2022 - 202</a:t>
-            </a:r>
-            <a:r>
-              <a:rPr lang="fr-FR" dirty="0"/>
-              <a:t>5</a:t>
-            </a:r>
-            <a:endParaRPr dirty="0"/>
-          </a:p>
-        </p:txBody>
-      </p:sp>
-      <p:pic>
-        <p:nvPicPr>
-          <p:cNvPr id="5" name="Image 4">
-            <a:extLst>
-              <a:ext uri="{FF2B5EF4-FFF2-40B4-BE49-F238E27FC236}">
-                <a16:creationId xmlns:a16="http://schemas.microsoft.com/office/drawing/2014/main" id="{9D26236E-B616-755A-9CFE-D5195F0BEF13}"/>
-              </a:ext>
-            </a:extLst>
-          </p:cNvPr>
-          <p:cNvPicPr>
-            <a:picLocks noChangeAspect="1"/>
-          </p:cNvPicPr>
-          <p:nvPr/>
-        </p:nvPicPr>
-        <p:blipFill>
-          <a:blip r:embed="rId2"/>
-          <a:stretch>
-            <a:fillRect/>
-          </a:stretch>
-        </p:blipFill>
-        <p:spPr>
-          <a:xfrm>
-            <a:off x="5514569" y="2247794"/>
-            <a:ext cx="3172231" cy="3878369"/>
-          </a:xfrm>
-          <a:prstGeom prst="rect">
-            <a:avLst/>
-          </a:prstGeom>
-        </p:spPr>
-      </p:pic>
-      <p:pic>
-        <p:nvPicPr>
-          <p:cNvPr id="6" name="Image 5">
-            <a:extLst>
-              <a:ext uri="{FF2B5EF4-FFF2-40B4-BE49-F238E27FC236}">
-                <a16:creationId xmlns:a16="http://schemas.microsoft.com/office/drawing/2014/main" id="{3E0EB7D3-96C2-08CD-BEBE-BC6EEF425FD0}"/>
-              </a:ext>
-            </a:extLst>
-          </p:cNvPr>
-          <p:cNvPicPr>
-            <a:picLocks noChangeAspect="1"/>
-          </p:cNvPicPr>
-          <p:nvPr/>
-        </p:nvPicPr>
-        <p:blipFill>
-          <a:blip r:embed="rId3"/>
-          <a:stretch>
-            <a:fillRect/>
-          </a:stretch>
-        </p:blipFill>
-        <p:spPr>
-          <a:xfrm>
-            <a:off x="553031" y="2420083"/>
-            <a:ext cx="4829849" cy="1533739"/>
-          </a:xfrm>
-          <a:prstGeom prst="rect">
-            <a:avLst/>
-          </a:prstGeom>
-        </p:spPr>
-      </p:pic>
-    </p:spTree>
-  </p:cSld>
-  <p:clrMapOvr>
-    <a:masterClrMapping/>
-  </p:clrMapOvr>
-</p:sld>
-</file>
-
 <file path=ppt/slides/slide5.xml><?xml version="1.0" encoding="utf-8"?>
 <p:sld xmlns:a="http://schemas.openxmlformats.org/drawingml/2006/main" xmlns:r="http://schemas.openxmlformats.org/officeDocument/2006/relationships" xmlns:p="http://schemas.openxmlformats.org/presentationml/2006/main">
   <p:cSld>
@@ -6055,7 +7423,7 @@
           <a:p>
             <a:r>
               <a:rPr lang="fr-FR" dirty="0"/>
-              <a:t>Phase 1 : Importation M1</a:t>
+              <a:t>1 : Importation M1</a:t>
             </a:r>
           </a:p>
         </p:txBody>
@@ -6095,22 +7463,6 @@
               <a:buFont typeface="Wingdings" panose="05000000000000000000" pitchFamily="2" charset="2"/>
               <a:buChar char="ü"/>
             </a:pPr>
-            <a:r>
-              <a:rPr lang="fr-FR" sz="1800" dirty="0"/>
-              <a:t>F</a:t>
-            </a:r>
-            <a:r>
-              <a:rPr sz="1800" dirty="0" err="1"/>
-              <a:t>usion</a:t>
-            </a:r>
-            <a:r>
-              <a:rPr sz="1800" dirty="0"/>
-              <a:t> date/</a:t>
-            </a:r>
-            <a:r>
-              <a:rPr sz="1800" dirty="0" err="1"/>
-              <a:t>heure</a:t>
-            </a:r>
             <a:endParaRPr lang="fr-FR" sz="1800" dirty="0"/>
           </a:p>
           <a:p>
@@ -6120,6 +7472,39 @@
             </a:pPr>
             <a:r>
               <a:rPr lang="fr-FR" sz="1800" dirty="0"/>
+              <a:t>F</a:t>
+            </a:r>
+            <a:r>
+              <a:rPr sz="1800" dirty="0" err="1"/>
+              <a:t>usion</a:t>
+            </a:r>
+            <a:r>
+              <a:rPr sz="1800" dirty="0"/>
+              <a:t> date/</a:t>
+            </a:r>
+            <a:r>
+              <a:rPr sz="1800" dirty="0" err="1"/>
+              <a:t>heure</a:t>
+            </a:r>
+            <a:r>
+              <a:rPr lang="fr-FR" sz="1800" dirty="0"/>
+              <a:t> </a:t>
+            </a:r>
+          </a:p>
+          <a:p>
+            <a:pPr lvl="1">
+              <a:buFont typeface="Wingdings" panose="05000000000000000000" pitchFamily="2" charset="2"/>
+              <a:buChar char="ü"/>
+            </a:pPr>
+            <a:endParaRPr lang="fr-FR" sz="1800" dirty="0"/>
+          </a:p>
+          <a:p>
+            <a:pPr lvl="1">
+              <a:buFont typeface="Wingdings" panose="05000000000000000000" pitchFamily="2" charset="2"/>
+              <a:buChar char="ü"/>
+            </a:pPr>
+            <a:r>
+              <a:rPr lang="fr-FR" sz="1800" dirty="0"/>
               <a:t>V</a:t>
             </a:r>
             <a:r>
@@ -6145,6 +7530,66 @@
           </a:p>
         </p:txBody>
       </p:sp>
+      <p:pic>
+        <p:nvPicPr>
+          <p:cNvPr id="7" name="Image 6">
+            <a:extLst>
+              <a:ext uri="{FF2B5EF4-FFF2-40B4-BE49-F238E27FC236}">
+                <a16:creationId xmlns:a16="http://schemas.microsoft.com/office/drawing/2014/main" id="{21E380A3-3702-009D-DE86-045AD7BAD526}"/>
+              </a:ext>
+            </a:extLst>
+          </p:cNvPr>
+          <p:cNvPicPr>
+            <a:picLocks noChangeAspect="1"/>
+          </p:cNvPicPr>
+          <p:nvPr/>
+        </p:nvPicPr>
+        <p:blipFill>
+          <a:blip r:embed="rId2"/>
+          <a:stretch>
+            <a:fillRect/>
+          </a:stretch>
+        </p:blipFill>
+        <p:spPr>
+          <a:xfrm>
+            <a:off x="1261872" y="3429000"/>
+            <a:ext cx="5963482" cy="857370"/>
+          </a:xfrm>
+          <a:prstGeom prst="rect">
+            <a:avLst/>
+          </a:prstGeom>
+        </p:spPr>
+      </p:pic>
+      <p:pic>
+        <p:nvPicPr>
+          <p:cNvPr id="9" name="Image 8">
+            <a:extLst>
+              <a:ext uri="{FF2B5EF4-FFF2-40B4-BE49-F238E27FC236}">
+                <a16:creationId xmlns:a16="http://schemas.microsoft.com/office/drawing/2014/main" id="{A65BBBA9-6C0B-180A-4E27-4234961F04AF}"/>
+              </a:ext>
+            </a:extLst>
+          </p:cNvPr>
+          <p:cNvPicPr>
+            <a:picLocks noChangeAspect="1"/>
+          </p:cNvPicPr>
+          <p:nvPr/>
+        </p:nvPicPr>
+        <p:blipFill>
+          <a:blip r:embed="rId3"/>
+          <a:stretch>
+            <a:fillRect/>
+          </a:stretch>
+        </p:blipFill>
+        <p:spPr>
+          <a:xfrm>
+            <a:off x="1261872" y="4612328"/>
+            <a:ext cx="6291072" cy="1290943"/>
+          </a:xfrm>
+          <a:prstGeom prst="rect">
+            <a:avLst/>
+          </a:prstGeom>
+        </p:spPr>
+      </p:pic>
     </p:spTree>
   </p:cSld>
   <p:clrMapOvr>
@@ -6195,7 +7640,7 @@
           <a:p>
             <a:r>
               <a:rPr lang="fr-FR" dirty="0"/>
-              <a:t>Phase 2 : Agrégation M1 -&gt; M15</a:t>
+              <a:t>2 : Agrégation M1 -&gt; M15</a:t>
             </a:r>
           </a:p>
         </p:txBody>
@@ -6326,7 +7771,7 @@
         </p:blipFill>
         <p:spPr>
           <a:xfrm>
-            <a:off x="1604548" y="4639991"/>
+            <a:off x="1604548" y="4761911"/>
             <a:ext cx="5934903" cy="1943371"/>
           </a:xfrm>
           <a:prstGeom prst="rect">
@@ -6389,7 +7834,7 @@
           <a:p>
             <a:r>
               <a:rPr lang="fr-FR" dirty="0"/>
-              <a:t>Phase 3 : Nettoyage</a:t>
+              <a:t>3 : Nettoyage</a:t>
             </a:r>
           </a:p>
         </p:txBody>
@@ -6464,6 +7909,96 @@
           </a:p>
         </p:txBody>
       </p:sp>
+      <p:pic>
+        <p:nvPicPr>
+          <p:cNvPr id="5" name="Image 4">
+            <a:extLst>
+              <a:ext uri="{FF2B5EF4-FFF2-40B4-BE49-F238E27FC236}">
+                <a16:creationId xmlns:a16="http://schemas.microsoft.com/office/drawing/2014/main" id="{B6A3E131-CC12-9B15-D68F-81D2A4B7C660}"/>
+              </a:ext>
+            </a:extLst>
+          </p:cNvPr>
+          <p:cNvPicPr>
+            <a:picLocks noChangeAspect="1"/>
+          </p:cNvPicPr>
+          <p:nvPr/>
+        </p:nvPicPr>
+        <p:blipFill>
+          <a:blip r:embed="rId2"/>
+          <a:stretch>
+            <a:fillRect/>
+          </a:stretch>
+        </p:blipFill>
+        <p:spPr>
+          <a:xfrm>
+            <a:off x="927993" y="4110132"/>
+            <a:ext cx="1752845" cy="1362265"/>
+          </a:xfrm>
+          <a:prstGeom prst="rect">
+            <a:avLst/>
+          </a:prstGeom>
+        </p:spPr>
+      </p:pic>
+      <p:pic>
+        <p:nvPicPr>
+          <p:cNvPr id="7" name="Image 6">
+            <a:extLst>
+              <a:ext uri="{FF2B5EF4-FFF2-40B4-BE49-F238E27FC236}">
+                <a16:creationId xmlns:a16="http://schemas.microsoft.com/office/drawing/2014/main" id="{73D68644-74FB-6FBC-2A1E-CEC53414406E}"/>
+              </a:ext>
+            </a:extLst>
+          </p:cNvPr>
+          <p:cNvPicPr>
+            <a:picLocks noChangeAspect="1"/>
+          </p:cNvPicPr>
+          <p:nvPr/>
+        </p:nvPicPr>
+        <p:blipFill>
+          <a:blip r:embed="rId3"/>
+          <a:stretch>
+            <a:fillRect/>
+          </a:stretch>
+        </p:blipFill>
+        <p:spPr>
+          <a:xfrm>
+            <a:off x="2866569" y="4110132"/>
+            <a:ext cx="3801005" cy="962159"/>
+          </a:xfrm>
+          <a:prstGeom prst="rect">
+            <a:avLst/>
+          </a:prstGeom>
+        </p:spPr>
+      </p:pic>
+      <p:pic>
+        <p:nvPicPr>
+          <p:cNvPr id="9" name="Image 8">
+            <a:extLst>
+              <a:ext uri="{FF2B5EF4-FFF2-40B4-BE49-F238E27FC236}">
+                <a16:creationId xmlns:a16="http://schemas.microsoft.com/office/drawing/2014/main" id="{F3B45890-15ED-24C4-FD4A-D2DE9852EFF4}"/>
+              </a:ext>
+            </a:extLst>
+          </p:cNvPr>
+          <p:cNvPicPr>
+            <a:picLocks noChangeAspect="1"/>
+          </p:cNvPicPr>
+          <p:nvPr/>
+        </p:nvPicPr>
+        <p:blipFill>
+          <a:blip r:embed="rId4"/>
+          <a:stretch>
+            <a:fillRect/>
+          </a:stretch>
+        </p:blipFill>
+        <p:spPr>
+          <a:xfrm>
+            <a:off x="2866569" y="5354530"/>
+            <a:ext cx="5630061" cy="771633"/>
+          </a:xfrm>
+          <a:prstGeom prst="rect">
+            <a:avLst/>
+          </a:prstGeom>
+        </p:spPr>
+      </p:pic>
     </p:spTree>
     <p:extLst>
       <p:ext uri="{BB962C8B-B14F-4D97-AF65-F5344CB8AC3E}">
@@ -6499,7 +8034,7 @@
           <p:cNvPr id="2" name="Titre 1">
             <a:extLst>
               <a:ext uri="{FF2B5EF4-FFF2-40B4-BE49-F238E27FC236}">
-                <a16:creationId xmlns:a16="http://schemas.microsoft.com/office/drawing/2014/main" id="{822A1059-F7C1-5FE1-63EB-53AB278D2B16}"/>
+                <a16:creationId xmlns:a16="http://schemas.microsoft.com/office/drawing/2014/main" id="{19F9E0BA-48CB-89D0-C6E3-B4E9AD15B95F}"/>
               </a:ext>
             </a:extLst>
           </p:cNvPr>
@@ -6515,162 +8050,41 @@
           <a:bodyPr/>
           <a:lstStyle/>
           <a:p>
-            <a:r>
-              <a:rPr lang="fr-FR" dirty="0"/>
-              <a:t>Phase 4 : Analyse exploratoire</a:t>
-            </a:r>
-          </a:p>
-        </p:txBody>
-      </p:sp>
-      <p:graphicFrame>
-        <p:nvGraphicFramePr>
-          <p:cNvPr id="8" name="Espace réservé du contenu 7">
+            <a:endParaRPr lang="fr-FR"/>
+          </a:p>
+        </p:txBody>
+      </p:sp>
+      <p:sp>
+        <p:nvSpPr>
+          <p:cNvPr id="3" name="Espace réservé du contenu 2">
             <a:extLst>
               <a:ext uri="{FF2B5EF4-FFF2-40B4-BE49-F238E27FC236}">
-                <a16:creationId xmlns:a16="http://schemas.microsoft.com/office/drawing/2014/main" id="{45788B0E-FE80-A633-7D6D-71DB80BEEA62}"/>
+                <a16:creationId xmlns:a16="http://schemas.microsoft.com/office/drawing/2014/main" id="{C9D3CD0A-1834-05FF-F6F0-916D6D18F27B}"/>
               </a:ext>
             </a:extLst>
           </p:cNvPr>
-          <p:cNvGraphicFramePr>
-            <a:graphicFrameLocks noGrp="1"/>
-          </p:cNvGraphicFramePr>
+          <p:cNvSpPr>
+            <a:spLocks noGrp="1"/>
+          </p:cNvSpPr>
           <p:nvPr>
             <p:ph idx="1"/>
-            <p:extLst>
-              <p:ext uri="{D42A27DB-BD31-4B8C-83A1-F6EECF244321}">
-                <p14:modId xmlns:p14="http://schemas.microsoft.com/office/powerpoint/2010/main" val="1772541891"/>
-              </p:ext>
-            </p:extLst>
-          </p:nvPr>
-        </p:nvGraphicFramePr>
-        <p:xfrm>
-          <a:off x="261357" y="1386261"/>
-          <a:ext cx="8229600" cy="5032468"/>
-        </p:xfrm>
-        <a:graphic>
-          <a:graphicData uri="http://schemas.openxmlformats.org/drawingml/2006/table">
-            <a:tbl>
-              <a:tblPr firstRow="1" bandRow="1">
-                <a:tableStyleId>{5C22544A-7EE6-4342-B048-85BDC9FD1C3A}</a:tableStyleId>
-              </a:tblPr>
-              <a:tblGrid>
-                <a:gridCol w="4114800">
-                  <a:extLst>
-                    <a:ext uri="{9D8B030D-6E8A-4147-A177-3AD203B41FA5}">
-                      <a16:colId xmlns:a16="http://schemas.microsoft.com/office/drawing/2014/main" val="210803697"/>
-                    </a:ext>
-                  </a:extLst>
-                </a:gridCol>
-                <a:gridCol w="4114800">
-                  <a:extLst>
-                    <a:ext uri="{9D8B030D-6E8A-4147-A177-3AD203B41FA5}">
-                      <a16:colId xmlns:a16="http://schemas.microsoft.com/office/drawing/2014/main" val="3381025899"/>
-                    </a:ext>
-                  </a:extLst>
-                </a:gridCol>
-              </a:tblGrid>
-              <a:tr h="2516234">
-                <a:tc>
-                  <a:txBody>
-                    <a:bodyPr/>
-                    <a:lstStyle/>
-                    <a:p>
-                      <a:r>
-                        <a:rPr lang="fr-FR" dirty="0"/>
-                        <a:t>Distribution</a:t>
-                      </a:r>
-                    </a:p>
-                    <a:p>
-                      <a:endParaRPr lang="fr-FR" dirty="0"/>
-                    </a:p>
-                    <a:p>
-                      <a:endParaRPr lang="fr-FR" dirty="0"/>
-                    </a:p>
-                  </a:txBody>
-                  <a:tcPr/>
-                </a:tc>
-                <a:tc>
-                  <a:txBody>
-                    <a:bodyPr/>
-                    <a:lstStyle/>
-                    <a:p>
-                      <a:pPr marL="0" marR="0" lvl="0" indent="0" algn="l" defTabSz="457200" rtl="0" eaLnBrk="1" fontAlgn="auto" latinLnBrk="0" hangingPunct="1">
-                        <a:lnSpc>
-                          <a:spcPct val="100000"/>
-                        </a:lnSpc>
-                        <a:spcBef>
-                          <a:spcPts val="0"/>
-                        </a:spcBef>
-                        <a:spcAft>
-                          <a:spcPts val="0"/>
-                        </a:spcAft>
-                        <a:buClrTx/>
-                        <a:buSzTx/>
-                        <a:buFontTx/>
-                        <a:buNone/>
-                        <a:tabLst/>
-                        <a:defRPr/>
-                      </a:pPr>
-                      <a:r>
-                        <a:rPr lang="fr-FR" dirty="0"/>
-                        <a:t>Volatilité</a:t>
-                      </a:r>
-                    </a:p>
-                    <a:p>
-                      <a:endParaRPr lang="fr-FR" dirty="0"/>
-                    </a:p>
-                  </a:txBody>
-                  <a:tcPr/>
-                </a:tc>
-                <a:extLst>
-                  <a:ext uri="{0D108BD9-81ED-4DB2-BD59-A6C34878D82A}">
-                    <a16:rowId xmlns:a16="http://schemas.microsoft.com/office/drawing/2014/main" val="4006736409"/>
-                  </a:ext>
-                </a:extLst>
-              </a:tr>
-              <a:tr h="2516234">
-                <a:tc>
-                  <a:txBody>
-                    <a:bodyPr/>
-                    <a:lstStyle/>
-                    <a:p>
-                      <a:r>
-                        <a:rPr lang="fr-FR" dirty="0"/>
-                        <a:t>Rendement</a:t>
-                      </a:r>
-                    </a:p>
-                  </a:txBody>
-                  <a:tcPr/>
-                </a:tc>
-                <a:tc>
-                  <a:txBody>
-                    <a:bodyPr/>
-                    <a:lstStyle/>
-                    <a:p>
-                      <a:r>
-                        <a:rPr lang="fr-FR" dirty="0"/>
-                        <a:t>Autocorrélation</a:t>
-                      </a:r>
-                    </a:p>
-                  </a:txBody>
-                  <a:tcPr/>
-                </a:tc>
-                <a:extLst>
-                  <a:ext uri="{0D108BD9-81ED-4DB2-BD59-A6C34878D82A}">
-                    <a16:rowId xmlns:a16="http://schemas.microsoft.com/office/drawing/2014/main" val="2132972571"/>
-                  </a:ext>
-                </a:extLst>
-              </a:tr>
-            </a:tbl>
-          </a:graphicData>
-        </a:graphic>
-      </p:graphicFrame>
+          </p:nvPr>
+        </p:nvSpPr>
+        <p:spPr/>
+        <p:txBody>
+          <a:bodyPr/>
+          <a:lstStyle/>
+          <a:p>
+            <a:endParaRPr lang="fr-FR"/>
+          </a:p>
+        </p:txBody>
+      </p:sp>
       <p:pic>
         <p:nvPicPr>
-          <p:cNvPr id="7" name="Image 6">
+          <p:cNvPr id="5" name="Image 4">
             <a:extLst>
               <a:ext uri="{FF2B5EF4-FFF2-40B4-BE49-F238E27FC236}">
-                <a16:creationId xmlns:a16="http://schemas.microsoft.com/office/drawing/2014/main" id="{D830BB08-C5CE-9638-CE7E-E5582F75CCAE}"/>
+                <a16:creationId xmlns:a16="http://schemas.microsoft.com/office/drawing/2014/main" id="{21193C2E-876D-A621-C604-D6AE84FA8F2B}"/>
               </a:ext>
             </a:extLst>
           </p:cNvPr>
@@ -6687,128 +8101,8 @@
         </p:blipFill>
         <p:spPr>
           <a:xfrm>
-            <a:off x="410933" y="4518361"/>
-            <a:ext cx="3683765" cy="1143000"/>
-          </a:xfrm>
-          <a:prstGeom prst="rect">
-            <a:avLst/>
-          </a:prstGeom>
-        </p:spPr>
-      </p:pic>
-      <p:pic>
-        <p:nvPicPr>
-          <p:cNvPr id="10" name="Image 9">
-            <a:extLst>
-              <a:ext uri="{FF2B5EF4-FFF2-40B4-BE49-F238E27FC236}">
-                <a16:creationId xmlns:a16="http://schemas.microsoft.com/office/drawing/2014/main" id="{4F5B2023-5EE7-0B22-DC3C-61382B7E8B1A}"/>
-              </a:ext>
-            </a:extLst>
-          </p:cNvPr>
-          <p:cNvPicPr>
-            <a:picLocks noChangeAspect="1"/>
-          </p:cNvPicPr>
-          <p:nvPr/>
-        </p:nvPicPr>
-        <p:blipFill>
-          <a:blip r:embed="rId3"/>
-          <a:stretch>
-            <a:fillRect/>
-          </a:stretch>
-        </p:blipFill>
-        <p:spPr>
-          <a:xfrm>
-            <a:off x="378824" y="2036518"/>
-            <a:ext cx="3915207" cy="1074235"/>
-          </a:xfrm>
-          <a:prstGeom prst="rect">
-            <a:avLst/>
-          </a:prstGeom>
-        </p:spPr>
-      </p:pic>
-      <p:pic>
-        <p:nvPicPr>
-          <p:cNvPr id="12" name="Image 11">
-            <a:extLst>
-              <a:ext uri="{FF2B5EF4-FFF2-40B4-BE49-F238E27FC236}">
-                <a16:creationId xmlns:a16="http://schemas.microsoft.com/office/drawing/2014/main" id="{0E5F626E-E386-D85F-0577-82A5CB082BA2}"/>
-              </a:ext>
-            </a:extLst>
-          </p:cNvPr>
-          <p:cNvPicPr>
-            <a:picLocks noChangeAspect="1"/>
-          </p:cNvPicPr>
-          <p:nvPr/>
-        </p:nvPicPr>
-        <p:blipFill>
-          <a:blip r:embed="rId4"/>
-          <a:stretch>
-            <a:fillRect/>
-          </a:stretch>
-        </p:blipFill>
-        <p:spPr>
-          <a:xfrm>
-            <a:off x="4839496" y="4296191"/>
-            <a:ext cx="3165985" cy="2050104"/>
-          </a:xfrm>
-          <a:prstGeom prst="rect">
-            <a:avLst/>
-          </a:prstGeom>
-        </p:spPr>
-      </p:pic>
-      <p:pic>
-        <p:nvPicPr>
-          <p:cNvPr id="14" name="Image 13">
-            <a:extLst>
-              <a:ext uri="{FF2B5EF4-FFF2-40B4-BE49-F238E27FC236}">
-                <a16:creationId xmlns:a16="http://schemas.microsoft.com/office/drawing/2014/main" id="{B2661C2D-6233-7B10-A0BF-311703232458}"/>
-              </a:ext>
-            </a:extLst>
-          </p:cNvPr>
-          <p:cNvPicPr>
-            <a:picLocks noChangeAspect="1"/>
-          </p:cNvPicPr>
-          <p:nvPr/>
-        </p:nvPicPr>
-        <p:blipFill>
-          <a:blip r:embed="rId5"/>
-          <a:stretch>
-            <a:fillRect/>
-          </a:stretch>
-        </p:blipFill>
-        <p:spPr>
-          <a:xfrm>
-            <a:off x="798539" y="511705"/>
-            <a:ext cx="4120926" cy="3007020"/>
-          </a:xfrm>
-          <a:prstGeom prst="rect">
-            <a:avLst/>
-          </a:prstGeom>
-        </p:spPr>
-      </p:pic>
-      <p:pic>
-        <p:nvPicPr>
-          <p:cNvPr id="4" name="Image 3">
-            <a:extLst>
-              <a:ext uri="{FF2B5EF4-FFF2-40B4-BE49-F238E27FC236}">
-                <a16:creationId xmlns:a16="http://schemas.microsoft.com/office/drawing/2014/main" id="{CD3AAD32-C889-23C4-2CC1-7ED2E96BC118}"/>
-              </a:ext>
-            </a:extLst>
-          </p:cNvPr>
-          <p:cNvPicPr>
-            <a:picLocks noChangeAspect="1"/>
-          </p:cNvPicPr>
-          <p:nvPr/>
-        </p:nvPicPr>
-        <p:blipFill>
-          <a:blip r:embed="rId6"/>
-          <a:stretch>
-            <a:fillRect/>
-          </a:stretch>
-        </p:blipFill>
-        <p:spPr>
-          <a:xfrm>
-            <a:off x="4489874" y="1740314"/>
-            <a:ext cx="3855587" cy="1908321"/>
+            <a:off x="2049905" y="94533"/>
+            <a:ext cx="5044189" cy="6668933"/>
           </a:xfrm>
           <a:prstGeom prst="rect">
             <a:avLst/>
@@ -6818,7 +8112,7 @@
     </p:spTree>
     <p:extLst>
       <p:ext uri="{BB962C8B-B14F-4D97-AF65-F5344CB8AC3E}">
-        <p14:creationId xmlns:p14="http://schemas.microsoft.com/office/powerpoint/2010/main" val="211231267"/>
+        <p14:creationId xmlns:p14="http://schemas.microsoft.com/office/powerpoint/2010/main" val="2090700619"/>
       </p:ext>
     </p:extLst>
   </p:cSld>
@@ -6850,7 +8144,7 @@
           <p:cNvPr id="2" name="Titre 1">
             <a:extLst>
               <a:ext uri="{FF2B5EF4-FFF2-40B4-BE49-F238E27FC236}">
-                <a16:creationId xmlns:a16="http://schemas.microsoft.com/office/drawing/2014/main" id="{DC474ACD-9FFC-4659-9837-3F0087302A79}"/>
+                <a16:creationId xmlns:a16="http://schemas.microsoft.com/office/drawing/2014/main" id="{822A1059-F7C1-5FE1-63EB-53AB278D2B16}"/>
               </a:ext>
             </a:extLst>
           </p:cNvPr>
@@ -6863,32 +8157,22 @@
         </p:nvSpPr>
         <p:spPr/>
         <p:txBody>
-          <a:bodyPr>
-            <a:normAutofit/>
-          </a:bodyPr>
+          <a:bodyPr/>
           <a:lstStyle/>
           <a:p>
             <a:r>
               <a:rPr lang="fr-FR" dirty="0"/>
-              <a:t>Phase 5 – </a:t>
-            </a:r>
-            <a:r>
-              <a:rPr lang="fr-FR" dirty="0" err="1"/>
-              <a:t>Feature</a:t>
-            </a:r>
-            <a:r>
-              <a:rPr lang="fr-FR" dirty="0"/>
-              <a:t> engineering</a:t>
-            </a:r>
-          </a:p>
-        </p:txBody>
-      </p:sp>
-      <p:sp>
-        <p:nvSpPr>
-          <p:cNvPr id="3" name="Espace réservé du contenu 2">
+              <a:t>4 : Analyse exploratoire</a:t>
+            </a:r>
+          </a:p>
+        </p:txBody>
+      </p:sp>
+      <p:sp>
+        <p:nvSpPr>
+          <p:cNvPr id="13" name="Espace réservé du contenu 12">
             <a:extLst>
               <a:ext uri="{FF2B5EF4-FFF2-40B4-BE49-F238E27FC236}">
-                <a16:creationId xmlns:a16="http://schemas.microsoft.com/office/drawing/2014/main" id="{FBB0F750-C285-B7AE-B828-3BF5AB7DA366}"/>
+                <a16:creationId xmlns:a16="http://schemas.microsoft.com/office/drawing/2014/main" id="{D384B251-C903-D9C4-4DA6-985C102AC66A}"/>
               </a:ext>
             </a:extLst>
           </p:cNvPr>
@@ -6904,55 +8188,16 @@
           <a:bodyPr/>
           <a:lstStyle/>
           <a:p>
-            <a:pPr>
-              <a:buFont typeface="Wingdings" panose="05000000000000000000" pitchFamily="2" charset="2"/>
-              <a:buChar char="ü"/>
-            </a:pPr>
-            <a:r>
-              <a:rPr lang="fr-FR" sz="1400" dirty="0"/>
-              <a:t>2 blocs : </a:t>
-            </a:r>
-          </a:p>
-          <a:p>
-            <a:pPr lvl="1">
-              <a:buFont typeface="Wingdings" panose="05000000000000000000" pitchFamily="2" charset="2"/>
-              <a:buChar char="ü"/>
-            </a:pPr>
-            <a:r>
-              <a:rPr lang="fr-FR" sz="1400" dirty="0"/>
-              <a:t>Court terme : Dynamique immédiate du prix (</a:t>
-            </a:r>
-            <a:r>
-              <a:rPr lang="fr-FR" sz="1400" dirty="0" err="1"/>
-              <a:t>Returns</a:t>
-            </a:r>
-            <a:r>
-              <a:rPr lang="fr-FR" sz="1400" dirty="0"/>
-              <a:t>, RSI, Ranges)</a:t>
-            </a:r>
-          </a:p>
-          <a:p>
-            <a:pPr lvl="1">
-              <a:buFont typeface="Wingdings" panose="05000000000000000000" pitchFamily="2" charset="2"/>
-              <a:buChar char="ü"/>
-            </a:pPr>
-            <a:r>
-              <a:rPr lang="fr-FR" sz="1400" dirty="0"/>
-              <a:t>Contexte &amp; Régime : Tendances de fond (EDA 200, ADX) et volatilité (ATR)</a:t>
-            </a:r>
-            <a:br>
-              <a:rPr lang="fr-FR" dirty="0"/>
-            </a:br>
             <a:endParaRPr lang="fr-FR" dirty="0"/>
           </a:p>
         </p:txBody>
       </p:sp>
       <p:pic>
         <p:nvPicPr>
-          <p:cNvPr id="5" name="Image 4">
+          <p:cNvPr id="16" name="Image 15">
             <a:extLst>
               <a:ext uri="{FF2B5EF4-FFF2-40B4-BE49-F238E27FC236}">
-                <a16:creationId xmlns:a16="http://schemas.microsoft.com/office/drawing/2014/main" id="{95335285-282A-819F-8AD1-CBE46D18EDD7}"/>
+                <a16:creationId xmlns:a16="http://schemas.microsoft.com/office/drawing/2014/main" id="{F7175491-300A-0EC6-09C4-62214B50CC85}"/>
               </a:ext>
             </a:extLst>
           </p:cNvPr>
@@ -6969,8 +8214,38 @@
         </p:blipFill>
         <p:spPr>
           <a:xfrm>
-            <a:off x="984250" y="2498930"/>
-            <a:ext cx="6546850" cy="3627233"/>
+            <a:off x="1554480" y="1228205"/>
+            <a:ext cx="5802284" cy="2871837"/>
+          </a:xfrm>
+          <a:prstGeom prst="rect">
+            <a:avLst/>
+          </a:prstGeom>
+        </p:spPr>
+      </p:pic>
+      <p:pic>
+        <p:nvPicPr>
+          <p:cNvPr id="19" name="Image 18">
+            <a:extLst>
+              <a:ext uri="{FF2B5EF4-FFF2-40B4-BE49-F238E27FC236}">
+                <a16:creationId xmlns:a16="http://schemas.microsoft.com/office/drawing/2014/main" id="{B3AAFB87-FA7C-C4B9-6C58-CB8259BF6DCF}"/>
+              </a:ext>
+            </a:extLst>
+          </p:cNvPr>
+          <p:cNvPicPr>
+            <a:picLocks noChangeAspect="1"/>
+          </p:cNvPicPr>
+          <p:nvPr/>
+        </p:nvPicPr>
+        <p:blipFill>
+          <a:blip r:embed="rId3"/>
+          <a:stretch>
+            <a:fillRect/>
+          </a:stretch>
+        </p:blipFill>
+        <p:spPr>
+          <a:xfrm>
+            <a:off x="0" y="4282604"/>
+            <a:ext cx="9144000" cy="2482163"/>
           </a:xfrm>
           <a:prstGeom prst="rect">
             <a:avLst/>
@@ -6980,7 +8255,7 @@
     </p:spTree>
     <p:extLst>
       <p:ext uri="{BB962C8B-B14F-4D97-AF65-F5344CB8AC3E}">
-        <p14:creationId xmlns:p14="http://schemas.microsoft.com/office/powerpoint/2010/main" val="3040014445"/>
+        <p14:creationId xmlns:p14="http://schemas.microsoft.com/office/powerpoint/2010/main" val="211231267"/>
       </p:ext>
     </p:extLst>
   </p:cSld>

--- a/Presentation_Projet_Trading.pptx
+++ b/Presentation_Projet_Trading.pptx
@@ -26,7 +26,8 @@
     <p:sldId id="281" r:id="rId20"/>
     <p:sldId id="261" r:id="rId21"/>
     <p:sldId id="262" r:id="rId22"/>
-    <p:sldId id="275" r:id="rId23"/>
+    <p:sldId id="282" r:id="rId23"/>
+    <p:sldId id="283" r:id="rId24"/>
   </p:sldIdLst>
   <p:sldSz cx="9144000" cy="6858000" type="screen4x3"/>
   <p:notesSz cx="6858000" cy="9144000"/>
@@ -5371,39 +5372,118 @@
           <a:bodyPr/>
           <a:lstStyle/>
           <a:p>
-            <a:endParaRPr/>
-          </a:p>
-          <a:p>
-            <a:r>
-              <a:t>Backend : API FastAPI</a:t>
-            </a:r>
+            <a:endParaRPr dirty="0"/>
+          </a:p>
+          <a:p>
+            <a:r>
+              <a:rPr dirty="0"/>
+              <a:t>Backend : API </a:t>
+            </a:r>
+            <a:r>
+              <a:rPr dirty="0" err="1"/>
+              <a:t>FastAPI</a:t>
+            </a:r>
+            <a:endParaRPr dirty="0"/>
           </a:p>
           <a:p>
             <a:pPr lvl="1"/>
             <a:r>
-              <a:t>Expose le meilleur modèle, gère les inférences.</a:t>
-            </a:r>
-          </a:p>
-          <a:p>
-            <a:r>
+              <a:rPr dirty="0"/>
+              <a:t>Expose le </a:t>
+            </a:r>
+            <a:r>
+              <a:rPr dirty="0" err="1"/>
+              <a:t>meilleur</a:t>
+            </a:r>
+            <a:r>
+              <a:rPr dirty="0"/>
+              <a:t> </a:t>
+            </a:r>
+            <a:r>
+              <a:rPr dirty="0" err="1"/>
+              <a:t>modèle</a:t>
+            </a:r>
+            <a:r>
+              <a:rPr dirty="0"/>
+              <a:t>, </a:t>
+            </a:r>
+            <a:r>
+              <a:rPr dirty="0" err="1"/>
+              <a:t>gère</a:t>
+            </a:r>
+            <a:r>
+              <a:rPr dirty="0"/>
+              <a:t> les </a:t>
+            </a:r>
+            <a:r>
+              <a:rPr dirty="0" err="1"/>
+              <a:t>inférences</a:t>
+            </a:r>
+            <a:r>
+              <a:rPr dirty="0"/>
+              <a:t>.</a:t>
+            </a:r>
+          </a:p>
+          <a:p>
+            <a:r>
+              <a:rPr dirty="0"/>
               <a:t>Frontend : Web App Flask</a:t>
             </a:r>
           </a:p>
           <a:p>
             <a:pPr lvl="1"/>
             <a:r>
-              <a:t>Dashboard utilisateur, visualisation des prédictions.</a:t>
-            </a:r>
-          </a:p>
-          <a:p>
-            <a:r>
-              <a:t>MLOps :</a:t>
+              <a:rPr dirty="0"/>
+              <a:t>Dashboard </a:t>
+            </a:r>
+            <a:r>
+              <a:rPr dirty="0" err="1"/>
+              <a:t>utilisateur</a:t>
+            </a:r>
+            <a:r>
+              <a:rPr dirty="0"/>
+              <a:t>, </a:t>
+            </a:r>
+            <a:r>
+              <a:rPr dirty="0" err="1"/>
+              <a:t>visualisation</a:t>
+            </a:r>
+            <a:r>
+              <a:rPr dirty="0"/>
+              <a:t> des </a:t>
+            </a:r>
+            <a:r>
+              <a:rPr dirty="0" err="1"/>
+              <a:t>prédictions</a:t>
+            </a:r>
+            <a:r>
+              <a:rPr dirty="0"/>
+              <a:t>.</a:t>
+            </a:r>
+          </a:p>
+          <a:p>
+            <a:r>
+              <a:rPr dirty="0" err="1"/>
+              <a:t>MLOps</a:t>
+            </a:r>
+            <a:r>
+              <a:rPr dirty="0"/>
+              <a:t> :</a:t>
             </a:r>
           </a:p>
           <a:p>
             <a:pPr lvl="1"/>
             <a:r>
-              <a:t>Model Registry (Versioning v1/v2), Dockerisation.</a:t>
+              <a:rPr dirty="0"/>
+              <a:t>Model Registry (Versioning v1/v2), </a:t>
+            </a:r>
+            <a:r>
+              <a:rPr dirty="0" err="1"/>
+              <a:t>Dockerisation</a:t>
+            </a:r>
+            <a:r>
+              <a:rPr dirty="0"/>
+              <a:t>.</a:t>
             </a:r>
           </a:p>
         </p:txBody>
@@ -5438,7 +5518,7 @@
           <p:cNvPr id="2" name="Titre 1">
             <a:extLst>
               <a:ext uri="{FF2B5EF4-FFF2-40B4-BE49-F238E27FC236}">
-                <a16:creationId xmlns:a16="http://schemas.microsoft.com/office/drawing/2014/main" id="{90A8C598-1580-4061-9E82-A09C09C75456}"/>
+                <a16:creationId xmlns:a16="http://schemas.microsoft.com/office/drawing/2014/main" id="{5B9236E0-D18F-0758-C68D-6DD0278002C0}"/>
               </a:ext>
             </a:extLst>
           </p:cNvPr>
@@ -5456,7 +5536,7 @@
           <a:p>
             <a:r>
               <a:rPr lang="fr-FR" dirty="0"/>
-              <a:t>Pourquoi nous c’est bon</a:t>
+              <a:t>Conclusion</a:t>
             </a:r>
           </a:p>
         </p:txBody>
@@ -5466,7 +5546,7 @@
           <p:cNvPr id="3" name="Espace réservé du contenu 2">
             <a:extLst>
               <a:ext uri="{FF2B5EF4-FFF2-40B4-BE49-F238E27FC236}">
-                <a16:creationId xmlns:a16="http://schemas.microsoft.com/office/drawing/2014/main" id="{B136D9AD-E27B-535C-9233-AC260DB2985B}"/>
+                <a16:creationId xmlns:a16="http://schemas.microsoft.com/office/drawing/2014/main" id="{CE7B7FFB-F693-CC1F-139C-31D109875F93}"/>
               </a:ext>
             </a:extLst>
           </p:cNvPr>
@@ -5484,37 +5564,106 @@
           <a:p>
             <a:r>
               <a:rPr lang="fr-FR" dirty="0"/>
-              <a:t>Un modèle facilement adaptable à la conjoncture</a:t>
-            </a:r>
+              <a:t>Plusieurs modèles capables de s’adapter aux années.</a:t>
+            </a:r>
+          </a:p>
+          <a:p>
+            <a:endParaRPr lang="fr-FR" dirty="0"/>
           </a:p>
           <a:p>
             <a:r>
               <a:rPr lang="fr-FR" dirty="0"/>
-              <a:t>Un modèle de </a:t>
-            </a:r>
-            <a:r>
-              <a:rPr lang="fr-FR" dirty="0" err="1"/>
-              <a:t>Reinforcement</a:t>
-            </a:r>
-            <a:r>
-              <a:rPr lang="fr-FR" dirty="0"/>
-              <a:t> </a:t>
+              <a:t>Un RL surpassant le machine </a:t>
             </a:r>
             <a:r>
               <a:rPr lang="fr-FR" dirty="0" err="1"/>
               <a:t>learning</a:t>
             </a:r>
-            <a:endParaRPr lang="fr-FR"/>
-          </a:p>
-          <a:p>
-            <a:endParaRPr lang="fr-FR"/>
+            <a:endParaRPr lang="fr-FR" dirty="0"/>
+          </a:p>
+          <a:p>
+            <a:endParaRPr lang="fr-FR" dirty="0"/>
+          </a:p>
+          <a:p>
+            <a:r>
+              <a:rPr lang="fr-FR" dirty="0"/>
+              <a:t>L’ajout d’éléments contextuels permettra d’améliorer </a:t>
+            </a:r>
+            <a:r>
+              <a:rPr lang="fr-FR"/>
+              <a:t>les modèles</a:t>
+            </a:r>
+            <a:endParaRPr lang="fr-FR" dirty="0"/>
           </a:p>
         </p:txBody>
       </p:sp>
     </p:spTree>
     <p:extLst>
       <p:ext uri="{BB962C8B-B14F-4D97-AF65-F5344CB8AC3E}">
-        <p14:creationId xmlns:p14="http://schemas.microsoft.com/office/powerpoint/2010/main" val="2648814366"/>
+        <p14:creationId xmlns:p14="http://schemas.microsoft.com/office/powerpoint/2010/main" val="441816352"/>
+      </p:ext>
+    </p:extLst>
+  </p:cSld>
+  <p:clrMapOvr>
+    <a:masterClrMapping/>
+  </p:clrMapOvr>
+</p:sld>
+</file>
+
+<file path=ppt/slides/slide23.xml><?xml version="1.0" encoding="utf-8"?>
+<p:sld xmlns:a="http://schemas.openxmlformats.org/drawingml/2006/main" xmlns:r="http://schemas.openxmlformats.org/officeDocument/2006/relationships" xmlns:p="http://schemas.openxmlformats.org/presentationml/2006/main">
+  <p:cSld>
+    <p:spTree>
+      <p:nvGrpSpPr>
+        <p:cNvPr id="1" name=""/>
+        <p:cNvGrpSpPr/>
+        <p:nvPr/>
+      </p:nvGrpSpPr>
+      <p:grpSpPr>
+        <a:xfrm>
+          <a:off x="0" y="0"/>
+          <a:ext cx="0" cy="0"/>
+          <a:chOff x="0" y="0"/>
+          <a:chExt cx="0" cy="0"/>
+        </a:xfrm>
+      </p:grpSpPr>
+      <p:sp>
+        <p:nvSpPr>
+          <p:cNvPr id="2" name="Titre 1">
+            <a:extLst>
+              <a:ext uri="{FF2B5EF4-FFF2-40B4-BE49-F238E27FC236}">
+                <a16:creationId xmlns:a16="http://schemas.microsoft.com/office/drawing/2014/main" id="{ACF65CBA-7383-725C-4555-0EE8661E696E}"/>
+              </a:ext>
+            </a:extLst>
+          </p:cNvPr>
+          <p:cNvSpPr>
+            <a:spLocks noGrp="1"/>
+          </p:cNvSpPr>
+          <p:nvPr>
+            <p:ph type="title"/>
+          </p:nvPr>
+        </p:nvSpPr>
+        <p:spPr>
+          <a:xfrm>
+            <a:off x="620974" y="2857500"/>
+            <a:ext cx="8229600" cy="1143000"/>
+          </a:xfrm>
+        </p:spPr>
+        <p:txBody>
+          <a:bodyPr/>
+          <a:lstStyle/>
+          <a:p>
+            <a:r>
+              <a:rPr lang="fr-FR" dirty="0"/>
+              <a:t>Merci !</a:t>
+            </a:r>
+          </a:p>
+        </p:txBody>
+      </p:sp>
+    </p:spTree>
+    <p:extLst>
+      <p:ext uri="{BB962C8B-B14F-4D97-AF65-F5344CB8AC3E}">
+        <p14:creationId xmlns:p14="http://schemas.microsoft.com/office/powerpoint/2010/main" val="2947353902"/>
       </p:ext>
     </p:extLst>
   </p:cSld>

--- a/Presentation_Projet_Trading.pptx
+++ b/Presentation_Projet_Trading.pptx
@@ -7,24 +7,27 @@
   <p:sldIdLst>
     <p:sldId id="256" r:id="rId2"/>
     <p:sldId id="257" r:id="rId3"/>
-    <p:sldId id="264" r:id="rId4"/>
-    <p:sldId id="258" r:id="rId5"/>
+    <p:sldId id="258" r:id="rId4"/>
+    <p:sldId id="264" r:id="rId5"/>
     <p:sldId id="259" r:id="rId6"/>
     <p:sldId id="265" r:id="rId7"/>
     <p:sldId id="267" r:id="rId8"/>
-    <p:sldId id="268" r:id="rId9"/>
-    <p:sldId id="270" r:id="rId10"/>
-    <p:sldId id="260" r:id="rId11"/>
-    <p:sldId id="269" r:id="rId12"/>
-    <p:sldId id="271" r:id="rId13"/>
-    <p:sldId id="272" r:id="rId14"/>
-    <p:sldId id="273" r:id="rId15"/>
-    <p:sldId id="261" r:id="rId16"/>
-    <p:sldId id="266" r:id="rId17"/>
-    <p:sldId id="262" r:id="rId18"/>
-    <p:sldId id="263" r:id="rId19"/>
-    <p:sldId id="274" r:id="rId20"/>
-    <p:sldId id="275" r:id="rId21"/>
+    <p:sldId id="276" r:id="rId9"/>
+    <p:sldId id="268" r:id="rId10"/>
+    <p:sldId id="277" r:id="rId11"/>
+    <p:sldId id="278" r:id="rId12"/>
+    <p:sldId id="270" r:id="rId13"/>
+    <p:sldId id="269" r:id="rId14"/>
+    <p:sldId id="271" r:id="rId15"/>
+    <p:sldId id="279" r:id="rId16"/>
+    <p:sldId id="280" r:id="rId17"/>
+    <p:sldId id="272" r:id="rId18"/>
+    <p:sldId id="273" r:id="rId19"/>
+    <p:sldId id="281" r:id="rId20"/>
+    <p:sldId id="261" r:id="rId21"/>
+    <p:sldId id="262" r:id="rId22"/>
+    <p:sldId id="282" r:id="rId23"/>
+    <p:sldId id="283" r:id="rId24"/>
   </p:sldIdLst>
   <p:sldSz cx="9144000" cy="6858000" type="screen4x3"/>
   <p:notesSz cx="6858000" cy="9144000"/>
@@ -3135,7 +3138,8 @@
           <a:lstStyle/>
           <a:p>
             <a:r>
-              <a:t>Projet Fil Rouge : Système de Trading GBP/USD</a:t>
+              <a:rPr dirty="0"/>
+              <a:t>Système de Trading GBP/USD</a:t>
             </a:r>
           </a:p>
         </p:txBody>
@@ -3153,15 +3157,9 @@
         <p:spPr/>
         <p:txBody>
           <a:bodyPr>
-            <a:normAutofit fontScale="92500" lnSpcReduction="20000"/>
+            <a:normAutofit/>
           </a:bodyPr>
           <a:lstStyle/>
-          <a:p>
-            <a:r>
-              <a:rPr dirty="0"/>
-              <a:t>M1 → M15 → ML → RL → API → Docker</a:t>
-            </a:r>
-          </a:p>
           <a:p>
             <a:r>
               <a:rPr lang="fr-FR" dirty="0"/>
@@ -3233,7 +3231,13 @@
       </p:grpSpPr>
       <p:sp>
         <p:nvSpPr>
-          <p:cNvPr id="2" name="Title 1"/>
+          <p:cNvPr id="2" name="Titre 1">
+            <a:extLst>
+              <a:ext uri="{FF2B5EF4-FFF2-40B4-BE49-F238E27FC236}">
+                <a16:creationId xmlns:a16="http://schemas.microsoft.com/office/drawing/2014/main" id="{7B5E8F3E-55E1-8742-51E3-EFD4E6DE656A}"/>
+              </a:ext>
+            </a:extLst>
+          </p:cNvPr>
           <p:cNvSpPr>
             <a:spLocks noGrp="1"/>
           </p:cNvSpPr>
@@ -3243,61 +3247,116 @@
         </p:nvSpPr>
         <p:spPr/>
         <p:txBody>
-          <a:bodyPr/>
+          <a:bodyPr>
+            <a:normAutofit/>
+          </a:bodyPr>
           <a:lstStyle/>
           <a:p>
             <a:r>
-              <a:t>Feature Engineering V2</a:t>
-            </a:r>
-          </a:p>
-        </p:txBody>
-      </p:sp>
-      <p:sp>
-        <p:nvSpPr>
-          <p:cNvPr id="3" name="Content Placeholder 2"/>
-          <p:cNvSpPr>
-            <a:spLocks noGrp="1"/>
-          </p:cNvSpPr>
+              <a:rPr lang="fr-FR" dirty="0"/>
+              <a:t>Rendements et volumes par jour</a:t>
+            </a:r>
+          </a:p>
+        </p:txBody>
+      </p:sp>
+      <p:pic>
+        <p:nvPicPr>
+          <p:cNvPr id="7" name="Image 6">
+            <a:extLst>
+              <a:ext uri="{FF2B5EF4-FFF2-40B4-BE49-F238E27FC236}">
+                <a16:creationId xmlns:a16="http://schemas.microsoft.com/office/drawing/2014/main" id="{D830BB08-C5CE-9638-CE7E-E5582F75CCAE}"/>
+              </a:ext>
+            </a:extLst>
+          </p:cNvPr>
+          <p:cNvPicPr>
+            <a:picLocks noChangeAspect="1"/>
+          </p:cNvPicPr>
+          <p:nvPr/>
+        </p:nvPicPr>
+        <p:blipFill>
+          <a:blip r:embed="rId2"/>
+          <a:stretch>
+            <a:fillRect/>
+          </a:stretch>
+        </p:blipFill>
+        <p:spPr>
+          <a:xfrm>
+            <a:off x="543795" y="1340734"/>
+            <a:ext cx="8056407" cy="2499745"/>
+          </a:xfrm>
+          <a:prstGeom prst="rect">
+            <a:avLst/>
+          </a:prstGeom>
+        </p:spPr>
+      </p:pic>
+      <p:pic>
+        <p:nvPicPr>
+          <p:cNvPr id="8" name="Image 7">
+            <a:extLst>
+              <a:ext uri="{FF2B5EF4-FFF2-40B4-BE49-F238E27FC236}">
+                <a16:creationId xmlns:a16="http://schemas.microsoft.com/office/drawing/2014/main" id="{03251DA7-FCFE-715F-75E2-1068C199469B}"/>
+              </a:ext>
+            </a:extLst>
+          </p:cNvPr>
+          <p:cNvPicPr>
+            <a:picLocks noChangeAspect="1"/>
+          </p:cNvPicPr>
+          <p:nvPr/>
+        </p:nvPicPr>
+        <p:blipFill>
+          <a:blip r:embed="rId3"/>
+          <a:stretch>
+            <a:fillRect/>
+          </a:stretch>
+        </p:blipFill>
+        <p:spPr>
+          <a:xfrm>
+            <a:off x="4571998" y="4096342"/>
+            <a:ext cx="4468029" cy="1860368"/>
+          </a:xfrm>
+          <a:prstGeom prst="rect">
+            <a:avLst/>
+          </a:prstGeom>
+        </p:spPr>
+      </p:pic>
+      <p:pic>
+        <p:nvPicPr>
+          <p:cNvPr id="5" name="Espace réservé du contenu 4">
+            <a:extLst>
+              <a:ext uri="{FF2B5EF4-FFF2-40B4-BE49-F238E27FC236}">
+                <a16:creationId xmlns:a16="http://schemas.microsoft.com/office/drawing/2014/main" id="{47A40BA7-5E3B-7645-2B01-0B037EE08A40}"/>
+              </a:ext>
+            </a:extLst>
+          </p:cNvPr>
+          <p:cNvPicPr>
+            <a:picLocks noGrp="1" noChangeAspect="1"/>
+          </p:cNvPicPr>
           <p:nvPr>
             <p:ph idx="1"/>
           </p:nvPr>
-        </p:nvSpPr>
-        <p:spPr/>
-        <p:txBody>
-          <a:bodyPr/>
-          <a:lstStyle/>
-          <a:p>
-            <a:r>
-              <a:t>Indicateurs techniques calculés sur le passé uniquement.</a:t>
-            </a:r>
-          </a:p>
-          <a:p>
-            <a:pPr lvl="1"/>
-            <a:r>
-              <a:t>Bloc Court Terme (Dynamique) :</a:t>
-            </a:r>
-          </a:p>
-          <a:p>
-            <a:pPr lvl="2"/>
-            <a:r>
-              <a:t>Returns, EMA (20, 50), RSI 14, Volatilité roulante.</a:t>
-            </a:r>
-          </a:p>
-          <a:p>
-            <a:pPr lvl="1"/>
-            <a:r>
-              <a:t>Bloc Contexte (Régime) :</a:t>
-            </a:r>
-          </a:p>
-          <a:p>
-            <a:pPr lvl="2"/>
-            <a:r>
-              <a:t>Tendance long terme (EMA 200), ATR 14, ADX, MACD.</a:t>
-            </a:r>
-          </a:p>
-        </p:txBody>
-      </p:sp>
+        </p:nvPicPr>
+        <p:blipFill>
+          <a:blip r:embed="rId4"/>
+          <a:stretch>
+            <a:fillRect/>
+          </a:stretch>
+        </p:blipFill>
+        <p:spPr>
+          <a:xfrm>
+            <a:off x="279841" y="4159136"/>
+            <a:ext cx="4411866" cy="1773190"/>
+          </a:xfrm>
+          <a:prstGeom prst="rect">
+            <a:avLst/>
+          </a:prstGeom>
+        </p:spPr>
+      </p:pic>
     </p:spTree>
+    <p:extLst>
+      <p:ext uri="{BB962C8B-B14F-4D97-AF65-F5344CB8AC3E}">
+        <p14:creationId xmlns:p14="http://schemas.microsoft.com/office/powerpoint/2010/main" val="2792445408"/>
+      </p:ext>
+    </p:extLst>
   </p:cSld>
   <p:clrMapOvr>
     <a:masterClrMapping/>
@@ -3327,7 +3386,7 @@
           <p:cNvPr id="2" name="Titre 1">
             <a:extLst>
               <a:ext uri="{FF2B5EF4-FFF2-40B4-BE49-F238E27FC236}">
-                <a16:creationId xmlns:a16="http://schemas.microsoft.com/office/drawing/2014/main" id="{14D2382F-65CE-32D3-3F6C-A4B2DC0791FA}"/>
+                <a16:creationId xmlns:a16="http://schemas.microsoft.com/office/drawing/2014/main" id="{7E3DDF82-51F1-063F-A423-871DA3D03C1B}"/>
               </a:ext>
             </a:extLst>
           </p:cNvPr>
@@ -3345,63 +3404,45 @@
           <a:p>
             <a:r>
               <a:rPr lang="fr-FR" dirty="0"/>
-              <a:t>Phase 6 – </a:t>
-            </a:r>
-            <a:r>
-              <a:rPr lang="fr-FR" dirty="0" err="1"/>
-              <a:t>Baselines</a:t>
-            </a:r>
-            <a:r>
-              <a:rPr lang="fr-FR" dirty="0"/>
-              <a:t> &amp; </a:t>
-            </a:r>
-            <a:r>
-              <a:rPr lang="fr-FR" dirty="0" err="1"/>
-              <a:t>Backtest</a:t>
-            </a:r>
-            <a:endParaRPr lang="fr-FR" dirty="0"/>
-          </a:p>
-        </p:txBody>
-      </p:sp>
-      <p:pic>
-        <p:nvPicPr>
-          <p:cNvPr id="5" name="Espace réservé du contenu 4">
+              <a:t>Autocorrélation</a:t>
+            </a:r>
+          </a:p>
+        </p:txBody>
+      </p:sp>
+      <p:sp>
+        <p:nvSpPr>
+          <p:cNvPr id="3" name="Espace réservé du contenu 2">
             <a:extLst>
               <a:ext uri="{FF2B5EF4-FFF2-40B4-BE49-F238E27FC236}">
-                <a16:creationId xmlns:a16="http://schemas.microsoft.com/office/drawing/2014/main" id="{752D11FC-D992-E575-F05F-128C8F451951}"/>
+                <a16:creationId xmlns:a16="http://schemas.microsoft.com/office/drawing/2014/main" id="{322C9FF1-EF50-E255-20A7-5675B7FF5B03}"/>
               </a:ext>
             </a:extLst>
           </p:cNvPr>
-          <p:cNvPicPr>
-            <a:picLocks noGrp="1" noChangeAspect="1"/>
-          </p:cNvPicPr>
+          <p:cNvSpPr>
+            <a:spLocks noGrp="1"/>
+          </p:cNvSpPr>
           <p:nvPr>
             <p:ph idx="1"/>
           </p:nvPr>
-        </p:nvPicPr>
-        <p:blipFill>
-          <a:blip r:embed="rId2"/>
-          <a:srcRect l="563"/>
-          <a:stretch>
-            <a:fillRect/>
-          </a:stretch>
-        </p:blipFill>
-        <p:spPr>
-          <a:xfrm>
-            <a:off x="584200" y="1294008"/>
-            <a:ext cx="8183282" cy="2036558"/>
-          </a:xfrm>
-          <a:prstGeom prst="rect">
-            <a:avLst/>
-          </a:prstGeom>
-        </p:spPr>
-      </p:pic>
+        </p:nvSpPr>
+        <p:spPr/>
+        <p:txBody>
+          <a:bodyPr/>
+          <a:lstStyle/>
+          <a:p>
+            <a:pPr marL="0" indent="0">
+              <a:buNone/>
+            </a:pPr>
+            <a:endParaRPr lang="fr-FR" dirty="0"/>
+          </a:p>
+        </p:txBody>
+      </p:sp>
       <p:pic>
         <p:nvPicPr>
-          <p:cNvPr id="7" name="Image 6">
+          <p:cNvPr id="5" name="Image 4">
             <a:extLst>
               <a:ext uri="{FF2B5EF4-FFF2-40B4-BE49-F238E27FC236}">
-                <a16:creationId xmlns:a16="http://schemas.microsoft.com/office/drawing/2014/main" id="{437A6ADE-3995-FA1C-FE68-397B36F3F874}"/>
+                <a16:creationId xmlns:a16="http://schemas.microsoft.com/office/drawing/2014/main" id="{17B33CFA-D0D7-59D3-CAD9-227273C0324E}"/>
               </a:ext>
             </a:extLst>
           </p:cNvPr>
@@ -3411,15 +3452,15 @@
           <p:nvPr/>
         </p:nvPicPr>
         <p:blipFill>
-          <a:blip r:embed="rId3"/>
+          <a:blip r:embed="rId2"/>
           <a:stretch>
             <a:fillRect/>
           </a:stretch>
         </p:blipFill>
         <p:spPr>
           <a:xfrm>
-            <a:off x="809100" y="3673102"/>
-            <a:ext cx="7525800" cy="2667372"/>
+            <a:off x="853350" y="1600200"/>
+            <a:ext cx="7437300" cy="4746913"/>
           </a:xfrm>
           <a:prstGeom prst="rect">
             <a:avLst/>
@@ -3429,7 +3470,7 @@
     </p:spTree>
     <p:extLst>
       <p:ext uri="{BB962C8B-B14F-4D97-AF65-F5344CB8AC3E}">
-        <p14:creationId xmlns:p14="http://schemas.microsoft.com/office/powerpoint/2010/main" val="3653451836"/>
+        <p14:creationId xmlns:p14="http://schemas.microsoft.com/office/powerpoint/2010/main" val="2436918218"/>
       </p:ext>
     </p:extLst>
   </p:cSld>
@@ -3461,7 +3502,7 @@
           <p:cNvPr id="2" name="Titre 1">
             <a:extLst>
               <a:ext uri="{FF2B5EF4-FFF2-40B4-BE49-F238E27FC236}">
-                <a16:creationId xmlns:a16="http://schemas.microsoft.com/office/drawing/2014/main" id="{67BA667A-80D4-F966-0168-B945D4FE9C94}"/>
+                <a16:creationId xmlns:a16="http://schemas.microsoft.com/office/drawing/2014/main" id="{DC474ACD-9FFC-4659-9837-3F0087302A79}"/>
               </a:ext>
             </a:extLst>
           </p:cNvPr>
@@ -3474,18 +3515,23 @@
         </p:nvSpPr>
         <p:spPr/>
         <p:txBody>
-          <a:bodyPr/>
+          <a:bodyPr>
+            <a:normAutofit/>
+          </a:bodyPr>
           <a:lstStyle/>
           <a:p>
             <a:r>
               <a:rPr lang="fr-FR" dirty="0"/>
-              <a:t>Machine </a:t>
+              <a:t>5 – </a:t>
             </a:r>
             <a:r>
               <a:rPr lang="fr-FR" dirty="0" err="1"/>
-              <a:t>learning</a:t>
-            </a:r>
-            <a:endParaRPr lang="fr-FR" dirty="0"/>
+              <a:t>Feature</a:t>
+            </a:r>
+            <a:r>
+              <a:rPr lang="fr-FR" dirty="0"/>
+              <a:t> engineering</a:t>
+            </a:r>
           </a:p>
         </p:txBody>
       </p:sp>
@@ -3494,7 +3540,7 @@
           <p:cNvPr id="3" name="Espace réservé du contenu 2">
             <a:extLst>
               <a:ext uri="{FF2B5EF4-FFF2-40B4-BE49-F238E27FC236}">
-                <a16:creationId xmlns:a16="http://schemas.microsoft.com/office/drawing/2014/main" id="{9D2C0FF1-ACDD-823F-E62C-69BC68B4F371}"/>
+                <a16:creationId xmlns:a16="http://schemas.microsoft.com/office/drawing/2014/main" id="{FBB0F750-C285-B7AE-B828-3BF5AB7DA366}"/>
               </a:ext>
             </a:extLst>
           </p:cNvPr>
@@ -3510,19 +3556,55 @@
           <a:bodyPr/>
           <a:lstStyle/>
           <a:p>
-            <a:r>
+            <a:pPr>
+              <a:buFont typeface="Wingdings" panose="05000000000000000000" pitchFamily="2" charset="2"/>
+              <a:buChar char="ü"/>
+            </a:pPr>
+            <a:r>
+              <a:rPr lang="fr-FR" sz="1400" dirty="0"/>
+              <a:t>2 blocs : </a:t>
+            </a:r>
+          </a:p>
+          <a:p>
+            <a:pPr lvl="1">
+              <a:buFont typeface="Wingdings" panose="05000000000000000000" pitchFamily="2" charset="2"/>
+              <a:buChar char="ü"/>
+            </a:pPr>
+            <a:r>
+              <a:rPr lang="fr-FR" sz="1400" dirty="0"/>
+              <a:t>Court terme : Dynamique immédiate du prix (</a:t>
+            </a:r>
+            <a:r>
+              <a:rPr lang="fr-FR" sz="1400" dirty="0" err="1"/>
+              <a:t>Returns</a:t>
+            </a:r>
+            <a:r>
+              <a:rPr lang="fr-FR" sz="1400" dirty="0"/>
+              <a:t>, RSI, Ranges)</a:t>
+            </a:r>
+          </a:p>
+          <a:p>
+            <a:pPr lvl="1">
+              <a:buFont typeface="Wingdings" panose="05000000000000000000" pitchFamily="2" charset="2"/>
+              <a:buChar char="ü"/>
+            </a:pPr>
+            <a:r>
+              <a:rPr lang="fr-FR" sz="1400" dirty="0"/>
+              <a:t>Contexte &amp; Régime : Tendances de fond (EDA 200, ADX) et volatilité (ATR)</a:t>
+            </a:r>
+            <a:br>
               <a:rPr lang="fr-FR" dirty="0"/>
-              <a:t>4,47% sur train</a:t>
-            </a:r>
+            </a:br>
+            <a:endParaRPr lang="fr-FR" dirty="0"/>
           </a:p>
         </p:txBody>
       </p:sp>
       <p:pic>
         <p:nvPicPr>
-          <p:cNvPr id="5" name="Image 4">
+          <p:cNvPr id="6" name="Image 5">
             <a:extLst>
               <a:ext uri="{FF2B5EF4-FFF2-40B4-BE49-F238E27FC236}">
-                <a16:creationId xmlns:a16="http://schemas.microsoft.com/office/drawing/2014/main" id="{EEBD579D-A3D3-3172-9B80-19E58F392EEB}"/>
+                <a16:creationId xmlns:a16="http://schemas.microsoft.com/office/drawing/2014/main" id="{807B0F95-C21C-4BD3-4F62-35F387FE407A}"/>
               </a:ext>
             </a:extLst>
           </p:cNvPr>
@@ -3539,8 +3621,8 @@
         </p:blipFill>
         <p:spPr>
           <a:xfrm>
-            <a:off x="2657856" y="1271334"/>
-            <a:ext cx="6486144" cy="3360828"/>
+            <a:off x="1916512" y="2542156"/>
+            <a:ext cx="5016302" cy="4315844"/>
           </a:xfrm>
           <a:prstGeom prst="rect">
             <a:avLst/>
@@ -3550,7 +3632,7 @@
     </p:spTree>
     <p:extLst>
       <p:ext uri="{BB962C8B-B14F-4D97-AF65-F5344CB8AC3E}">
-        <p14:creationId xmlns:p14="http://schemas.microsoft.com/office/powerpoint/2010/main" val="2161479730"/>
+        <p14:creationId xmlns:p14="http://schemas.microsoft.com/office/powerpoint/2010/main" val="3040014445"/>
       </p:ext>
     </p:extLst>
   </p:cSld>
@@ -3582,7 +3664,7 @@
           <p:cNvPr id="2" name="Titre 1">
             <a:extLst>
               <a:ext uri="{FF2B5EF4-FFF2-40B4-BE49-F238E27FC236}">
-                <a16:creationId xmlns:a16="http://schemas.microsoft.com/office/drawing/2014/main" id="{EFCF9DA8-B48E-83BB-075B-7820D2850051}"/>
+                <a16:creationId xmlns:a16="http://schemas.microsoft.com/office/drawing/2014/main" id="{14D2382F-65CE-32D3-3F6C-A4B2DC0791FA}"/>
               </a:ext>
             </a:extLst>
           </p:cNvPr>
@@ -3600,11 +3682,19 @@
           <a:p>
             <a:r>
               <a:rPr lang="fr-FR" dirty="0"/>
-              <a:t>Importance des </a:t>
+              <a:t>Phase 6 – </a:t>
             </a:r>
             <a:r>
               <a:rPr lang="fr-FR" dirty="0" err="1"/>
-              <a:t>features</a:t>
+              <a:t>Baselines</a:t>
+            </a:r>
+            <a:r>
+              <a:rPr lang="fr-FR" dirty="0"/>
+              <a:t> &amp; </a:t>
+            </a:r>
+            <a:r>
+              <a:rPr lang="fr-FR" dirty="0" err="1"/>
+              <a:t>Backtest</a:t>
             </a:r>
             <a:endParaRPr lang="fr-FR" dirty="0"/>
           </a:p>
@@ -3612,10 +3702,10 @@
       </p:sp>
       <p:sp>
         <p:nvSpPr>
-          <p:cNvPr id="3" name="Espace réservé du contenu 2">
+          <p:cNvPr id="4" name="Espace réservé du contenu 3">
             <a:extLst>
               <a:ext uri="{FF2B5EF4-FFF2-40B4-BE49-F238E27FC236}">
-                <a16:creationId xmlns:a16="http://schemas.microsoft.com/office/drawing/2014/main" id="{6CDBF437-C127-3CCC-F599-BC4974D1BD49}"/>
+                <a16:creationId xmlns:a16="http://schemas.microsoft.com/office/drawing/2014/main" id="{2D20BD92-0EFD-6FED-C341-E4A8B8F9F5DD}"/>
               </a:ext>
             </a:extLst>
           </p:cNvPr>
@@ -3631,16 +3721,16 @@
           <a:bodyPr/>
           <a:lstStyle/>
           <a:p>
-            <a:endParaRPr lang="fr-FR"/>
+            <a:endParaRPr lang="fr-FR" dirty="0"/>
           </a:p>
         </p:txBody>
       </p:sp>
       <p:pic>
         <p:nvPicPr>
-          <p:cNvPr id="5" name="Image 4">
+          <p:cNvPr id="8" name="Image 7">
             <a:extLst>
               <a:ext uri="{FF2B5EF4-FFF2-40B4-BE49-F238E27FC236}">
-                <a16:creationId xmlns:a16="http://schemas.microsoft.com/office/drawing/2014/main" id="{24ADEE21-7DB3-30BA-60DE-11E01FDDAB72}"/>
+                <a16:creationId xmlns:a16="http://schemas.microsoft.com/office/drawing/2014/main" id="{D219ED08-AB22-685C-0567-AD07E1ED5853}"/>
               </a:ext>
             </a:extLst>
           </p:cNvPr>
@@ -3657,8 +3747,989 @@
         </p:blipFill>
         <p:spPr>
           <a:xfrm>
-            <a:off x="457200" y="1506010"/>
-            <a:ext cx="6900672" cy="3386225"/>
+            <a:off x="0" y="1417638"/>
+            <a:ext cx="9144000" cy="1616546"/>
+          </a:xfrm>
+          <a:prstGeom prst="rect">
+            <a:avLst/>
+          </a:prstGeom>
+        </p:spPr>
+      </p:pic>
+      <p:pic>
+        <p:nvPicPr>
+          <p:cNvPr id="10" name="Image 9">
+            <a:extLst>
+              <a:ext uri="{FF2B5EF4-FFF2-40B4-BE49-F238E27FC236}">
+                <a16:creationId xmlns:a16="http://schemas.microsoft.com/office/drawing/2014/main" id="{00395AF9-3AA6-DAA7-6235-8CACD21931DA}"/>
+              </a:ext>
+            </a:extLst>
+          </p:cNvPr>
+          <p:cNvPicPr>
+            <a:picLocks noChangeAspect="1"/>
+          </p:cNvPicPr>
+          <p:nvPr/>
+        </p:nvPicPr>
+        <p:blipFill>
+          <a:blip r:embed="rId3"/>
+          <a:stretch>
+            <a:fillRect/>
+          </a:stretch>
+        </p:blipFill>
+        <p:spPr>
+          <a:xfrm>
+            <a:off x="2271355" y="3216746"/>
+            <a:ext cx="4345576" cy="3577944"/>
+          </a:xfrm>
+          <a:prstGeom prst="rect">
+            <a:avLst/>
+          </a:prstGeom>
+        </p:spPr>
+      </p:pic>
+    </p:spTree>
+    <p:extLst>
+      <p:ext uri="{BB962C8B-B14F-4D97-AF65-F5344CB8AC3E}">
+        <p14:creationId xmlns:p14="http://schemas.microsoft.com/office/powerpoint/2010/main" val="3653451836"/>
+      </p:ext>
+    </p:extLst>
+  </p:cSld>
+  <p:clrMapOvr>
+    <a:masterClrMapping/>
+  </p:clrMapOvr>
+</p:sld>
+</file>
+
+<file path=ppt/slides/slide14.xml><?xml version="1.0" encoding="utf-8"?>
+<p:sld xmlns:a="http://schemas.openxmlformats.org/drawingml/2006/main" xmlns:r="http://schemas.openxmlformats.org/officeDocument/2006/relationships" xmlns:p="http://schemas.openxmlformats.org/presentationml/2006/main">
+  <p:cSld>
+    <p:spTree>
+      <p:nvGrpSpPr>
+        <p:cNvPr id="1" name=""/>
+        <p:cNvGrpSpPr/>
+        <p:nvPr/>
+      </p:nvGrpSpPr>
+      <p:grpSpPr>
+        <a:xfrm>
+          <a:off x="0" y="0"/>
+          <a:ext cx="0" cy="0"/>
+          <a:chOff x="0" y="0"/>
+          <a:chExt cx="0" cy="0"/>
+        </a:xfrm>
+      </p:grpSpPr>
+      <p:sp>
+        <p:nvSpPr>
+          <p:cNvPr id="2" name="Titre 1">
+            <a:extLst>
+              <a:ext uri="{FF2B5EF4-FFF2-40B4-BE49-F238E27FC236}">
+                <a16:creationId xmlns:a16="http://schemas.microsoft.com/office/drawing/2014/main" id="{67BA667A-80D4-F966-0168-B945D4FE9C94}"/>
+              </a:ext>
+            </a:extLst>
+          </p:cNvPr>
+          <p:cNvSpPr>
+            <a:spLocks noGrp="1"/>
+          </p:cNvSpPr>
+          <p:nvPr>
+            <p:ph type="title"/>
+          </p:nvPr>
+        </p:nvSpPr>
+        <p:spPr/>
+        <p:txBody>
+          <a:bodyPr/>
+          <a:lstStyle/>
+          <a:p>
+            <a:r>
+              <a:rPr lang="fr-FR" dirty="0"/>
+              <a:t>Machine </a:t>
+            </a:r>
+            <a:r>
+              <a:rPr lang="fr-FR" dirty="0" err="1"/>
+              <a:t>learning</a:t>
+            </a:r>
+            <a:endParaRPr lang="fr-FR" dirty="0"/>
+          </a:p>
+        </p:txBody>
+      </p:sp>
+      <p:sp>
+        <p:nvSpPr>
+          <p:cNvPr id="3" name="Espace réservé du contenu 2">
+            <a:extLst>
+              <a:ext uri="{FF2B5EF4-FFF2-40B4-BE49-F238E27FC236}">
+                <a16:creationId xmlns:a16="http://schemas.microsoft.com/office/drawing/2014/main" id="{9D2C0FF1-ACDD-823F-E62C-69BC68B4F371}"/>
+              </a:ext>
+            </a:extLst>
+          </p:cNvPr>
+          <p:cNvSpPr>
+            <a:spLocks noGrp="1"/>
+          </p:cNvSpPr>
+          <p:nvPr>
+            <p:ph idx="1"/>
+          </p:nvPr>
+        </p:nvSpPr>
+        <p:spPr/>
+        <p:txBody>
+          <a:bodyPr/>
+          <a:lstStyle/>
+          <a:p>
+            <a:pPr marL="0" indent="0">
+              <a:buNone/>
+            </a:pPr>
+            <a:endParaRPr lang="fr-FR" dirty="0"/>
+          </a:p>
+        </p:txBody>
+      </p:sp>
+      <p:graphicFrame>
+        <p:nvGraphicFramePr>
+          <p:cNvPr id="4" name="Tableau 3">
+            <a:extLst>
+              <a:ext uri="{FF2B5EF4-FFF2-40B4-BE49-F238E27FC236}">
+                <a16:creationId xmlns:a16="http://schemas.microsoft.com/office/drawing/2014/main" id="{2D88CD23-8F7E-010D-667F-4E9F923BED87}"/>
+              </a:ext>
+            </a:extLst>
+          </p:cNvPr>
+          <p:cNvGraphicFramePr>
+            <a:graphicFrameLocks noGrp="1"/>
+          </p:cNvGraphicFramePr>
+          <p:nvPr>
+            <p:extLst>
+              <p:ext uri="{D42A27DB-BD31-4B8C-83A1-F6EECF244321}">
+                <p14:modId xmlns:p14="http://schemas.microsoft.com/office/powerpoint/2010/main" val="2407455506"/>
+              </p:ext>
+            </p:extLst>
+          </p:nvPr>
+        </p:nvGraphicFramePr>
+        <p:xfrm>
+          <a:off x="210013" y="1557064"/>
+          <a:ext cx="8723974" cy="4093800"/>
+        </p:xfrm>
+        <a:graphic>
+          <a:graphicData uri="http://schemas.openxmlformats.org/drawingml/2006/table">
+            <a:tbl>
+              <a:tblPr firstRow="1" bandRow="1">
+                <a:tableStyleId>{2D5ABB26-0587-4C30-8999-92F81FD0307C}</a:tableStyleId>
+              </a:tblPr>
+              <a:tblGrid>
+                <a:gridCol w="2965449">
+                  <a:extLst>
+                    <a:ext uri="{9D8B030D-6E8A-4147-A177-3AD203B41FA5}">
+                      <a16:colId xmlns:a16="http://schemas.microsoft.com/office/drawing/2014/main" val="4050864089"/>
+                    </a:ext>
+                  </a:extLst>
+                </a:gridCol>
+                <a:gridCol w="5758525">
+                  <a:extLst>
+                    <a:ext uri="{9D8B030D-6E8A-4147-A177-3AD203B41FA5}">
+                      <a16:colId xmlns:a16="http://schemas.microsoft.com/office/drawing/2014/main" val="2856584891"/>
+                    </a:ext>
+                  </a:extLst>
+                </a:gridCol>
+              </a:tblGrid>
+              <a:tr h="996632">
+                <a:tc>
+                  <a:txBody>
+                    <a:bodyPr/>
+                    <a:lstStyle/>
+                    <a:p>
+                      <a:r>
+                        <a:rPr lang="fr-FR" dirty="0">
+                          <a:solidFill>
+                            <a:schemeClr val="bg1"/>
+                          </a:solidFill>
+                        </a:rPr>
+                        <a:t>Modèle</a:t>
+                      </a:r>
+                    </a:p>
+                  </a:txBody>
+                  <a:tcPr>
+                    <a:lnR w="12700" cap="flat" cmpd="sng" algn="ctr">
+                      <a:solidFill>
+                        <a:schemeClr val="tx1"/>
+                      </a:solidFill>
+                      <a:prstDash val="solid"/>
+                      <a:round/>
+                      <a:headEnd type="none" w="med" len="med"/>
+                      <a:tailEnd type="none" w="med" len="med"/>
+                    </a:lnR>
+                    <a:lnT w="12700" cap="flat" cmpd="sng" algn="ctr">
+                      <a:solidFill>
+                        <a:schemeClr val="tx1"/>
+                      </a:solidFill>
+                      <a:prstDash val="solid"/>
+                      <a:round/>
+                      <a:headEnd type="none" w="med" len="med"/>
+                      <a:tailEnd type="none" w="med" len="med"/>
+                    </a:lnT>
+                    <a:lnB w="12700" cap="flat" cmpd="sng" algn="ctr">
+                      <a:solidFill>
+                        <a:schemeClr val="tx1"/>
+                      </a:solidFill>
+                      <a:prstDash val="solid"/>
+                      <a:round/>
+                      <a:headEnd type="none" w="med" len="med"/>
+                      <a:tailEnd type="none" w="med" len="med"/>
+                    </a:lnB>
+                    <a:solidFill>
+                      <a:schemeClr val="tx2"/>
+                    </a:solidFill>
+                  </a:tcPr>
+                </a:tc>
+                <a:tc>
+                  <a:txBody>
+                    <a:bodyPr/>
+                    <a:lstStyle/>
+                    <a:p>
+                      <a:r>
+                        <a:rPr lang="fr-FR" dirty="0">
+                          <a:solidFill>
+                            <a:schemeClr val="bg1"/>
+                          </a:solidFill>
+                        </a:rPr>
+                        <a:t>Résultats</a:t>
+                      </a:r>
+                    </a:p>
+                  </a:txBody>
+                  <a:tcPr>
+                    <a:lnL w="12700" cap="flat" cmpd="sng" algn="ctr">
+                      <a:solidFill>
+                        <a:schemeClr val="tx1"/>
+                      </a:solidFill>
+                      <a:prstDash val="solid"/>
+                      <a:round/>
+                      <a:headEnd type="none" w="med" len="med"/>
+                      <a:tailEnd type="none" w="med" len="med"/>
+                    </a:lnL>
+                    <a:lnT w="12700" cap="flat" cmpd="sng" algn="ctr">
+                      <a:solidFill>
+                        <a:schemeClr val="tx1"/>
+                      </a:solidFill>
+                      <a:prstDash val="solid"/>
+                      <a:round/>
+                      <a:headEnd type="none" w="med" len="med"/>
+                      <a:tailEnd type="none" w="med" len="med"/>
+                    </a:lnT>
+                    <a:lnB w="12700" cap="flat" cmpd="sng" algn="ctr">
+                      <a:solidFill>
+                        <a:schemeClr val="tx1"/>
+                      </a:solidFill>
+                      <a:prstDash val="solid"/>
+                      <a:round/>
+                      <a:headEnd type="none" w="med" len="med"/>
+                      <a:tailEnd type="none" w="med" len="med"/>
+                    </a:lnB>
+                    <a:solidFill>
+                      <a:schemeClr val="tx2"/>
+                    </a:solidFill>
+                  </a:tcPr>
+                </a:tc>
+                <a:extLst>
+                  <a:ext uri="{0D108BD9-81ED-4DB2-BD59-A6C34878D82A}">
+                    <a16:rowId xmlns:a16="http://schemas.microsoft.com/office/drawing/2014/main" val="1513005252"/>
+                  </a:ext>
+                </a:extLst>
+              </a:tr>
+              <a:tr h="1103904">
+                <a:tc>
+                  <a:txBody>
+                    <a:bodyPr/>
+                    <a:lstStyle/>
+                    <a:p>
+                      <a:r>
+                        <a:rPr lang="fr-FR" dirty="0"/>
+                        <a:t>Régression logistique</a:t>
+                      </a:r>
+                    </a:p>
+                  </a:txBody>
+                  <a:tcPr>
+                    <a:lnR w="12700" cap="flat" cmpd="sng" algn="ctr">
+                      <a:solidFill>
+                        <a:schemeClr val="tx1"/>
+                      </a:solidFill>
+                      <a:prstDash val="solid"/>
+                      <a:round/>
+                      <a:headEnd type="none" w="med" len="med"/>
+                      <a:tailEnd type="none" w="med" len="med"/>
+                    </a:lnR>
+                    <a:lnT w="12700" cap="flat" cmpd="sng" algn="ctr">
+                      <a:solidFill>
+                        <a:schemeClr val="tx1"/>
+                      </a:solidFill>
+                      <a:prstDash val="solid"/>
+                      <a:round/>
+                      <a:headEnd type="none" w="med" len="med"/>
+                      <a:tailEnd type="none" w="med" len="med"/>
+                    </a:lnT>
+                  </a:tcPr>
+                </a:tc>
+                <a:tc>
+                  <a:txBody>
+                    <a:bodyPr/>
+                    <a:lstStyle/>
+                    <a:p>
+                      <a:pPr algn="r"/>
+                      <a:endParaRPr lang="fr-FR" dirty="0"/>
+                    </a:p>
+                  </a:txBody>
+                  <a:tcPr>
+                    <a:lnL w="12700" cap="flat" cmpd="sng" algn="ctr">
+                      <a:solidFill>
+                        <a:schemeClr val="tx1"/>
+                      </a:solidFill>
+                      <a:prstDash val="solid"/>
+                      <a:round/>
+                      <a:headEnd type="none" w="med" len="med"/>
+                      <a:tailEnd type="none" w="med" len="med"/>
+                    </a:lnL>
+                    <a:lnT w="12700" cap="flat" cmpd="sng" algn="ctr">
+                      <a:solidFill>
+                        <a:schemeClr val="tx1"/>
+                      </a:solidFill>
+                      <a:prstDash val="solid"/>
+                      <a:round/>
+                      <a:headEnd type="none" w="med" len="med"/>
+                      <a:tailEnd type="none" w="med" len="med"/>
+                    </a:lnT>
+                  </a:tcPr>
+                </a:tc>
+                <a:extLst>
+                  <a:ext uri="{0D108BD9-81ED-4DB2-BD59-A6C34878D82A}">
+                    <a16:rowId xmlns:a16="http://schemas.microsoft.com/office/drawing/2014/main" val="555058107"/>
+                  </a:ext>
+                </a:extLst>
+              </a:tr>
+              <a:tr h="996632">
+                <a:tc>
+                  <a:txBody>
+                    <a:bodyPr/>
+                    <a:lstStyle/>
+                    <a:p>
+                      <a:r>
+                        <a:rPr lang="fr-FR" dirty="0" err="1"/>
+                        <a:t>Random</a:t>
+                      </a:r>
+                      <a:r>
+                        <a:rPr lang="fr-FR" dirty="0"/>
+                        <a:t> Forest</a:t>
+                      </a:r>
+                    </a:p>
+                  </a:txBody>
+                  <a:tcPr>
+                    <a:lnR w="12700" cap="flat" cmpd="sng" algn="ctr">
+                      <a:solidFill>
+                        <a:schemeClr val="tx1"/>
+                      </a:solidFill>
+                      <a:prstDash val="solid"/>
+                      <a:round/>
+                      <a:headEnd type="none" w="med" len="med"/>
+                      <a:tailEnd type="none" w="med" len="med"/>
+                    </a:lnR>
+                  </a:tcPr>
+                </a:tc>
+                <a:tc>
+                  <a:txBody>
+                    <a:bodyPr/>
+                    <a:lstStyle/>
+                    <a:p>
+                      <a:pPr algn="r"/>
+                      <a:endParaRPr lang="fr-FR" dirty="0"/>
+                    </a:p>
+                  </a:txBody>
+                  <a:tcPr>
+                    <a:lnL w="12700" cap="flat" cmpd="sng" algn="ctr">
+                      <a:solidFill>
+                        <a:schemeClr val="tx1"/>
+                      </a:solidFill>
+                      <a:prstDash val="solid"/>
+                      <a:round/>
+                      <a:headEnd type="none" w="med" len="med"/>
+                      <a:tailEnd type="none" w="med" len="med"/>
+                    </a:lnL>
+                  </a:tcPr>
+                </a:tc>
+                <a:extLst>
+                  <a:ext uri="{0D108BD9-81ED-4DB2-BD59-A6C34878D82A}">
+                    <a16:rowId xmlns:a16="http://schemas.microsoft.com/office/drawing/2014/main" val="3497072245"/>
+                  </a:ext>
+                </a:extLst>
+              </a:tr>
+              <a:tr h="996632">
+                <a:tc>
+                  <a:txBody>
+                    <a:bodyPr/>
+                    <a:lstStyle/>
+                    <a:p>
+                      <a:r>
+                        <a:rPr lang="fr-FR" dirty="0"/>
+                        <a:t>Gradient </a:t>
+                      </a:r>
+                      <a:r>
+                        <a:rPr lang="fr-FR" dirty="0" err="1"/>
+                        <a:t>boosting</a:t>
+                      </a:r>
+                      <a:endParaRPr lang="fr-FR" dirty="0"/>
+                    </a:p>
+                  </a:txBody>
+                  <a:tcPr>
+                    <a:lnR w="12700" cap="flat" cmpd="sng" algn="ctr">
+                      <a:solidFill>
+                        <a:schemeClr val="tx1"/>
+                      </a:solidFill>
+                      <a:prstDash val="solid"/>
+                      <a:round/>
+                      <a:headEnd type="none" w="med" len="med"/>
+                      <a:tailEnd type="none" w="med" len="med"/>
+                    </a:lnR>
+                  </a:tcPr>
+                </a:tc>
+                <a:tc>
+                  <a:txBody>
+                    <a:bodyPr/>
+                    <a:lstStyle/>
+                    <a:p>
+                      <a:pPr algn="r"/>
+                      <a:endParaRPr lang="fr-FR" dirty="0"/>
+                    </a:p>
+                  </a:txBody>
+                  <a:tcPr>
+                    <a:lnL w="12700" cap="flat" cmpd="sng" algn="ctr">
+                      <a:solidFill>
+                        <a:schemeClr val="tx1"/>
+                      </a:solidFill>
+                      <a:prstDash val="solid"/>
+                      <a:round/>
+                      <a:headEnd type="none" w="med" len="med"/>
+                      <a:tailEnd type="none" w="med" len="med"/>
+                    </a:lnL>
+                  </a:tcPr>
+                </a:tc>
+                <a:extLst>
+                  <a:ext uri="{0D108BD9-81ED-4DB2-BD59-A6C34878D82A}">
+                    <a16:rowId xmlns:a16="http://schemas.microsoft.com/office/drawing/2014/main" val="1801750295"/>
+                  </a:ext>
+                </a:extLst>
+              </a:tr>
+            </a:tbl>
+          </a:graphicData>
+        </a:graphic>
+      </p:graphicFrame>
+      <p:pic>
+        <p:nvPicPr>
+          <p:cNvPr id="7" name="Image 6">
+            <a:extLst>
+              <a:ext uri="{FF2B5EF4-FFF2-40B4-BE49-F238E27FC236}">
+                <a16:creationId xmlns:a16="http://schemas.microsoft.com/office/drawing/2014/main" id="{C5299595-9156-7C48-BC6F-9E58B0F83F11}"/>
+              </a:ext>
+            </a:extLst>
+          </p:cNvPr>
+          <p:cNvPicPr>
+            <a:picLocks noChangeAspect="1"/>
+          </p:cNvPicPr>
+          <p:nvPr/>
+        </p:nvPicPr>
+        <p:blipFill>
+          <a:blip r:embed="rId2"/>
+          <a:stretch>
+            <a:fillRect/>
+          </a:stretch>
+        </p:blipFill>
+        <p:spPr>
+          <a:xfrm>
+            <a:off x="3465938" y="4743356"/>
+            <a:ext cx="5468049" cy="514444"/>
+          </a:xfrm>
+          <a:prstGeom prst="rect">
+            <a:avLst/>
+          </a:prstGeom>
+        </p:spPr>
+      </p:pic>
+      <p:pic>
+        <p:nvPicPr>
+          <p:cNvPr id="9" name="Image 8">
+            <a:extLst>
+              <a:ext uri="{FF2B5EF4-FFF2-40B4-BE49-F238E27FC236}">
+                <a16:creationId xmlns:a16="http://schemas.microsoft.com/office/drawing/2014/main" id="{DB157DA7-CEDB-08BF-6590-26EACC11203D}"/>
+              </a:ext>
+            </a:extLst>
+          </p:cNvPr>
+          <p:cNvPicPr>
+            <a:picLocks noChangeAspect="1"/>
+          </p:cNvPicPr>
+          <p:nvPr/>
+        </p:nvPicPr>
+        <p:blipFill>
+          <a:blip r:embed="rId3"/>
+          <a:stretch>
+            <a:fillRect/>
+          </a:stretch>
+        </p:blipFill>
+        <p:spPr>
+          <a:xfrm>
+            <a:off x="3465938" y="2655639"/>
+            <a:ext cx="5010849" cy="552527"/>
+          </a:xfrm>
+          <a:prstGeom prst="rect">
+            <a:avLst/>
+          </a:prstGeom>
+        </p:spPr>
+      </p:pic>
+      <p:pic>
+        <p:nvPicPr>
+          <p:cNvPr id="11" name="Image 10">
+            <a:extLst>
+              <a:ext uri="{FF2B5EF4-FFF2-40B4-BE49-F238E27FC236}">
+                <a16:creationId xmlns:a16="http://schemas.microsoft.com/office/drawing/2014/main" id="{1F3B51CD-FCC7-46E2-0136-B385AD0825DF}"/>
+              </a:ext>
+            </a:extLst>
+          </p:cNvPr>
+          <p:cNvPicPr>
+            <a:picLocks noChangeAspect="1"/>
+          </p:cNvPicPr>
+          <p:nvPr/>
+        </p:nvPicPr>
+        <p:blipFill>
+          <a:blip r:embed="rId4"/>
+          <a:stretch>
+            <a:fillRect/>
+          </a:stretch>
+        </p:blipFill>
+        <p:spPr>
+          <a:xfrm>
+            <a:off x="3465938" y="3679906"/>
+            <a:ext cx="4591691" cy="657317"/>
+          </a:xfrm>
+          <a:prstGeom prst="rect">
+            <a:avLst/>
+          </a:prstGeom>
+        </p:spPr>
+      </p:pic>
+    </p:spTree>
+    <p:extLst>
+      <p:ext uri="{BB962C8B-B14F-4D97-AF65-F5344CB8AC3E}">
+        <p14:creationId xmlns:p14="http://schemas.microsoft.com/office/powerpoint/2010/main" val="2161479730"/>
+      </p:ext>
+    </p:extLst>
+  </p:cSld>
+  <p:clrMapOvr>
+    <a:masterClrMapping/>
+  </p:clrMapOvr>
+</p:sld>
+</file>
+
+<file path=ppt/slides/slide15.xml><?xml version="1.0" encoding="utf-8"?>
+<p:sld xmlns:a="http://schemas.openxmlformats.org/drawingml/2006/main" xmlns:r="http://schemas.openxmlformats.org/officeDocument/2006/relationships" xmlns:p="http://schemas.openxmlformats.org/presentationml/2006/main">
+  <p:cSld>
+    <p:spTree>
+      <p:nvGrpSpPr>
+        <p:cNvPr id="1" name=""/>
+        <p:cNvGrpSpPr/>
+        <p:nvPr/>
+      </p:nvGrpSpPr>
+      <p:grpSpPr>
+        <a:xfrm>
+          <a:off x="0" y="0"/>
+          <a:ext cx="0" cy="0"/>
+          <a:chOff x="0" y="0"/>
+          <a:chExt cx="0" cy="0"/>
+        </a:xfrm>
+      </p:grpSpPr>
+      <p:sp>
+        <p:nvSpPr>
+          <p:cNvPr id="2" name="Titre 1">
+            <a:extLst>
+              <a:ext uri="{FF2B5EF4-FFF2-40B4-BE49-F238E27FC236}">
+                <a16:creationId xmlns:a16="http://schemas.microsoft.com/office/drawing/2014/main" id="{1FA890A9-1FC5-0BCA-4837-BD54E9E255D9}"/>
+              </a:ext>
+            </a:extLst>
+          </p:cNvPr>
+          <p:cNvSpPr>
+            <a:spLocks noGrp="1"/>
+          </p:cNvSpPr>
+          <p:nvPr>
+            <p:ph type="title"/>
+          </p:nvPr>
+        </p:nvSpPr>
+        <p:spPr/>
+        <p:txBody>
+          <a:bodyPr/>
+          <a:lstStyle/>
+          <a:p>
+            <a:r>
+              <a:rPr lang="fr-FR" dirty="0"/>
+              <a:t>Ecarts entre les modèles</a:t>
+            </a:r>
+          </a:p>
+        </p:txBody>
+      </p:sp>
+      <p:sp>
+        <p:nvSpPr>
+          <p:cNvPr id="3" name="Espace réservé du contenu 2">
+            <a:extLst>
+              <a:ext uri="{FF2B5EF4-FFF2-40B4-BE49-F238E27FC236}">
+                <a16:creationId xmlns:a16="http://schemas.microsoft.com/office/drawing/2014/main" id="{EF54025C-6539-7920-E3A3-F01C106D9B11}"/>
+              </a:ext>
+            </a:extLst>
+          </p:cNvPr>
+          <p:cNvSpPr>
+            <a:spLocks noGrp="1"/>
+          </p:cNvSpPr>
+          <p:nvPr>
+            <p:ph idx="1"/>
+          </p:nvPr>
+        </p:nvSpPr>
+        <p:spPr/>
+        <p:txBody>
+          <a:bodyPr/>
+          <a:lstStyle/>
+          <a:p>
+            <a:pPr marL="0" indent="0">
+              <a:buNone/>
+            </a:pPr>
+            <a:endParaRPr lang="fr-FR" dirty="0"/>
+          </a:p>
+        </p:txBody>
+      </p:sp>
+      <p:pic>
+        <p:nvPicPr>
+          <p:cNvPr id="5" name="Image 4">
+            <a:extLst>
+              <a:ext uri="{FF2B5EF4-FFF2-40B4-BE49-F238E27FC236}">
+                <a16:creationId xmlns:a16="http://schemas.microsoft.com/office/drawing/2014/main" id="{335C54A0-A053-B439-33FF-3E64457A659C}"/>
+              </a:ext>
+            </a:extLst>
+          </p:cNvPr>
+          <p:cNvPicPr>
+            <a:picLocks noChangeAspect="1"/>
+          </p:cNvPicPr>
+          <p:nvPr/>
+        </p:nvPicPr>
+        <p:blipFill>
+          <a:blip r:embed="rId2"/>
+          <a:stretch>
+            <a:fillRect/>
+          </a:stretch>
+        </p:blipFill>
+        <p:spPr>
+          <a:xfrm>
+            <a:off x="3286917" y="1064570"/>
+            <a:ext cx="2651760" cy="2308474"/>
+          </a:xfrm>
+          <a:prstGeom prst="rect">
+            <a:avLst/>
+          </a:prstGeom>
+        </p:spPr>
+      </p:pic>
+      <p:pic>
+        <p:nvPicPr>
+          <p:cNvPr id="7" name="Image 6">
+            <a:extLst>
+              <a:ext uri="{FF2B5EF4-FFF2-40B4-BE49-F238E27FC236}">
+                <a16:creationId xmlns:a16="http://schemas.microsoft.com/office/drawing/2014/main" id="{B06655B3-B5E1-C6BD-07D8-0120100CF108}"/>
+              </a:ext>
+            </a:extLst>
+          </p:cNvPr>
+          <p:cNvPicPr>
+            <a:picLocks noChangeAspect="1"/>
+          </p:cNvPicPr>
+          <p:nvPr/>
+        </p:nvPicPr>
+        <p:blipFill>
+          <a:blip r:embed="rId3"/>
+          <a:stretch>
+            <a:fillRect/>
+          </a:stretch>
+        </p:blipFill>
+        <p:spPr>
+          <a:xfrm>
+            <a:off x="457200" y="1120526"/>
+            <a:ext cx="2651760" cy="2308474"/>
+          </a:xfrm>
+          <a:prstGeom prst="rect">
+            <a:avLst/>
+          </a:prstGeom>
+        </p:spPr>
+      </p:pic>
+      <p:pic>
+        <p:nvPicPr>
+          <p:cNvPr id="9" name="Image 8">
+            <a:extLst>
+              <a:ext uri="{FF2B5EF4-FFF2-40B4-BE49-F238E27FC236}">
+                <a16:creationId xmlns:a16="http://schemas.microsoft.com/office/drawing/2014/main" id="{DDC15EAB-636E-D528-A653-9AC49D985B24}"/>
+              </a:ext>
+            </a:extLst>
+          </p:cNvPr>
+          <p:cNvPicPr>
+            <a:picLocks noChangeAspect="1"/>
+          </p:cNvPicPr>
+          <p:nvPr/>
+        </p:nvPicPr>
+        <p:blipFill>
+          <a:blip r:embed="rId4"/>
+          <a:stretch>
+            <a:fillRect/>
+          </a:stretch>
+        </p:blipFill>
+        <p:spPr>
+          <a:xfrm>
+            <a:off x="1334192" y="3611562"/>
+            <a:ext cx="6201295" cy="3050231"/>
+          </a:xfrm>
+          <a:prstGeom prst="rect">
+            <a:avLst/>
+          </a:prstGeom>
+        </p:spPr>
+      </p:pic>
+      <p:pic>
+        <p:nvPicPr>
+          <p:cNvPr id="11" name="Image 10">
+            <a:extLst>
+              <a:ext uri="{FF2B5EF4-FFF2-40B4-BE49-F238E27FC236}">
+                <a16:creationId xmlns:a16="http://schemas.microsoft.com/office/drawing/2014/main" id="{ACE280F5-70AD-BAE0-E8A6-23145913F5B2}"/>
+              </a:ext>
+            </a:extLst>
+          </p:cNvPr>
+          <p:cNvPicPr>
+            <a:picLocks noChangeAspect="1"/>
+          </p:cNvPicPr>
+          <p:nvPr/>
+        </p:nvPicPr>
+        <p:blipFill>
+          <a:blip r:embed="rId5"/>
+          <a:stretch>
+            <a:fillRect/>
+          </a:stretch>
+        </p:blipFill>
+        <p:spPr>
+          <a:xfrm>
+            <a:off x="6075837" y="1064570"/>
+            <a:ext cx="2748123" cy="2392362"/>
+          </a:xfrm>
+          <a:prstGeom prst="rect">
+            <a:avLst/>
+          </a:prstGeom>
+        </p:spPr>
+      </p:pic>
+    </p:spTree>
+    <p:extLst>
+      <p:ext uri="{BB962C8B-B14F-4D97-AF65-F5344CB8AC3E}">
+        <p14:creationId xmlns:p14="http://schemas.microsoft.com/office/powerpoint/2010/main" val="2687667382"/>
+      </p:ext>
+    </p:extLst>
+  </p:cSld>
+  <p:clrMapOvr>
+    <a:masterClrMapping/>
+  </p:clrMapOvr>
+</p:sld>
+</file>
+
+<file path=ppt/slides/slide16.xml><?xml version="1.0" encoding="utf-8"?>
+<p:sld xmlns:a="http://schemas.openxmlformats.org/drawingml/2006/main" xmlns:r="http://schemas.openxmlformats.org/officeDocument/2006/relationships" xmlns:p="http://schemas.openxmlformats.org/presentationml/2006/main">
+  <p:cSld>
+    <p:spTree>
+      <p:nvGrpSpPr>
+        <p:cNvPr id="1" name=""/>
+        <p:cNvGrpSpPr/>
+        <p:nvPr/>
+      </p:nvGrpSpPr>
+      <p:grpSpPr>
+        <a:xfrm>
+          <a:off x="0" y="0"/>
+          <a:ext cx="0" cy="0"/>
+          <a:chOff x="0" y="0"/>
+          <a:chExt cx="0" cy="0"/>
+        </a:xfrm>
+      </p:grpSpPr>
+      <p:sp>
+        <p:nvSpPr>
+          <p:cNvPr id="2" name="Titre 1">
+            <a:extLst>
+              <a:ext uri="{FF2B5EF4-FFF2-40B4-BE49-F238E27FC236}">
+                <a16:creationId xmlns:a16="http://schemas.microsoft.com/office/drawing/2014/main" id="{FC50C7BA-DD3E-E272-0683-DD600E36C36C}"/>
+              </a:ext>
+            </a:extLst>
+          </p:cNvPr>
+          <p:cNvSpPr>
+            <a:spLocks noGrp="1"/>
+          </p:cNvSpPr>
+          <p:nvPr>
+            <p:ph type="title"/>
+          </p:nvPr>
+        </p:nvSpPr>
+        <p:spPr/>
+        <p:txBody>
+          <a:bodyPr/>
+          <a:lstStyle/>
+          <a:p>
+            <a:r>
+              <a:rPr lang="fr-FR" dirty="0"/>
+              <a:t>Comparatif</a:t>
+            </a:r>
+          </a:p>
+        </p:txBody>
+      </p:sp>
+      <p:sp>
+        <p:nvSpPr>
+          <p:cNvPr id="3" name="Espace réservé du contenu 2">
+            <a:extLst>
+              <a:ext uri="{FF2B5EF4-FFF2-40B4-BE49-F238E27FC236}">
+                <a16:creationId xmlns:a16="http://schemas.microsoft.com/office/drawing/2014/main" id="{5BE85845-F259-386A-1FF1-2F1A89A0493B}"/>
+              </a:ext>
+            </a:extLst>
+          </p:cNvPr>
+          <p:cNvSpPr>
+            <a:spLocks noGrp="1"/>
+          </p:cNvSpPr>
+          <p:nvPr>
+            <p:ph idx="1"/>
+          </p:nvPr>
+        </p:nvSpPr>
+        <p:spPr/>
+        <p:txBody>
+          <a:bodyPr/>
+          <a:lstStyle/>
+          <a:p>
+            <a:endParaRPr lang="fr-FR"/>
+          </a:p>
+        </p:txBody>
+      </p:sp>
+      <p:pic>
+        <p:nvPicPr>
+          <p:cNvPr id="5" name="Image 4">
+            <a:extLst>
+              <a:ext uri="{FF2B5EF4-FFF2-40B4-BE49-F238E27FC236}">
+                <a16:creationId xmlns:a16="http://schemas.microsoft.com/office/drawing/2014/main" id="{120A413E-DE9E-01FF-FC7A-EEC750B7F00F}"/>
+              </a:ext>
+            </a:extLst>
+          </p:cNvPr>
+          <p:cNvPicPr>
+            <a:picLocks noChangeAspect="1"/>
+          </p:cNvPicPr>
+          <p:nvPr/>
+        </p:nvPicPr>
+        <p:blipFill>
+          <a:blip r:embed="rId2"/>
+          <a:stretch>
+            <a:fillRect/>
+          </a:stretch>
+        </p:blipFill>
+        <p:spPr>
+          <a:xfrm>
+            <a:off x="282696" y="1600200"/>
+            <a:ext cx="8578607" cy="3619875"/>
+          </a:xfrm>
+          <a:prstGeom prst="rect">
+            <a:avLst/>
+          </a:prstGeom>
+        </p:spPr>
+      </p:pic>
+    </p:spTree>
+    <p:extLst>
+      <p:ext uri="{BB962C8B-B14F-4D97-AF65-F5344CB8AC3E}">
+        <p14:creationId xmlns:p14="http://schemas.microsoft.com/office/powerpoint/2010/main" val="3575880056"/>
+      </p:ext>
+    </p:extLst>
+  </p:cSld>
+  <p:clrMapOvr>
+    <a:masterClrMapping/>
+  </p:clrMapOvr>
+</p:sld>
+</file>
+
+<file path=ppt/slides/slide17.xml><?xml version="1.0" encoding="utf-8"?>
+<p:sld xmlns:a="http://schemas.openxmlformats.org/drawingml/2006/main" xmlns:r="http://schemas.openxmlformats.org/officeDocument/2006/relationships" xmlns:p="http://schemas.openxmlformats.org/presentationml/2006/main">
+  <p:cSld>
+    <p:spTree>
+      <p:nvGrpSpPr>
+        <p:cNvPr id="1" name=""/>
+        <p:cNvGrpSpPr/>
+        <p:nvPr/>
+      </p:nvGrpSpPr>
+      <p:grpSpPr>
+        <a:xfrm>
+          <a:off x="0" y="0"/>
+          <a:ext cx="0" cy="0"/>
+          <a:chOff x="0" y="0"/>
+          <a:chExt cx="0" cy="0"/>
+        </a:xfrm>
+      </p:grpSpPr>
+      <p:sp>
+        <p:nvSpPr>
+          <p:cNvPr id="2" name="Titre 1">
+            <a:extLst>
+              <a:ext uri="{FF2B5EF4-FFF2-40B4-BE49-F238E27FC236}">
+                <a16:creationId xmlns:a16="http://schemas.microsoft.com/office/drawing/2014/main" id="{EFCF9DA8-B48E-83BB-075B-7820D2850051}"/>
+              </a:ext>
+            </a:extLst>
+          </p:cNvPr>
+          <p:cNvSpPr>
+            <a:spLocks noGrp="1"/>
+          </p:cNvSpPr>
+          <p:nvPr>
+            <p:ph type="title"/>
+          </p:nvPr>
+        </p:nvSpPr>
+        <p:spPr/>
+        <p:txBody>
+          <a:bodyPr/>
+          <a:lstStyle/>
+          <a:p>
+            <a:r>
+              <a:rPr lang="fr-FR" dirty="0"/>
+              <a:t>Importance des </a:t>
+            </a:r>
+            <a:r>
+              <a:rPr lang="fr-FR" dirty="0" err="1"/>
+              <a:t>features</a:t>
+            </a:r>
+            <a:endParaRPr lang="fr-FR" dirty="0"/>
+          </a:p>
+        </p:txBody>
+      </p:sp>
+      <p:sp>
+        <p:nvSpPr>
+          <p:cNvPr id="3" name="Espace réservé du contenu 2">
+            <a:extLst>
+              <a:ext uri="{FF2B5EF4-FFF2-40B4-BE49-F238E27FC236}">
+                <a16:creationId xmlns:a16="http://schemas.microsoft.com/office/drawing/2014/main" id="{6CDBF437-C127-3CCC-F599-BC4974D1BD49}"/>
+              </a:ext>
+            </a:extLst>
+          </p:cNvPr>
+          <p:cNvSpPr>
+            <a:spLocks noGrp="1"/>
+          </p:cNvSpPr>
+          <p:nvPr>
+            <p:ph idx="1"/>
+          </p:nvPr>
+        </p:nvSpPr>
+        <p:spPr/>
+        <p:txBody>
+          <a:bodyPr/>
+          <a:lstStyle/>
+          <a:p>
+            <a:endParaRPr lang="fr-FR"/>
+          </a:p>
+        </p:txBody>
+      </p:sp>
+      <p:pic>
+        <p:nvPicPr>
+          <p:cNvPr id="6" name="Image 5">
+            <a:extLst>
+              <a:ext uri="{FF2B5EF4-FFF2-40B4-BE49-F238E27FC236}">
+                <a16:creationId xmlns:a16="http://schemas.microsoft.com/office/drawing/2014/main" id="{1D1D3F8D-816C-451C-856C-9586456461BB}"/>
+              </a:ext>
+            </a:extLst>
+          </p:cNvPr>
+          <p:cNvPicPr>
+            <a:picLocks noChangeAspect="1"/>
+          </p:cNvPicPr>
+          <p:nvPr/>
+        </p:nvPicPr>
+        <p:blipFill>
+          <a:blip r:embed="rId2"/>
+          <a:stretch>
+            <a:fillRect/>
+          </a:stretch>
+        </p:blipFill>
+        <p:spPr>
+          <a:xfrm>
+            <a:off x="457200" y="1560040"/>
+            <a:ext cx="8229600" cy="3364127"/>
           </a:xfrm>
           <a:prstGeom prst="rect">
             <a:avLst/>
@@ -3678,7 +4749,7 @@
 </p:sld>
 </file>
 
-<file path=ppt/slides/slide14.xml><?xml version="1.0" encoding="utf-8"?>
+<file path=ppt/slides/slide18.xml><?xml version="1.0" encoding="utf-8"?>
 <p:sld xmlns:a="http://schemas.openxmlformats.org/drawingml/2006/main" xmlns:r="http://schemas.openxmlformats.org/officeDocument/2006/relationships" xmlns:p="http://schemas.openxmlformats.org/presentationml/2006/main">
   <p:cSld>
     <p:spTree>
@@ -3807,400 +4878,6 @@
 </p:sld>
 </file>
 
-<file path=ppt/slides/slide15.xml><?xml version="1.0" encoding="utf-8"?>
-<p:sld xmlns:a="http://schemas.openxmlformats.org/drawingml/2006/main" xmlns:r="http://schemas.openxmlformats.org/officeDocument/2006/relationships" xmlns:p="http://schemas.openxmlformats.org/presentationml/2006/main">
-  <p:cSld>
-    <p:spTree>
-      <p:nvGrpSpPr>
-        <p:cNvPr id="1" name=""/>
-        <p:cNvGrpSpPr/>
-        <p:nvPr/>
-      </p:nvGrpSpPr>
-      <p:grpSpPr>
-        <a:xfrm>
-          <a:off x="0" y="0"/>
-          <a:ext cx="0" cy="0"/>
-          <a:chOff x="0" y="0"/>
-          <a:chExt cx="0" cy="0"/>
-        </a:xfrm>
-      </p:grpSpPr>
-      <p:sp>
-        <p:nvSpPr>
-          <p:cNvPr id="2" name="Title 1"/>
-          <p:cNvSpPr>
-            <a:spLocks noGrp="1"/>
-          </p:cNvSpPr>
-          <p:nvPr>
-            <p:ph type="title"/>
-          </p:nvPr>
-        </p:nvSpPr>
-        <p:spPr/>
-        <p:txBody>
-          <a:bodyPr/>
-          <a:lstStyle/>
-          <a:p>
-            <a:r>
-              <a:t>Stratégies &amp; Modélisation</a:t>
-            </a:r>
-          </a:p>
-        </p:txBody>
-      </p:sp>
-      <p:sp>
-        <p:nvSpPr>
-          <p:cNvPr id="3" name="Content Placeholder 2"/>
-          <p:cNvSpPr>
-            <a:spLocks noGrp="1"/>
-          </p:cNvSpPr>
-          <p:nvPr>
-            <p:ph idx="1"/>
-          </p:nvPr>
-        </p:nvSpPr>
-        <p:spPr/>
-        <p:txBody>
-          <a:bodyPr/>
-          <a:lstStyle/>
-          <a:p>
-            <a:endParaRPr/>
-          </a:p>
-          <a:p>
-            <a:r>
-              <a:t>1. Baseline : Règles Fixes</a:t>
-            </a:r>
-          </a:p>
-          <a:p>
-            <a:pPr lvl="1"/>
-            <a:r>
-              <a:t>Stratégie simple (ex: EMA Cross + RSI) pour établir un niveau de référence.</a:t>
-            </a:r>
-          </a:p>
-          <a:p>
-            <a:r>
-              <a:t>2. Machine Learning</a:t>
-            </a:r>
-          </a:p>
-          <a:p>
-            <a:pPr lvl="1"/>
-            <a:r>
-              <a:t>Objectif : Prédire la direction (Hausse/Baisse) de la prochaine bougie.</a:t>
-            </a:r>
-          </a:p>
-          <a:p>
-            <a:pPr lvl="1"/>
-            <a:r>
-              <a:t>Algorithmes : Random Forest, Gradient Boosting.</a:t>
-            </a:r>
-          </a:p>
-        </p:txBody>
-      </p:sp>
-    </p:spTree>
-  </p:cSld>
-  <p:clrMapOvr>
-    <a:masterClrMapping/>
-  </p:clrMapOvr>
-</p:sld>
-</file>
-
-<file path=ppt/slides/slide16.xml><?xml version="1.0" encoding="utf-8"?>
-<p:sld xmlns:a="http://schemas.openxmlformats.org/drawingml/2006/main" xmlns:r="http://schemas.openxmlformats.org/officeDocument/2006/relationships" xmlns:p="http://schemas.openxmlformats.org/presentationml/2006/main">
-  <p:cSld>
-    <p:spTree>
-      <p:nvGrpSpPr>
-        <p:cNvPr id="1" name=""/>
-        <p:cNvGrpSpPr/>
-        <p:nvPr/>
-      </p:nvGrpSpPr>
-      <p:grpSpPr>
-        <a:xfrm>
-          <a:off x="0" y="0"/>
-          <a:ext cx="0" cy="0"/>
-          <a:chOff x="0" y="0"/>
-          <a:chExt cx="0" cy="0"/>
-        </a:xfrm>
-      </p:grpSpPr>
-      <p:sp>
-        <p:nvSpPr>
-          <p:cNvPr id="2" name="Titre 1">
-            <a:extLst>
-              <a:ext uri="{FF2B5EF4-FFF2-40B4-BE49-F238E27FC236}">
-                <a16:creationId xmlns:a16="http://schemas.microsoft.com/office/drawing/2014/main" id="{A2385115-F8F0-9ADA-1D5C-45C6D73A5193}"/>
-              </a:ext>
-            </a:extLst>
-          </p:cNvPr>
-          <p:cNvSpPr>
-            <a:spLocks noGrp="1"/>
-          </p:cNvSpPr>
-          <p:nvPr>
-            <p:ph type="title"/>
-          </p:nvPr>
-        </p:nvSpPr>
-        <p:spPr/>
-        <p:txBody>
-          <a:bodyPr/>
-          <a:lstStyle/>
-          <a:p>
-            <a:r>
-              <a:rPr lang="fr-FR" dirty="0"/>
-              <a:t>Phase </a:t>
-            </a:r>
-          </a:p>
-        </p:txBody>
-      </p:sp>
-      <p:sp>
-        <p:nvSpPr>
-          <p:cNvPr id="3" name="Espace réservé du contenu 2">
-            <a:extLst>
-              <a:ext uri="{FF2B5EF4-FFF2-40B4-BE49-F238E27FC236}">
-                <a16:creationId xmlns:a16="http://schemas.microsoft.com/office/drawing/2014/main" id="{8A34695F-4349-90FD-FA12-A2963D35CF95}"/>
-              </a:ext>
-            </a:extLst>
-          </p:cNvPr>
-          <p:cNvSpPr>
-            <a:spLocks noGrp="1"/>
-          </p:cNvSpPr>
-          <p:nvPr>
-            <p:ph idx="1"/>
-          </p:nvPr>
-        </p:nvSpPr>
-        <p:spPr/>
-        <p:txBody>
-          <a:bodyPr/>
-          <a:lstStyle/>
-          <a:p>
-            <a:r>
-              <a:rPr lang="fr-FR" dirty="0"/>
-              <a:t>Protocole de Split Strict (Interdiction de split aléatoire) :</a:t>
-            </a:r>
-          </a:p>
-          <a:p>
-            <a:pPr lvl="1"/>
-            <a:r>
-              <a:rPr lang="fr-FR" dirty="0"/>
-              <a:t>2022 : Entraînement (Train)</a:t>
-            </a:r>
-          </a:p>
-          <a:p>
-            <a:pPr lvl="1"/>
-            <a:r>
-              <a:rPr lang="fr-FR" dirty="0"/>
-              <a:t>2023 : Validation / Optimisation</a:t>
-            </a:r>
-          </a:p>
-          <a:p>
-            <a:pPr lvl="1"/>
-            <a:r>
-              <a:rPr lang="fr-FR" dirty="0"/>
-              <a:t>2024 : Test Final (Jamais vu par le modèle)</a:t>
-            </a:r>
-          </a:p>
-          <a:p>
-            <a:endParaRPr lang="fr-FR" dirty="0"/>
-          </a:p>
-        </p:txBody>
-      </p:sp>
-    </p:spTree>
-    <p:extLst>
-      <p:ext uri="{BB962C8B-B14F-4D97-AF65-F5344CB8AC3E}">
-        <p14:creationId xmlns:p14="http://schemas.microsoft.com/office/powerpoint/2010/main" val="699077693"/>
-      </p:ext>
-    </p:extLst>
-  </p:cSld>
-  <p:clrMapOvr>
-    <a:masterClrMapping/>
-  </p:clrMapOvr>
-</p:sld>
-</file>
-
-<file path=ppt/slides/slide17.xml><?xml version="1.0" encoding="utf-8"?>
-<p:sld xmlns:a="http://schemas.openxmlformats.org/drawingml/2006/main" xmlns:r="http://schemas.openxmlformats.org/officeDocument/2006/relationships" xmlns:p="http://schemas.openxmlformats.org/presentationml/2006/main">
-  <p:cSld>
-    <p:spTree>
-      <p:nvGrpSpPr>
-        <p:cNvPr id="1" name=""/>
-        <p:cNvGrpSpPr/>
-        <p:nvPr/>
-      </p:nvGrpSpPr>
-      <p:grpSpPr>
-        <a:xfrm>
-          <a:off x="0" y="0"/>
-          <a:ext cx="0" cy="0"/>
-          <a:chOff x="0" y="0"/>
-          <a:chExt cx="0" cy="0"/>
-        </a:xfrm>
-      </p:grpSpPr>
-      <p:sp>
-        <p:nvSpPr>
-          <p:cNvPr id="2" name="Title 1"/>
-          <p:cNvSpPr>
-            <a:spLocks noGrp="1"/>
-          </p:cNvSpPr>
-          <p:nvPr>
-            <p:ph type="title"/>
-          </p:nvPr>
-        </p:nvSpPr>
-        <p:spPr/>
-        <p:txBody>
-          <a:bodyPr>
-            <a:normAutofit fontScale="90000"/>
-          </a:bodyPr>
-          <a:lstStyle/>
-          <a:p>
-            <a:r>
-              <a:t>Architecture Technique &amp; Industrialisation</a:t>
-            </a:r>
-          </a:p>
-        </p:txBody>
-      </p:sp>
-      <p:sp>
-        <p:nvSpPr>
-          <p:cNvPr id="3" name="Content Placeholder 2"/>
-          <p:cNvSpPr>
-            <a:spLocks noGrp="1"/>
-          </p:cNvSpPr>
-          <p:nvPr>
-            <p:ph idx="1"/>
-          </p:nvPr>
-        </p:nvSpPr>
-        <p:spPr/>
-        <p:txBody>
-          <a:bodyPr/>
-          <a:lstStyle/>
-          <a:p>
-            <a:endParaRPr/>
-          </a:p>
-          <a:p>
-            <a:r>
-              <a:t>Backend : API FastAPI</a:t>
-            </a:r>
-          </a:p>
-          <a:p>
-            <a:pPr lvl="1"/>
-            <a:r>
-              <a:t>Expose le meilleur modèle, gère les inférences.</a:t>
-            </a:r>
-          </a:p>
-          <a:p>
-            <a:r>
-              <a:t>Frontend : Web App Flask</a:t>
-            </a:r>
-          </a:p>
-          <a:p>
-            <a:pPr lvl="1"/>
-            <a:r>
-              <a:t>Dashboard utilisateur, visualisation des prédictions.</a:t>
-            </a:r>
-          </a:p>
-          <a:p>
-            <a:r>
-              <a:t>MLOps :</a:t>
-            </a:r>
-          </a:p>
-          <a:p>
-            <a:pPr lvl="1"/>
-            <a:r>
-              <a:t>Model Registry (Versioning v1/v2), Dockerisation.</a:t>
-            </a:r>
-          </a:p>
-        </p:txBody>
-      </p:sp>
-    </p:spTree>
-  </p:cSld>
-  <p:clrMapOvr>
-    <a:masterClrMapping/>
-  </p:clrMapOvr>
-</p:sld>
-</file>
-
-<file path=ppt/slides/slide18.xml><?xml version="1.0" encoding="utf-8"?>
-<p:sld xmlns:a="http://schemas.openxmlformats.org/drawingml/2006/main" xmlns:r="http://schemas.openxmlformats.org/officeDocument/2006/relationships" xmlns:p="http://schemas.openxmlformats.org/presentationml/2006/main">
-  <p:cSld>
-    <p:spTree>
-      <p:nvGrpSpPr>
-        <p:cNvPr id="1" name=""/>
-        <p:cNvGrpSpPr/>
-        <p:nvPr/>
-      </p:nvGrpSpPr>
-      <p:grpSpPr>
-        <a:xfrm>
-          <a:off x="0" y="0"/>
-          <a:ext cx="0" cy="0"/>
-          <a:chOff x="0" y="0"/>
-          <a:chExt cx="0" cy="0"/>
-        </a:xfrm>
-      </p:grpSpPr>
-      <p:sp>
-        <p:nvSpPr>
-          <p:cNvPr id="2" name="Title 1"/>
-          <p:cNvSpPr>
-            <a:spLocks noGrp="1"/>
-          </p:cNvSpPr>
-          <p:nvPr>
-            <p:ph type="title"/>
-          </p:nvPr>
-        </p:nvSpPr>
-        <p:spPr/>
-        <p:txBody>
-          <a:bodyPr/>
-          <a:lstStyle/>
-          <a:p>
-            <a:r>
-              <a:t>Conclusion</a:t>
-            </a:r>
-          </a:p>
-        </p:txBody>
-      </p:sp>
-      <p:sp>
-        <p:nvSpPr>
-          <p:cNvPr id="3" name="Content Placeholder 2"/>
-          <p:cNvSpPr>
-            <a:spLocks noGrp="1"/>
-          </p:cNvSpPr>
-          <p:nvPr>
-            <p:ph idx="1"/>
-          </p:nvPr>
-        </p:nvSpPr>
-        <p:spPr/>
-        <p:txBody>
-          <a:bodyPr/>
-          <a:lstStyle/>
-          <a:p>
-            <a:r>
-              <a:t>Un modèle performant n'est pas celui qui gagne le plus sur 2022, mais celui qui :</a:t>
-            </a:r>
-          </a:p>
-          <a:p>
-            <a:pPr lvl="1"/>
-            <a:r>
-              <a:t>Survit au changement de régime (Robustesse 2024).</a:t>
-            </a:r>
-          </a:p>
-          <a:p>
-            <a:pPr lvl="1"/>
-            <a:r>
-              <a:t>Tient compte des coûts de transaction.</a:t>
-            </a:r>
-          </a:p>
-          <a:p>
-            <a:pPr lvl="1"/>
-            <a:r>
-              <a:t>Évite l'overfitting temporel.</a:t>
-            </a:r>
-          </a:p>
-          <a:p>
-            <a:pPr lvl="1"/>
-            <a:r>
-              <a:t>Est reproductible et industrialisable.</a:t>
-            </a:r>
-          </a:p>
-        </p:txBody>
-      </p:sp>
-    </p:spTree>
-  </p:cSld>
-  <p:clrMapOvr>
-    <a:masterClrMapping/>
-  </p:clrMapOvr>
-</p:sld>
-</file>
-
 <file path=ppt/slides/slide19.xml><?xml version="1.0" encoding="utf-8"?>
 <p:sld xmlns:a="http://schemas.openxmlformats.org/drawingml/2006/main" xmlns:r="http://schemas.openxmlformats.org/officeDocument/2006/relationships" xmlns:p="http://schemas.openxmlformats.org/presentationml/2006/main">
   <p:cSld>
@@ -4223,7 +4900,7 @@
           <p:cNvPr id="2" name="Titre 1">
             <a:extLst>
               <a:ext uri="{FF2B5EF4-FFF2-40B4-BE49-F238E27FC236}">
-                <a16:creationId xmlns:a16="http://schemas.microsoft.com/office/drawing/2014/main" id="{DF5A850C-617E-1B56-039D-94724685E2D3}"/>
+                <a16:creationId xmlns:a16="http://schemas.microsoft.com/office/drawing/2014/main" id="{1A87A67A-FD32-6DC3-D39D-4AE87A1BF14B}"/>
               </a:ext>
             </a:extLst>
           </p:cNvPr>
@@ -4242,9 +4919,10 @@
           <a:lstStyle/>
           <a:p>
             <a:r>
-              <a:rPr lang="fr-FR" dirty="0"/>
-              <a:t>Phase 10 – API</a:t>
-            </a:r>
+              <a:rPr lang="en-US" b="1" dirty="0"/>
+              <a:t>Equity curves PPO vs Baselines</a:t>
+            </a:r>
+            <a:endParaRPr lang="fr-FR" dirty="0"/>
           </a:p>
         </p:txBody>
       </p:sp>
@@ -4253,7 +4931,7 @@
           <p:cNvPr id="3" name="Espace réservé du contenu 2">
             <a:extLst>
               <a:ext uri="{FF2B5EF4-FFF2-40B4-BE49-F238E27FC236}">
-                <a16:creationId xmlns:a16="http://schemas.microsoft.com/office/drawing/2014/main" id="{3FCF444A-D378-CDBF-194A-85273C57074C}"/>
+                <a16:creationId xmlns:a16="http://schemas.microsoft.com/office/drawing/2014/main" id="{115DF2B0-79EC-2270-B7BC-2128D3DB4915}"/>
               </a:ext>
             </a:extLst>
           </p:cNvPr>
@@ -4273,10 +4951,70 @@
           </a:p>
         </p:txBody>
       </p:sp>
+      <p:pic>
+        <p:nvPicPr>
+          <p:cNvPr id="5" name="Image 4">
+            <a:extLst>
+              <a:ext uri="{FF2B5EF4-FFF2-40B4-BE49-F238E27FC236}">
+                <a16:creationId xmlns:a16="http://schemas.microsoft.com/office/drawing/2014/main" id="{55FA84D6-B5C3-F93F-9BEB-CBFF763262E0}"/>
+              </a:ext>
+            </a:extLst>
+          </p:cNvPr>
+          <p:cNvPicPr>
+            <a:picLocks noChangeAspect="1"/>
+          </p:cNvPicPr>
+          <p:nvPr/>
+        </p:nvPicPr>
+        <p:blipFill>
+          <a:blip r:embed="rId2"/>
+          <a:stretch>
+            <a:fillRect/>
+          </a:stretch>
+        </p:blipFill>
+        <p:spPr>
+          <a:xfrm>
+            <a:off x="0" y="1841980"/>
+            <a:ext cx="9144000" cy="2268708"/>
+          </a:xfrm>
+          <a:prstGeom prst="rect">
+            <a:avLst/>
+          </a:prstGeom>
+        </p:spPr>
+      </p:pic>
+      <p:pic>
+        <p:nvPicPr>
+          <p:cNvPr id="7" name="Image 6">
+            <a:extLst>
+              <a:ext uri="{FF2B5EF4-FFF2-40B4-BE49-F238E27FC236}">
+                <a16:creationId xmlns:a16="http://schemas.microsoft.com/office/drawing/2014/main" id="{5C792C98-C421-1EC8-9095-B78CA438EA5C}"/>
+              </a:ext>
+            </a:extLst>
+          </p:cNvPr>
+          <p:cNvPicPr>
+            <a:picLocks noChangeAspect="1"/>
+          </p:cNvPicPr>
+          <p:nvPr/>
+        </p:nvPicPr>
+        <p:blipFill>
+          <a:blip r:embed="rId3"/>
+          <a:stretch>
+            <a:fillRect/>
+          </a:stretch>
+        </p:blipFill>
+        <p:spPr>
+          <a:xfrm>
+            <a:off x="0" y="4567887"/>
+            <a:ext cx="9144000" cy="2015475"/>
+          </a:xfrm>
+          <a:prstGeom prst="rect">
+            <a:avLst/>
+          </a:prstGeom>
+        </p:spPr>
+      </p:pic>
     </p:spTree>
     <p:extLst>
       <p:ext uri="{BB962C8B-B14F-4D97-AF65-F5344CB8AC3E}">
-        <p14:creationId xmlns:p14="http://schemas.microsoft.com/office/powerpoint/2010/main" val="1732780539"/>
+        <p14:creationId xmlns:p14="http://schemas.microsoft.com/office/powerpoint/2010/main" val="1812918575"/>
       </p:ext>
     </p:extLst>
   </p:cSld>
@@ -4337,7 +5075,7 @@
         <p:spPr/>
         <p:txBody>
           <a:bodyPr>
-            <a:normAutofit lnSpcReduction="10000"/>
+            <a:normAutofit/>
           </a:bodyPr>
           <a:lstStyle/>
           <a:p>
@@ -4346,41 +5084,60 @@
               <a:buChar char="ü"/>
             </a:pPr>
             <a:r>
-              <a:rPr dirty="0"/>
+              <a:rPr sz="2600" dirty="0"/>
               <a:t>Conception d'un </a:t>
             </a:r>
             <a:r>
-              <a:rPr dirty="0" err="1"/>
+              <a:rPr sz="2600" dirty="0" err="1"/>
               <a:t>système</a:t>
             </a:r>
             <a:r>
-              <a:rPr dirty="0"/>
+              <a:rPr sz="2600" dirty="0"/>
               <a:t> de </a:t>
             </a:r>
             <a:r>
-              <a:rPr dirty="0" err="1"/>
+              <a:rPr sz="2600" dirty="0" err="1"/>
               <a:t>décision</a:t>
             </a:r>
             <a:r>
-              <a:rPr dirty="0"/>
+              <a:rPr sz="2600" dirty="0"/>
               <a:t> </a:t>
             </a:r>
             <a:r>
-              <a:rPr dirty="0" err="1"/>
+              <a:rPr sz="2600" dirty="0" err="1"/>
               <a:t>algorithmique</a:t>
             </a:r>
             <a:r>
-              <a:rPr dirty="0"/>
+              <a:rPr sz="2600" dirty="0"/>
               <a:t> sur la </a:t>
             </a:r>
             <a:r>
-              <a:rPr dirty="0" err="1"/>
+              <a:rPr sz="2600" dirty="0" err="1"/>
               <a:t>paire</a:t>
             </a:r>
             <a:r>
-              <a:rPr dirty="0"/>
+              <a:rPr sz="2600" dirty="0"/>
               <a:t> GBP/USD.</a:t>
             </a:r>
+            <a:endParaRPr lang="fr-FR" sz="2600" dirty="0"/>
+          </a:p>
+          <a:p>
+            <a:pPr>
+              <a:buFont typeface="Wingdings" panose="05000000000000000000" pitchFamily="2" charset="2"/>
+              <a:buChar char="ü"/>
+            </a:pPr>
+            <a:endParaRPr sz="2600" dirty="0"/>
+          </a:p>
+          <a:p>
+            <a:pPr>
+              <a:buFont typeface="Wingdings" panose="05000000000000000000" pitchFamily="2" charset="2"/>
+              <a:buChar char="ü"/>
+            </a:pPr>
+            <a:r>
+              <a:rPr sz="2600" dirty="0"/>
+              <a:t>Données : </a:t>
+            </a:r>
+            <a:endParaRPr lang="fr-FR" sz="2600" dirty="0"/>
           </a:p>
           <a:p>
             <a:pPr lvl="1">
@@ -4388,110 +5145,57 @@
               <a:buChar char="ü"/>
             </a:pPr>
             <a:r>
-              <a:rPr dirty="0"/>
-              <a:t>Données : </a:t>
-            </a:r>
-            <a:r>
-              <a:rPr dirty="0" err="1"/>
+              <a:rPr sz="2600" dirty="0" err="1"/>
               <a:t>Fréquence</a:t>
             </a:r>
             <a:r>
-              <a:rPr dirty="0"/>
+              <a:rPr sz="2600" dirty="0"/>
               <a:t> brute 1 minute -&gt; </a:t>
             </a:r>
             <a:r>
-              <a:rPr dirty="0" err="1"/>
+              <a:rPr sz="2600" dirty="0" err="1"/>
               <a:t>Décision</a:t>
             </a:r>
             <a:r>
-              <a:rPr dirty="0"/>
+              <a:rPr sz="2600" dirty="0"/>
               <a:t> 15 minutes.</a:t>
             </a:r>
-          </a:p>
-          <a:p>
-            <a:pPr lvl="1">
+            <a:endParaRPr lang="fr-FR" sz="2600" dirty="0"/>
+          </a:p>
+          <a:p>
+            <a:pPr>
               <a:buFont typeface="Wingdings" panose="05000000000000000000" pitchFamily="2" charset="2"/>
               <a:buChar char="ü"/>
             </a:pPr>
-            <a:r>
-              <a:rPr dirty="0"/>
-              <a:t>Actions : BUY, SELL, HOLD.</a:t>
-            </a:r>
-          </a:p>
-          <a:p>
-            <a:pPr lvl="1">
+            <a:endParaRPr sz="2600" dirty="0"/>
+          </a:p>
+          <a:p>
+            <a:pPr>
               <a:buFont typeface="Wingdings" panose="05000000000000000000" pitchFamily="2" charset="2"/>
               <a:buChar char="ü"/>
             </a:pPr>
             <a:r>
-              <a:rPr dirty="0"/>
-              <a:t>Objectif : Maximiser le profit </a:t>
-            </a:r>
-            <a:r>
-              <a:rPr dirty="0" err="1"/>
-              <a:t>cumulé</a:t>
-            </a:r>
-            <a:r>
-              <a:rPr dirty="0"/>
-              <a:t> sous </a:t>
-            </a:r>
-            <a:r>
-              <a:rPr dirty="0" err="1"/>
-              <a:t>contraintes</a:t>
-            </a:r>
-            <a:r>
-              <a:rPr dirty="0"/>
-              <a:t> :</a:t>
-            </a:r>
-          </a:p>
-          <a:p>
-            <a:pPr lvl="2">
+              <a:rPr sz="2600" dirty="0"/>
+              <a:t>Actions : BUY, SELL, HOLD.</a:t>
+            </a:r>
+            <a:endParaRPr lang="fr-FR" sz="2600" dirty="0"/>
+          </a:p>
+          <a:p>
+            <a:pPr>
               <a:buFont typeface="Wingdings" panose="05000000000000000000" pitchFamily="2" charset="2"/>
               <a:buChar char="ü"/>
             </a:pPr>
-            <a:r>
-              <a:rPr dirty="0" err="1"/>
-              <a:t>Coûts</a:t>
-            </a:r>
-            <a:r>
-              <a:rPr dirty="0"/>
-              <a:t> de transaction </a:t>
-            </a:r>
-            <a:r>
-              <a:rPr dirty="0" err="1"/>
-              <a:t>réalistes</a:t>
-            </a:r>
-            <a:endParaRPr dirty="0"/>
-          </a:p>
-          <a:p>
-            <a:pPr lvl="2">
+            <a:endParaRPr sz="2600" dirty="0"/>
+          </a:p>
+          <a:p>
+            <a:pPr>
               <a:buFont typeface="Wingdings" panose="05000000000000000000" pitchFamily="2" charset="2"/>
               <a:buChar char="ü"/>
             </a:pPr>
             <a:r>
-              <a:rPr dirty="0"/>
-              <a:t>Drawdown </a:t>
-            </a:r>
-            <a:r>
-              <a:rPr dirty="0" err="1"/>
-              <a:t>limité</a:t>
-            </a:r>
-            <a:endParaRPr dirty="0"/>
-          </a:p>
-          <a:p>
-            <a:pPr lvl="2">
-              <a:buFont typeface="Wingdings" panose="05000000000000000000" pitchFamily="2" charset="2"/>
-              <a:buChar char="ü"/>
-            </a:pPr>
-            <a:r>
-              <a:rPr dirty="0"/>
-              <a:t>Robustesse inter-</a:t>
-            </a:r>
-            <a:r>
-              <a:rPr dirty="0" err="1"/>
-              <a:t>annuelle</a:t>
-            </a:r>
-            <a:endParaRPr dirty="0"/>
+              <a:rPr sz="2600" dirty="0"/>
+              <a:t>Objectif : Maximiser le profit</a:t>
+            </a:r>
           </a:p>
         </p:txBody>
       </p:sp>
@@ -4522,10 +5226,299 @@
       </p:grpSpPr>
       <p:sp>
         <p:nvSpPr>
+          <p:cNvPr id="2" name="Title 1"/>
+          <p:cNvSpPr>
+            <a:spLocks noGrp="1"/>
+          </p:cNvSpPr>
+          <p:nvPr>
+            <p:ph type="title"/>
+          </p:nvPr>
+        </p:nvSpPr>
+        <p:spPr/>
+        <p:txBody>
+          <a:bodyPr/>
+          <a:lstStyle/>
+          <a:p>
+            <a:r>
+              <a:rPr lang="fr-FR" dirty="0"/>
+              <a:t>9 : Comparatifs</a:t>
+            </a:r>
+            <a:endParaRPr dirty="0"/>
+          </a:p>
+        </p:txBody>
+      </p:sp>
+      <p:sp>
+        <p:nvSpPr>
+          <p:cNvPr id="3" name="Content Placeholder 2"/>
+          <p:cNvSpPr>
+            <a:spLocks noGrp="1"/>
+          </p:cNvSpPr>
+          <p:nvPr>
+            <p:ph idx="1"/>
+          </p:nvPr>
+        </p:nvSpPr>
+        <p:spPr/>
+        <p:txBody>
+          <a:bodyPr/>
+          <a:lstStyle/>
+          <a:p>
+            <a:pPr marL="0" indent="0">
+              <a:buNone/>
+            </a:pPr>
+            <a:endParaRPr dirty="0"/>
+          </a:p>
+        </p:txBody>
+      </p:sp>
+      <p:pic>
+        <p:nvPicPr>
+          <p:cNvPr id="7" name="Image 6">
+            <a:extLst>
+              <a:ext uri="{FF2B5EF4-FFF2-40B4-BE49-F238E27FC236}">
+                <a16:creationId xmlns:a16="http://schemas.microsoft.com/office/drawing/2014/main" id="{A06A1847-D699-D14A-4275-3B30E089700A}"/>
+              </a:ext>
+            </a:extLst>
+          </p:cNvPr>
+          <p:cNvPicPr>
+            <a:picLocks noChangeAspect="1"/>
+          </p:cNvPicPr>
+          <p:nvPr/>
+        </p:nvPicPr>
+        <p:blipFill>
+          <a:blip r:embed="rId2"/>
+          <a:stretch>
+            <a:fillRect/>
+          </a:stretch>
+        </p:blipFill>
+        <p:spPr>
+          <a:xfrm>
+            <a:off x="1423548" y="1799705"/>
+            <a:ext cx="6296904" cy="1114581"/>
+          </a:xfrm>
+          <a:prstGeom prst="rect">
+            <a:avLst/>
+          </a:prstGeom>
+        </p:spPr>
+      </p:pic>
+    </p:spTree>
+  </p:cSld>
+  <p:clrMapOvr>
+    <a:masterClrMapping/>
+  </p:clrMapOvr>
+</p:sld>
+</file>
+
+<file path=ppt/slides/slide21.xml><?xml version="1.0" encoding="utf-8"?>
+<p:sld xmlns:a="http://schemas.openxmlformats.org/drawingml/2006/main" xmlns:r="http://schemas.openxmlformats.org/officeDocument/2006/relationships" xmlns:p="http://schemas.openxmlformats.org/presentationml/2006/main">
+  <p:cSld>
+    <p:spTree>
+      <p:nvGrpSpPr>
+        <p:cNvPr id="1" name=""/>
+        <p:cNvGrpSpPr/>
+        <p:nvPr/>
+      </p:nvGrpSpPr>
+      <p:grpSpPr>
+        <a:xfrm>
+          <a:off x="0" y="0"/>
+          <a:ext cx="0" cy="0"/>
+          <a:chOff x="0" y="0"/>
+          <a:chExt cx="0" cy="0"/>
+        </a:xfrm>
+      </p:grpSpPr>
+      <p:sp>
+        <p:nvSpPr>
+          <p:cNvPr id="2" name="Title 1"/>
+          <p:cNvSpPr>
+            <a:spLocks noGrp="1"/>
+          </p:cNvSpPr>
+          <p:nvPr>
+            <p:ph type="title"/>
+          </p:nvPr>
+        </p:nvSpPr>
+        <p:spPr/>
+        <p:txBody>
+          <a:bodyPr>
+            <a:normAutofit fontScale="90000"/>
+          </a:bodyPr>
+          <a:lstStyle/>
+          <a:p>
+            <a:r>
+              <a:rPr lang="fr-FR" dirty="0"/>
+              <a:t>10 : </a:t>
+            </a:r>
+            <a:r>
+              <a:rPr dirty="0"/>
+              <a:t>Architecture Technique &amp; </a:t>
+            </a:r>
+            <a:r>
+              <a:rPr dirty="0" err="1"/>
+              <a:t>Industrialisation</a:t>
+            </a:r>
+            <a:endParaRPr dirty="0"/>
+          </a:p>
+        </p:txBody>
+      </p:sp>
+      <p:sp>
+        <p:nvSpPr>
+          <p:cNvPr id="3" name="Content Placeholder 2"/>
+          <p:cNvSpPr>
+            <a:spLocks noGrp="1"/>
+          </p:cNvSpPr>
+          <p:nvPr>
+            <p:ph idx="1"/>
+          </p:nvPr>
+        </p:nvSpPr>
+        <p:spPr/>
+        <p:txBody>
+          <a:bodyPr/>
+          <a:lstStyle/>
+          <a:p>
+            <a:endParaRPr dirty="0"/>
+          </a:p>
+          <a:p>
+            <a:r>
+              <a:rPr dirty="0"/>
+              <a:t>Backend : API </a:t>
+            </a:r>
+            <a:r>
+              <a:rPr dirty="0" err="1"/>
+              <a:t>FastAPI</a:t>
+            </a:r>
+            <a:endParaRPr dirty="0"/>
+          </a:p>
+          <a:p>
+            <a:pPr lvl="1"/>
+            <a:r>
+              <a:rPr dirty="0"/>
+              <a:t>Expose le </a:t>
+            </a:r>
+            <a:r>
+              <a:rPr dirty="0" err="1"/>
+              <a:t>meilleur</a:t>
+            </a:r>
+            <a:r>
+              <a:rPr dirty="0"/>
+              <a:t> </a:t>
+            </a:r>
+            <a:r>
+              <a:rPr dirty="0" err="1"/>
+              <a:t>modèle</a:t>
+            </a:r>
+            <a:r>
+              <a:rPr dirty="0"/>
+              <a:t>, </a:t>
+            </a:r>
+            <a:r>
+              <a:rPr dirty="0" err="1"/>
+              <a:t>gère</a:t>
+            </a:r>
+            <a:r>
+              <a:rPr dirty="0"/>
+              <a:t> les </a:t>
+            </a:r>
+            <a:r>
+              <a:rPr dirty="0" err="1"/>
+              <a:t>inférences</a:t>
+            </a:r>
+            <a:r>
+              <a:rPr dirty="0"/>
+              <a:t>.</a:t>
+            </a:r>
+          </a:p>
+          <a:p>
+            <a:r>
+              <a:rPr dirty="0"/>
+              <a:t>Frontend : Web App Flask</a:t>
+            </a:r>
+          </a:p>
+          <a:p>
+            <a:pPr lvl="1"/>
+            <a:r>
+              <a:rPr dirty="0"/>
+              <a:t>Dashboard </a:t>
+            </a:r>
+            <a:r>
+              <a:rPr dirty="0" err="1"/>
+              <a:t>utilisateur</a:t>
+            </a:r>
+            <a:r>
+              <a:rPr dirty="0"/>
+              <a:t>, </a:t>
+            </a:r>
+            <a:r>
+              <a:rPr dirty="0" err="1"/>
+              <a:t>visualisation</a:t>
+            </a:r>
+            <a:r>
+              <a:rPr dirty="0"/>
+              <a:t> des </a:t>
+            </a:r>
+            <a:r>
+              <a:rPr dirty="0" err="1"/>
+              <a:t>prédictions</a:t>
+            </a:r>
+            <a:r>
+              <a:rPr dirty="0"/>
+              <a:t>.</a:t>
+            </a:r>
+          </a:p>
+          <a:p>
+            <a:r>
+              <a:rPr dirty="0" err="1"/>
+              <a:t>MLOps</a:t>
+            </a:r>
+            <a:r>
+              <a:rPr dirty="0"/>
+              <a:t> :</a:t>
+            </a:r>
+          </a:p>
+          <a:p>
+            <a:pPr lvl="1"/>
+            <a:r>
+              <a:rPr dirty="0"/>
+              <a:t>Model Registry (Versioning v1/v2), </a:t>
+            </a:r>
+            <a:r>
+              <a:rPr dirty="0" err="1"/>
+              <a:t>Dockerisation</a:t>
+            </a:r>
+            <a:r>
+              <a:rPr dirty="0"/>
+              <a:t>.</a:t>
+            </a:r>
+          </a:p>
+        </p:txBody>
+      </p:sp>
+    </p:spTree>
+  </p:cSld>
+  <p:clrMapOvr>
+    <a:masterClrMapping/>
+  </p:clrMapOvr>
+</p:sld>
+</file>
+
+<file path=ppt/slides/slide22.xml><?xml version="1.0" encoding="utf-8"?>
+<p:sld xmlns:a="http://schemas.openxmlformats.org/drawingml/2006/main" xmlns:r="http://schemas.openxmlformats.org/officeDocument/2006/relationships" xmlns:p="http://schemas.openxmlformats.org/presentationml/2006/main">
+  <p:cSld>
+    <p:spTree>
+      <p:nvGrpSpPr>
+        <p:cNvPr id="1" name=""/>
+        <p:cNvGrpSpPr/>
+        <p:nvPr/>
+      </p:nvGrpSpPr>
+      <p:grpSpPr>
+        <a:xfrm>
+          <a:off x="0" y="0"/>
+          <a:ext cx="0" cy="0"/>
+          <a:chOff x="0" y="0"/>
+          <a:chExt cx="0" cy="0"/>
+        </a:xfrm>
+      </p:grpSpPr>
+      <p:sp>
+        <p:nvSpPr>
           <p:cNvPr id="2" name="Titre 1">
             <a:extLst>
               <a:ext uri="{FF2B5EF4-FFF2-40B4-BE49-F238E27FC236}">
-                <a16:creationId xmlns:a16="http://schemas.microsoft.com/office/drawing/2014/main" id="{90A8C598-1580-4061-9E82-A09C09C75456}"/>
+                <a16:creationId xmlns:a16="http://schemas.microsoft.com/office/drawing/2014/main" id="{5B9236E0-D18F-0758-C68D-6DD0278002C0}"/>
               </a:ext>
             </a:extLst>
           </p:cNvPr>
@@ -4543,7 +5536,7 @@
           <a:p>
             <a:r>
               <a:rPr lang="fr-FR" dirty="0"/>
-              <a:t>Pourquoi nous c’est bon</a:t>
+              <a:t>Conclusion</a:t>
             </a:r>
           </a:p>
         </p:txBody>
@@ -4553,7 +5546,7 @@
           <p:cNvPr id="3" name="Espace réservé du contenu 2">
             <a:extLst>
               <a:ext uri="{FF2B5EF4-FFF2-40B4-BE49-F238E27FC236}">
-                <a16:creationId xmlns:a16="http://schemas.microsoft.com/office/drawing/2014/main" id="{B136D9AD-E27B-535C-9233-AC260DB2985B}"/>
+                <a16:creationId xmlns:a16="http://schemas.microsoft.com/office/drawing/2014/main" id="{CE7B7FFB-F693-CC1F-139C-31D109875F93}"/>
               </a:ext>
             </a:extLst>
           </p:cNvPr>
@@ -4571,37 +5564,106 @@
           <a:p>
             <a:r>
               <a:rPr lang="fr-FR" dirty="0"/>
-              <a:t>Un modèle facilement adaptable à la conjoncture</a:t>
-            </a:r>
+              <a:t>Plusieurs modèles capables de s’adapter aux années.</a:t>
+            </a:r>
+          </a:p>
+          <a:p>
+            <a:endParaRPr lang="fr-FR" dirty="0"/>
           </a:p>
           <a:p>
             <a:r>
               <a:rPr lang="fr-FR" dirty="0"/>
-              <a:t>Un modèle de </a:t>
-            </a:r>
-            <a:r>
-              <a:rPr lang="fr-FR" dirty="0" err="1"/>
-              <a:t>Reinforcement</a:t>
-            </a:r>
-            <a:r>
-              <a:rPr lang="fr-FR" dirty="0"/>
-              <a:t> </a:t>
+              <a:t>Un RL surpassant le machine </a:t>
             </a:r>
             <a:r>
               <a:rPr lang="fr-FR" dirty="0" err="1"/>
               <a:t>learning</a:t>
             </a:r>
-            <a:endParaRPr lang="fr-FR"/>
-          </a:p>
-          <a:p>
-            <a:endParaRPr lang="fr-FR"/>
+            <a:endParaRPr lang="fr-FR" dirty="0"/>
+          </a:p>
+          <a:p>
+            <a:endParaRPr lang="fr-FR" dirty="0"/>
+          </a:p>
+          <a:p>
+            <a:r>
+              <a:rPr lang="fr-FR" dirty="0"/>
+              <a:t>L’ajout d’éléments contextuels permettra d’améliorer </a:t>
+            </a:r>
+            <a:r>
+              <a:rPr lang="fr-FR"/>
+              <a:t>les modèles</a:t>
+            </a:r>
+            <a:endParaRPr lang="fr-FR" dirty="0"/>
           </a:p>
         </p:txBody>
       </p:sp>
     </p:spTree>
     <p:extLst>
       <p:ext uri="{BB962C8B-B14F-4D97-AF65-F5344CB8AC3E}">
-        <p14:creationId xmlns:p14="http://schemas.microsoft.com/office/powerpoint/2010/main" val="2648814366"/>
+        <p14:creationId xmlns:p14="http://schemas.microsoft.com/office/powerpoint/2010/main" val="441816352"/>
+      </p:ext>
+    </p:extLst>
+  </p:cSld>
+  <p:clrMapOvr>
+    <a:masterClrMapping/>
+  </p:clrMapOvr>
+</p:sld>
+</file>
+
+<file path=ppt/slides/slide23.xml><?xml version="1.0" encoding="utf-8"?>
+<p:sld xmlns:a="http://schemas.openxmlformats.org/drawingml/2006/main" xmlns:r="http://schemas.openxmlformats.org/officeDocument/2006/relationships" xmlns:p="http://schemas.openxmlformats.org/presentationml/2006/main">
+  <p:cSld>
+    <p:spTree>
+      <p:nvGrpSpPr>
+        <p:cNvPr id="1" name=""/>
+        <p:cNvGrpSpPr/>
+        <p:nvPr/>
+      </p:nvGrpSpPr>
+      <p:grpSpPr>
+        <a:xfrm>
+          <a:off x="0" y="0"/>
+          <a:ext cx="0" cy="0"/>
+          <a:chOff x="0" y="0"/>
+          <a:chExt cx="0" cy="0"/>
+        </a:xfrm>
+      </p:grpSpPr>
+      <p:sp>
+        <p:nvSpPr>
+          <p:cNvPr id="2" name="Titre 1">
+            <a:extLst>
+              <a:ext uri="{FF2B5EF4-FFF2-40B4-BE49-F238E27FC236}">
+                <a16:creationId xmlns:a16="http://schemas.microsoft.com/office/drawing/2014/main" id="{ACF65CBA-7383-725C-4555-0EE8661E696E}"/>
+              </a:ext>
+            </a:extLst>
+          </p:cNvPr>
+          <p:cNvSpPr>
+            <a:spLocks noGrp="1"/>
+          </p:cNvSpPr>
+          <p:nvPr>
+            <p:ph type="title"/>
+          </p:nvPr>
+        </p:nvSpPr>
+        <p:spPr>
+          <a:xfrm>
+            <a:off x="620974" y="2857500"/>
+            <a:ext cx="8229600" cy="1143000"/>
+          </a:xfrm>
+        </p:spPr>
+        <p:txBody>
+          <a:bodyPr/>
+          <a:lstStyle/>
+          <a:p>
+            <a:r>
+              <a:rPr lang="fr-FR" dirty="0"/>
+              <a:t>Merci !</a:t>
+            </a:r>
+          </a:p>
+        </p:txBody>
+      </p:sp>
+    </p:spTree>
+    <p:extLst>
+      <p:ext uri="{BB962C8B-B14F-4D97-AF65-F5344CB8AC3E}">
+        <p14:creationId xmlns:p14="http://schemas.microsoft.com/office/powerpoint/2010/main" val="2947353902"/>
       </p:ext>
     </p:extLst>
   </p:cSld>
@@ -4630,6 +5692,571 @@
       </p:grpSpPr>
       <p:sp>
         <p:nvSpPr>
+          <p:cNvPr id="2" name="Title 1"/>
+          <p:cNvSpPr>
+            <a:spLocks noGrp="1"/>
+          </p:cNvSpPr>
+          <p:nvPr>
+            <p:ph type="title"/>
+          </p:nvPr>
+        </p:nvSpPr>
+        <p:spPr/>
+        <p:txBody>
+          <a:bodyPr/>
+          <a:lstStyle/>
+          <a:p>
+            <a:r>
+              <a:rPr dirty="0"/>
+              <a:t>Données &amp; Split </a:t>
+            </a:r>
+            <a:r>
+              <a:rPr dirty="0" err="1"/>
+              <a:t>Temporel</a:t>
+            </a:r>
+            <a:endParaRPr dirty="0"/>
+          </a:p>
+        </p:txBody>
+      </p:sp>
+      <p:sp>
+        <p:nvSpPr>
+          <p:cNvPr id="3" name="Content Placeholder 2"/>
+          <p:cNvSpPr>
+            <a:spLocks noGrp="1"/>
+          </p:cNvSpPr>
+          <p:nvPr>
+            <p:ph idx="1"/>
+          </p:nvPr>
+        </p:nvSpPr>
+        <p:spPr>
+          <a:xfrm>
+            <a:off x="457200" y="1600200"/>
+            <a:ext cx="6257365" cy="4525963"/>
+          </a:xfrm>
+        </p:spPr>
+        <p:txBody>
+          <a:bodyPr/>
+          <a:lstStyle/>
+          <a:p>
+            <a:pPr>
+              <a:buFont typeface="Wingdings" panose="05000000000000000000" pitchFamily="2" charset="2"/>
+              <a:buChar char="ü"/>
+            </a:pPr>
+            <a:r>
+              <a:rPr dirty="0" err="1"/>
+              <a:t>Période</a:t>
+            </a:r>
+            <a:r>
+              <a:rPr dirty="0"/>
+              <a:t> </a:t>
+            </a:r>
+            <a:r>
+              <a:rPr lang="fr-FR" dirty="0"/>
+              <a:t>étudiée</a:t>
+            </a:r>
+            <a:r>
+              <a:rPr dirty="0"/>
+              <a:t> : 2022 - 202</a:t>
+            </a:r>
+            <a:r>
+              <a:rPr lang="fr-FR" dirty="0"/>
+              <a:t>5</a:t>
+            </a:r>
+            <a:endParaRPr dirty="0"/>
+          </a:p>
+        </p:txBody>
+      </p:sp>
+      <p:pic>
+        <p:nvPicPr>
+          <p:cNvPr id="6" name="Image 5">
+            <a:extLst>
+              <a:ext uri="{FF2B5EF4-FFF2-40B4-BE49-F238E27FC236}">
+                <a16:creationId xmlns:a16="http://schemas.microsoft.com/office/drawing/2014/main" id="{3E0EB7D3-96C2-08CD-BEBE-BC6EEF425FD0}"/>
+              </a:ext>
+            </a:extLst>
+          </p:cNvPr>
+          <p:cNvPicPr>
+            <a:picLocks noChangeAspect="1"/>
+          </p:cNvPicPr>
+          <p:nvPr/>
+        </p:nvPicPr>
+        <p:blipFill>
+          <a:blip r:embed="rId2"/>
+          <a:stretch>
+            <a:fillRect/>
+          </a:stretch>
+        </p:blipFill>
+        <p:spPr>
+          <a:xfrm>
+            <a:off x="553031" y="2420083"/>
+            <a:ext cx="4829849" cy="1533739"/>
+          </a:xfrm>
+          <a:prstGeom prst="rect">
+            <a:avLst/>
+          </a:prstGeom>
+        </p:spPr>
+      </p:pic>
+      <p:graphicFrame>
+        <p:nvGraphicFramePr>
+          <p:cNvPr id="4" name="Tableau 3">
+            <a:extLst>
+              <a:ext uri="{FF2B5EF4-FFF2-40B4-BE49-F238E27FC236}">
+                <a16:creationId xmlns:a16="http://schemas.microsoft.com/office/drawing/2014/main" id="{63C061F7-8E8A-851A-3CA5-0E0EDF0222D1}"/>
+              </a:ext>
+            </a:extLst>
+          </p:cNvPr>
+          <p:cNvGraphicFramePr>
+            <a:graphicFrameLocks noGrp="1"/>
+          </p:cNvGraphicFramePr>
+          <p:nvPr>
+            <p:extLst>
+              <p:ext uri="{D42A27DB-BD31-4B8C-83A1-F6EECF244321}">
+                <p14:modId xmlns:p14="http://schemas.microsoft.com/office/powerpoint/2010/main" val="860895784"/>
+              </p:ext>
+            </p:extLst>
+          </p:nvPr>
+        </p:nvGraphicFramePr>
+        <p:xfrm>
+          <a:off x="553031" y="4451951"/>
+          <a:ext cx="3827292" cy="1828800"/>
+        </p:xfrm>
+        <a:graphic>
+          <a:graphicData uri="http://schemas.openxmlformats.org/drawingml/2006/table">
+            <a:tbl>
+              <a:tblPr firstRow="1" bandRow="1">
+                <a:tableStyleId>{2D5ABB26-0587-4C30-8999-92F81FD0307C}</a:tableStyleId>
+              </a:tblPr>
+              <a:tblGrid>
+                <a:gridCol w="1913646">
+                  <a:extLst>
+                    <a:ext uri="{9D8B030D-6E8A-4147-A177-3AD203B41FA5}">
+                      <a16:colId xmlns:a16="http://schemas.microsoft.com/office/drawing/2014/main" val="4050864089"/>
+                    </a:ext>
+                  </a:extLst>
+                </a:gridCol>
+                <a:gridCol w="1913646">
+                  <a:extLst>
+                    <a:ext uri="{9D8B030D-6E8A-4147-A177-3AD203B41FA5}">
+                      <a16:colId xmlns:a16="http://schemas.microsoft.com/office/drawing/2014/main" val="2856584891"/>
+                    </a:ext>
+                  </a:extLst>
+                </a:gridCol>
+              </a:tblGrid>
+              <a:tr h="306748">
+                <a:tc>
+                  <a:txBody>
+                    <a:bodyPr/>
+                    <a:lstStyle/>
+                    <a:p>
+                      <a:r>
+                        <a:rPr lang="fr-FR" dirty="0">
+                          <a:solidFill>
+                            <a:schemeClr val="bg1"/>
+                          </a:solidFill>
+                        </a:rPr>
+                        <a:t>Année</a:t>
+                      </a:r>
+                    </a:p>
+                  </a:txBody>
+                  <a:tcPr>
+                    <a:lnR w="12700" cap="flat" cmpd="sng" algn="ctr">
+                      <a:solidFill>
+                        <a:schemeClr val="tx1"/>
+                      </a:solidFill>
+                      <a:prstDash val="solid"/>
+                      <a:round/>
+                      <a:headEnd type="none" w="med" len="med"/>
+                      <a:tailEnd type="none" w="med" len="med"/>
+                    </a:lnR>
+                    <a:lnT w="12700" cap="flat" cmpd="sng" algn="ctr">
+                      <a:solidFill>
+                        <a:schemeClr val="tx1"/>
+                      </a:solidFill>
+                      <a:prstDash val="solid"/>
+                      <a:round/>
+                      <a:headEnd type="none" w="med" len="med"/>
+                      <a:tailEnd type="none" w="med" len="med"/>
+                    </a:lnT>
+                    <a:lnB w="12700" cap="flat" cmpd="sng" algn="ctr">
+                      <a:solidFill>
+                        <a:schemeClr val="tx1"/>
+                      </a:solidFill>
+                      <a:prstDash val="solid"/>
+                      <a:round/>
+                      <a:headEnd type="none" w="med" len="med"/>
+                      <a:tailEnd type="none" w="med" len="med"/>
+                    </a:lnB>
+                    <a:solidFill>
+                      <a:schemeClr val="tx2"/>
+                    </a:solidFill>
+                  </a:tcPr>
+                </a:tc>
+                <a:tc>
+                  <a:txBody>
+                    <a:bodyPr/>
+                    <a:lstStyle/>
+                    <a:p>
+                      <a:r>
+                        <a:rPr lang="fr-FR" dirty="0">
+                          <a:solidFill>
+                            <a:schemeClr val="bg1"/>
+                          </a:solidFill>
+                        </a:rPr>
+                        <a:t>Variation</a:t>
+                      </a:r>
+                    </a:p>
+                  </a:txBody>
+                  <a:tcPr>
+                    <a:lnL w="12700" cap="flat" cmpd="sng" algn="ctr">
+                      <a:solidFill>
+                        <a:schemeClr val="tx1"/>
+                      </a:solidFill>
+                      <a:prstDash val="solid"/>
+                      <a:round/>
+                      <a:headEnd type="none" w="med" len="med"/>
+                      <a:tailEnd type="none" w="med" len="med"/>
+                    </a:lnL>
+                    <a:lnT w="12700" cap="flat" cmpd="sng" algn="ctr">
+                      <a:solidFill>
+                        <a:schemeClr val="tx1"/>
+                      </a:solidFill>
+                      <a:prstDash val="solid"/>
+                      <a:round/>
+                      <a:headEnd type="none" w="med" len="med"/>
+                      <a:tailEnd type="none" w="med" len="med"/>
+                    </a:lnT>
+                    <a:lnB w="12700" cap="flat" cmpd="sng" algn="ctr">
+                      <a:solidFill>
+                        <a:schemeClr val="tx1"/>
+                      </a:solidFill>
+                      <a:prstDash val="solid"/>
+                      <a:round/>
+                      <a:headEnd type="none" w="med" len="med"/>
+                      <a:tailEnd type="none" w="med" len="med"/>
+                    </a:lnB>
+                    <a:solidFill>
+                      <a:schemeClr val="tx2"/>
+                    </a:solidFill>
+                  </a:tcPr>
+                </a:tc>
+                <a:extLst>
+                  <a:ext uri="{0D108BD9-81ED-4DB2-BD59-A6C34878D82A}">
+                    <a16:rowId xmlns:a16="http://schemas.microsoft.com/office/drawing/2014/main" val="1513005252"/>
+                  </a:ext>
+                </a:extLst>
+              </a:tr>
+              <a:tr h="306748">
+                <a:tc>
+                  <a:txBody>
+                    <a:bodyPr/>
+                    <a:lstStyle/>
+                    <a:p>
+                      <a:r>
+                        <a:rPr lang="fr-FR" dirty="0"/>
+                        <a:t>2022</a:t>
+                      </a:r>
+                    </a:p>
+                  </a:txBody>
+                  <a:tcPr>
+                    <a:lnR w="12700" cap="flat" cmpd="sng" algn="ctr">
+                      <a:solidFill>
+                        <a:schemeClr val="tx1"/>
+                      </a:solidFill>
+                      <a:prstDash val="solid"/>
+                      <a:round/>
+                      <a:headEnd type="none" w="med" len="med"/>
+                      <a:tailEnd type="none" w="med" len="med"/>
+                    </a:lnR>
+                    <a:lnT w="12700" cap="flat" cmpd="sng" algn="ctr">
+                      <a:solidFill>
+                        <a:schemeClr val="tx1"/>
+                      </a:solidFill>
+                      <a:prstDash val="solid"/>
+                      <a:round/>
+                      <a:headEnd type="none" w="med" len="med"/>
+                      <a:tailEnd type="none" w="med" len="med"/>
+                    </a:lnT>
+                  </a:tcPr>
+                </a:tc>
+                <a:tc>
+                  <a:txBody>
+                    <a:bodyPr/>
+                    <a:lstStyle/>
+                    <a:p>
+                      <a:pPr algn="r"/>
+                      <a:r>
+                        <a:rPr lang="fr-FR" dirty="0"/>
+                        <a:t>-10,54%</a:t>
+                      </a:r>
+                    </a:p>
+                  </a:txBody>
+                  <a:tcPr>
+                    <a:lnL w="12700" cap="flat" cmpd="sng" algn="ctr">
+                      <a:solidFill>
+                        <a:schemeClr val="tx1"/>
+                      </a:solidFill>
+                      <a:prstDash val="solid"/>
+                      <a:round/>
+                      <a:headEnd type="none" w="med" len="med"/>
+                      <a:tailEnd type="none" w="med" len="med"/>
+                    </a:lnL>
+                    <a:lnT w="12700" cap="flat" cmpd="sng" algn="ctr">
+                      <a:solidFill>
+                        <a:schemeClr val="tx1"/>
+                      </a:solidFill>
+                      <a:prstDash val="solid"/>
+                      <a:round/>
+                      <a:headEnd type="none" w="med" len="med"/>
+                      <a:tailEnd type="none" w="med" len="med"/>
+                    </a:lnT>
+                  </a:tcPr>
+                </a:tc>
+                <a:extLst>
+                  <a:ext uri="{0D108BD9-81ED-4DB2-BD59-A6C34878D82A}">
+                    <a16:rowId xmlns:a16="http://schemas.microsoft.com/office/drawing/2014/main" val="555058107"/>
+                  </a:ext>
+                </a:extLst>
+              </a:tr>
+              <a:tr h="306748">
+                <a:tc>
+                  <a:txBody>
+                    <a:bodyPr/>
+                    <a:lstStyle/>
+                    <a:p>
+                      <a:r>
+                        <a:rPr lang="fr-FR" dirty="0"/>
+                        <a:t>2023</a:t>
+                      </a:r>
+                    </a:p>
+                  </a:txBody>
+                  <a:tcPr>
+                    <a:lnR w="12700" cap="flat" cmpd="sng" algn="ctr">
+                      <a:solidFill>
+                        <a:schemeClr val="tx1"/>
+                      </a:solidFill>
+                      <a:prstDash val="solid"/>
+                      <a:round/>
+                      <a:headEnd type="none" w="med" len="med"/>
+                      <a:tailEnd type="none" w="med" len="med"/>
+                    </a:lnR>
+                  </a:tcPr>
+                </a:tc>
+                <a:tc>
+                  <a:txBody>
+                    <a:bodyPr/>
+                    <a:lstStyle/>
+                    <a:p>
+                      <a:pPr algn="r"/>
+                      <a:r>
+                        <a:rPr lang="fr-FR" dirty="0"/>
+                        <a:t>+5,55%</a:t>
+                      </a:r>
+                    </a:p>
+                  </a:txBody>
+                  <a:tcPr>
+                    <a:lnL w="12700" cap="flat" cmpd="sng" algn="ctr">
+                      <a:solidFill>
+                        <a:schemeClr val="tx1"/>
+                      </a:solidFill>
+                      <a:prstDash val="solid"/>
+                      <a:round/>
+                      <a:headEnd type="none" w="med" len="med"/>
+                      <a:tailEnd type="none" w="med" len="med"/>
+                    </a:lnL>
+                  </a:tcPr>
+                </a:tc>
+                <a:extLst>
+                  <a:ext uri="{0D108BD9-81ED-4DB2-BD59-A6C34878D82A}">
+                    <a16:rowId xmlns:a16="http://schemas.microsoft.com/office/drawing/2014/main" val="3497072245"/>
+                  </a:ext>
+                </a:extLst>
+              </a:tr>
+              <a:tr h="306748">
+                <a:tc>
+                  <a:txBody>
+                    <a:bodyPr/>
+                    <a:lstStyle/>
+                    <a:p>
+                      <a:r>
+                        <a:rPr lang="fr-FR" dirty="0"/>
+                        <a:t>2024</a:t>
+                      </a:r>
+                    </a:p>
+                  </a:txBody>
+                  <a:tcPr>
+                    <a:lnR w="12700" cap="flat" cmpd="sng" algn="ctr">
+                      <a:solidFill>
+                        <a:schemeClr val="tx1"/>
+                      </a:solidFill>
+                      <a:prstDash val="solid"/>
+                      <a:round/>
+                      <a:headEnd type="none" w="med" len="med"/>
+                      <a:tailEnd type="none" w="med" len="med"/>
+                    </a:lnR>
+                  </a:tcPr>
+                </a:tc>
+                <a:tc>
+                  <a:txBody>
+                    <a:bodyPr/>
+                    <a:lstStyle/>
+                    <a:p>
+                      <a:pPr algn="r"/>
+                      <a:r>
+                        <a:rPr lang="fr-FR" dirty="0"/>
+                        <a:t>-1,63%</a:t>
+                      </a:r>
+                    </a:p>
+                  </a:txBody>
+                  <a:tcPr>
+                    <a:lnL w="12700" cap="flat" cmpd="sng" algn="ctr">
+                      <a:solidFill>
+                        <a:schemeClr val="tx1"/>
+                      </a:solidFill>
+                      <a:prstDash val="solid"/>
+                      <a:round/>
+                      <a:headEnd type="none" w="med" len="med"/>
+                      <a:tailEnd type="none" w="med" len="med"/>
+                    </a:lnL>
+                  </a:tcPr>
+                </a:tc>
+                <a:extLst>
+                  <a:ext uri="{0D108BD9-81ED-4DB2-BD59-A6C34878D82A}">
+                    <a16:rowId xmlns:a16="http://schemas.microsoft.com/office/drawing/2014/main" val="1801750295"/>
+                  </a:ext>
+                </a:extLst>
+              </a:tr>
+              <a:tr h="306748">
+                <a:tc>
+                  <a:txBody>
+                    <a:bodyPr/>
+                    <a:lstStyle/>
+                    <a:p>
+                      <a:r>
+                        <a:rPr lang="fr-FR" dirty="0"/>
+                        <a:t>2025</a:t>
+                      </a:r>
+                    </a:p>
+                  </a:txBody>
+                  <a:tcPr>
+                    <a:lnR w="12700" cap="flat" cmpd="sng" algn="ctr">
+                      <a:solidFill>
+                        <a:schemeClr val="tx1"/>
+                      </a:solidFill>
+                      <a:prstDash val="solid"/>
+                      <a:round/>
+                      <a:headEnd type="none" w="med" len="med"/>
+                      <a:tailEnd type="none" w="med" len="med"/>
+                    </a:lnR>
+                    <a:lnB w="12700" cap="flat" cmpd="sng" algn="ctr">
+                      <a:solidFill>
+                        <a:schemeClr val="tx1"/>
+                      </a:solidFill>
+                      <a:prstDash val="solid"/>
+                      <a:round/>
+                      <a:headEnd type="none" w="med" len="med"/>
+                      <a:tailEnd type="none" w="med" len="med"/>
+                    </a:lnB>
+                  </a:tcPr>
+                </a:tc>
+                <a:tc>
+                  <a:txBody>
+                    <a:bodyPr/>
+                    <a:lstStyle/>
+                    <a:p>
+                      <a:pPr algn="r"/>
+                      <a:r>
+                        <a:rPr lang="fr-FR" dirty="0"/>
+                        <a:t>+7,67%</a:t>
+                      </a:r>
+                    </a:p>
+                  </a:txBody>
+                  <a:tcPr>
+                    <a:lnL w="12700" cap="flat" cmpd="sng" algn="ctr">
+                      <a:solidFill>
+                        <a:schemeClr val="tx1"/>
+                      </a:solidFill>
+                      <a:prstDash val="solid"/>
+                      <a:round/>
+                      <a:headEnd type="none" w="med" len="med"/>
+                      <a:tailEnd type="none" w="med" len="med"/>
+                    </a:lnL>
+                    <a:lnB w="12700" cap="flat" cmpd="sng" algn="ctr">
+                      <a:solidFill>
+                        <a:schemeClr val="tx1"/>
+                      </a:solidFill>
+                      <a:prstDash val="solid"/>
+                      <a:round/>
+                      <a:headEnd type="none" w="med" len="med"/>
+                      <a:tailEnd type="none" w="med" len="med"/>
+                    </a:lnB>
+                  </a:tcPr>
+                </a:tc>
+                <a:extLst>
+                  <a:ext uri="{0D108BD9-81ED-4DB2-BD59-A6C34878D82A}">
+                    <a16:rowId xmlns:a16="http://schemas.microsoft.com/office/drawing/2014/main" val="414968590"/>
+                  </a:ext>
+                </a:extLst>
+              </a:tr>
+            </a:tbl>
+          </a:graphicData>
+        </a:graphic>
+      </p:graphicFrame>
+      <p:pic>
+        <p:nvPicPr>
+          <p:cNvPr id="8" name="Image 7">
+            <a:extLst>
+              <a:ext uri="{FF2B5EF4-FFF2-40B4-BE49-F238E27FC236}">
+                <a16:creationId xmlns:a16="http://schemas.microsoft.com/office/drawing/2014/main" id="{728FF1E4-F470-41C9-1557-540772AA7E6B}"/>
+              </a:ext>
+            </a:extLst>
+          </p:cNvPr>
+          <p:cNvPicPr>
+            <a:picLocks noChangeAspect="1"/>
+          </p:cNvPicPr>
+          <p:nvPr/>
+        </p:nvPicPr>
+        <p:blipFill>
+          <a:blip r:embed="rId3"/>
+          <a:stretch>
+            <a:fillRect/>
+          </a:stretch>
+        </p:blipFill>
+        <p:spPr>
+          <a:xfrm>
+            <a:off x="5478711" y="2420083"/>
+            <a:ext cx="3585192" cy="4067016"/>
+          </a:xfrm>
+          <a:prstGeom prst="rect">
+            <a:avLst/>
+          </a:prstGeom>
+        </p:spPr>
+      </p:pic>
+    </p:spTree>
+  </p:cSld>
+  <p:clrMapOvr>
+    <a:masterClrMapping/>
+  </p:clrMapOvr>
+</p:sld>
+</file>
+
+<file path=ppt/slides/slide4.xml><?xml version="1.0" encoding="utf-8"?>
+<p:sld xmlns:a="http://schemas.openxmlformats.org/drawingml/2006/main" xmlns:r="http://schemas.openxmlformats.org/officeDocument/2006/relationships" xmlns:p="http://schemas.openxmlformats.org/presentationml/2006/main">
+  <p:cSld>
+    <p:spTree>
+      <p:nvGrpSpPr>
+        <p:cNvPr id="1" name=""/>
+        <p:cNvGrpSpPr/>
+        <p:nvPr/>
+      </p:nvGrpSpPr>
+      <p:grpSpPr>
+        <a:xfrm>
+          <a:off x="0" y="0"/>
+          <a:ext cx="0" cy="0"/>
+          <a:chOff x="0" y="0"/>
+          <a:chExt cx="0" cy="0"/>
+        </a:xfrm>
+      </p:grpSpPr>
+      <p:sp>
+        <p:nvSpPr>
           <p:cNvPr id="2" name="Titre 1">
             <a:extLst>
               <a:ext uri="{FF2B5EF4-FFF2-40B4-BE49-F238E27FC236}">
@@ -4672,13 +6299,13 @@
             <p:ph idx="1"/>
             <p:extLst>
               <p:ext uri="{D42A27DB-BD31-4B8C-83A1-F6EECF244321}">
-                <p14:modId xmlns:p14="http://schemas.microsoft.com/office/powerpoint/2010/main" val="13218092"/>
+                <p14:modId xmlns:p14="http://schemas.microsoft.com/office/powerpoint/2010/main" val="2729975411"/>
               </p:ext>
             </p:extLst>
           </p:nvPr>
         </p:nvGraphicFramePr>
         <p:xfrm>
-          <a:off x="457199" y="1794744"/>
+          <a:off x="457199" y="1983002"/>
           <a:ext cx="4634754" cy="3557181"/>
         </p:xfrm>
         <a:graphic>
@@ -4905,12 +6532,12 @@
                         <a:buNone/>
                       </a:pPr>
                       <a:r>
-                        <a:rPr lang="fr-FR" sz="1100" u="none" strike="noStrike">
+                        <a:rPr lang="fr-FR" sz="1100" u="none" strike="noStrike" dirty="0">
                           <a:effectLst/>
                         </a:rPr>
                         <a:t>T02 </a:t>
                       </a:r>
-                      <a:endParaRPr lang="fr-FR" sz="1100" b="0" i="0" u="none" strike="noStrike">
+                      <a:endParaRPr lang="fr-FR" sz="1100" b="0" i="0" u="none" strike="noStrike" dirty="0">
                         <a:solidFill>
                           <a:srgbClr val="000000"/>
                         </a:solidFill>
@@ -4919,7 +6546,9 @@
                       </a:endParaRPr>
                     </a:p>
                   </a:txBody>
-                  <a:tcPr marL="9525" marR="9525" marT="9525" marB="0" anchor="ctr"/>
+                  <a:tcPr marL="9525" marR="9525" marT="9525" marB="0" anchor="ctr">
+                    <a:noFill/>
+                  </a:tcPr>
                 </a:tc>
                 <a:tc>
                   <a:txBody>
@@ -4930,12 +6559,12 @@
                         <a:buNone/>
                       </a:pPr>
                       <a:r>
-                        <a:rPr lang="fr-FR" sz="1100" u="none" strike="noStrike">
+                        <a:rPr lang="fr-FR" sz="1100" u="none" strike="noStrike" dirty="0">
                           <a:effectLst/>
                         </a:rPr>
                         <a:t>Agrégation M1→M15</a:t>
                       </a:r>
-                      <a:endParaRPr lang="fr-FR" sz="1100" b="0" i="0" u="none" strike="noStrike">
+                      <a:endParaRPr lang="fr-FR" sz="1100" b="0" i="0" u="none" strike="noStrike" dirty="0">
                         <a:solidFill>
                           <a:srgbClr val="000000"/>
                         </a:solidFill>
@@ -4944,7 +6573,9 @@
                       </a:endParaRPr>
                     </a:p>
                   </a:txBody>
-                  <a:tcPr marL="9525" marR="9525" marT="9525" marB="0" anchor="b"/>
+                  <a:tcPr marL="9525" marR="9525" marT="9525" marB="0" anchor="b">
+                    <a:noFill/>
+                  </a:tcPr>
                 </a:tc>
                 <a:tc>
                   <a:txBody>
@@ -4955,12 +6586,12 @@
                         <a:buNone/>
                       </a:pPr>
                       <a:r>
-                        <a:rPr lang="fr-FR" sz="1100" u="none" strike="noStrike">
+                        <a:rPr lang="fr-FR" sz="1100" u="none" strike="noStrike" dirty="0">
                           <a:effectLst/>
                         </a:rPr>
                         <a:t>Ludo</a:t>
                       </a:r>
-                      <a:endParaRPr lang="fr-FR" sz="1100" b="0" i="0" u="none" strike="noStrike">
+                      <a:endParaRPr lang="fr-FR" sz="1100" b="0" i="0" u="none" strike="noStrike" dirty="0">
                         <a:solidFill>
                           <a:srgbClr val="000000"/>
                         </a:solidFill>
@@ -4969,7 +6600,9 @@
                       </a:endParaRPr>
                     </a:p>
                   </a:txBody>
-                  <a:tcPr marL="9525" marR="9525" marT="9525" marB="0" anchor="b"/>
+                  <a:tcPr marL="9525" marR="9525" marT="9525" marB="0" anchor="b">
+                    <a:noFill/>
+                  </a:tcPr>
                 </a:tc>
                 <a:extLst>
                   <a:ext uri="{0D108BD9-81ED-4DB2-BD59-A6C34878D82A}">
@@ -5083,7 +6716,9 @@
                       </a:endParaRPr>
                     </a:p>
                   </a:txBody>
-                  <a:tcPr marL="9525" marR="9525" marT="9525" marB="0" anchor="ctr"/>
+                  <a:tcPr marL="9525" marR="9525" marT="9525" marB="0" anchor="ctr">
+                    <a:noFill/>
+                  </a:tcPr>
                 </a:tc>
                 <a:tc>
                   <a:txBody>
@@ -5108,7 +6743,9 @@
                       </a:endParaRPr>
                     </a:p>
                   </a:txBody>
-                  <a:tcPr marL="9525" marR="9525" marT="9525" marB="0" anchor="b"/>
+                  <a:tcPr marL="9525" marR="9525" marT="9525" marB="0" anchor="b">
+                    <a:noFill/>
+                  </a:tcPr>
                 </a:tc>
                 <a:tc>
                   <a:txBody>
@@ -5119,12 +6756,12 @@
                         <a:buNone/>
                       </a:pPr>
                       <a:r>
-                        <a:rPr lang="fr-FR" sz="1100" u="none" strike="noStrike">
+                        <a:rPr lang="fr-FR" sz="1100" u="none" strike="noStrike" dirty="0">
                           <a:effectLst/>
                         </a:rPr>
                         <a:t>Ludo</a:t>
                       </a:r>
-                      <a:endParaRPr lang="fr-FR" sz="1100" b="0" i="0" u="none" strike="noStrike">
+                      <a:endParaRPr lang="fr-FR" sz="1100" b="0" i="0" u="none" strike="noStrike" dirty="0">
                         <a:solidFill>
                           <a:srgbClr val="000000"/>
                         </a:solidFill>
@@ -5133,7 +6770,9 @@
                       </a:endParaRPr>
                     </a:p>
                   </a:txBody>
-                  <a:tcPr marL="9525" marR="9525" marT="9525" marB="0" anchor="b"/>
+                  <a:tcPr marL="9525" marR="9525" marT="9525" marB="0" anchor="b">
+                    <a:noFill/>
+                  </a:tcPr>
                 </a:tc>
                 <a:extLst>
                   <a:ext uri="{0D108BD9-81ED-4DB2-BD59-A6C34878D82A}">
@@ -5176,12 +6815,18 @@
                         <a:buNone/>
                       </a:pPr>
                       <a:r>
-                        <a:rPr lang="fr-FR" sz="1100" u="none" strike="noStrike">
+                        <a:rPr lang="fr-FR" sz="1100" u="none" strike="noStrike" dirty="0" err="1">
                           <a:effectLst/>
                         </a:rPr>
-                        <a:t>Feature Pack V2 (court terme + régime)</a:t>
+                        <a:t>Feature</a:t>
                       </a:r>
-                      <a:endParaRPr lang="fr-FR" sz="1100" b="0" i="0" u="none" strike="noStrike">
+                      <a:r>
+                        <a:rPr lang="fr-FR" sz="1100" u="none" strike="noStrike" dirty="0">
+                          <a:effectLst/>
+                        </a:rPr>
+                        <a:t> Pack V2 (court terme + régime)</a:t>
+                      </a:r>
+                      <a:endParaRPr lang="fr-FR" sz="1100" b="0" i="0" u="none" strike="noStrike" dirty="0">
                         <a:solidFill>
                           <a:srgbClr val="000000"/>
                         </a:solidFill>
@@ -5247,7 +6892,9 @@
                       </a:endParaRPr>
                     </a:p>
                   </a:txBody>
-                  <a:tcPr marL="9525" marR="9525" marT="9525" marB="0" anchor="ctr"/>
+                  <a:tcPr marL="9525" marR="9525" marT="9525" marB="0" anchor="ctr">
+                    <a:noFill/>
+                  </a:tcPr>
                 </a:tc>
                 <a:tc>
                   <a:txBody>
@@ -5272,7 +6919,9 @@
                       </a:endParaRPr>
                     </a:p>
                   </a:txBody>
-                  <a:tcPr marL="9525" marR="9525" marT="9525" marB="0" anchor="b"/>
+                  <a:tcPr marL="9525" marR="9525" marT="9525" marB="0" anchor="b">
+                    <a:noFill/>
+                  </a:tcPr>
                 </a:tc>
                 <a:tc>
                   <a:txBody>
@@ -5283,12 +6932,12 @@
                         <a:buNone/>
                       </a:pPr>
                       <a:r>
-                        <a:rPr lang="fr-FR" sz="1100" u="none" strike="noStrike">
+                        <a:rPr lang="fr-FR" sz="1100" u="none" strike="noStrike" dirty="0">
                           <a:effectLst/>
                         </a:rPr>
                         <a:t>Ludo</a:t>
                       </a:r>
-                      <a:endParaRPr lang="fr-FR" sz="1100" b="0" i="0" u="none" strike="noStrike">
+                      <a:endParaRPr lang="fr-FR" sz="1100" b="0" i="0" u="none" strike="noStrike" dirty="0">
                         <a:solidFill>
                           <a:srgbClr val="000000"/>
                         </a:solidFill>
@@ -5297,7 +6946,9 @@
                       </a:endParaRPr>
                     </a:p>
                   </a:txBody>
-                  <a:tcPr marL="9525" marR="9525" marT="9525" marB="0" anchor="b"/>
+                  <a:tcPr marL="9525" marR="9525" marT="9525" marB="0" anchor="b">
+                    <a:noFill/>
+                  </a:tcPr>
                 </a:tc>
                 <a:extLst>
                   <a:ext uri="{0D108BD9-81ED-4DB2-BD59-A6C34878D82A}">
@@ -5411,7 +7062,9 @@
                       </a:endParaRPr>
                     </a:p>
                   </a:txBody>
-                  <a:tcPr marL="9525" marR="9525" marT="9525" marB="0" anchor="ctr"/>
+                  <a:tcPr marL="9525" marR="9525" marT="9525" marB="0" anchor="ctr">
+                    <a:noFill/>
+                  </a:tcPr>
                 </a:tc>
                 <a:tc>
                   <a:txBody>
@@ -5436,7 +7089,9 @@
                       </a:endParaRPr>
                     </a:p>
                   </a:txBody>
-                  <a:tcPr marL="9525" marR="9525" marT="9525" marB="0" anchor="b"/>
+                  <a:tcPr marL="9525" marR="9525" marT="9525" marB="0" anchor="b">
+                    <a:noFill/>
+                  </a:tcPr>
                 </a:tc>
                 <a:tc>
                   <a:txBody>
@@ -5447,12 +7102,12 @@
                         <a:buNone/>
                       </a:pPr>
                       <a:r>
-                        <a:rPr lang="fr-FR" sz="1100" u="none" strike="noStrike">
+                        <a:rPr lang="fr-FR" sz="1100" u="none" strike="noStrike" dirty="0">
                           <a:effectLst/>
                         </a:rPr>
                         <a:t>Ludo</a:t>
                       </a:r>
-                      <a:endParaRPr lang="fr-FR" sz="1100" b="0" i="0" u="none" strike="noStrike">
+                      <a:endParaRPr lang="fr-FR" sz="1100" b="0" i="0" u="none" strike="noStrike" dirty="0">
                         <a:solidFill>
                           <a:srgbClr val="000000"/>
                         </a:solidFill>
@@ -5461,7 +7116,9 @@
                       </a:endParaRPr>
                     </a:p>
                   </a:txBody>
-                  <a:tcPr marL="9525" marR="9525" marT="9525" marB="0" anchor="b"/>
+                  <a:tcPr marL="9525" marR="9525" marT="9525" marB="0" anchor="b">
+                    <a:noFill/>
+                  </a:tcPr>
                 </a:tc>
                 <a:extLst>
                   <a:ext uri="{0D108BD9-81ED-4DB2-BD59-A6C34878D82A}">
@@ -5575,7 +7232,9 @@
                       </a:endParaRPr>
                     </a:p>
                   </a:txBody>
-                  <a:tcPr marL="9525" marR="9525" marT="9525" marB="0" anchor="ctr"/>
+                  <a:tcPr marL="9525" marR="9525" marT="9525" marB="0" anchor="ctr">
+                    <a:noFill/>
+                  </a:tcPr>
                 </a:tc>
                 <a:tc>
                   <a:txBody>
@@ -5612,7 +7271,9 @@
                       </a:endParaRPr>
                     </a:p>
                   </a:txBody>
-                  <a:tcPr marL="9525" marR="9525" marT="9525" marB="0" anchor="b"/>
+                  <a:tcPr marL="9525" marR="9525" marT="9525" marB="0" anchor="b">
+                    <a:noFill/>
+                  </a:tcPr>
                 </a:tc>
                 <a:tc>
                   <a:txBody>
@@ -5623,12 +7284,12 @@
                         <a:buNone/>
                       </a:pPr>
                       <a:r>
-                        <a:rPr lang="fr-FR" sz="1100" u="none" strike="noStrike">
+                        <a:rPr lang="fr-FR" sz="1100" u="none" strike="noStrike" dirty="0">
                           <a:effectLst/>
                         </a:rPr>
                         <a:t>Ludo</a:t>
                       </a:r>
-                      <a:endParaRPr lang="fr-FR" sz="1100" b="0" i="0" u="none" strike="noStrike">
+                      <a:endParaRPr lang="fr-FR" sz="1100" b="0" i="0" u="none" strike="noStrike" dirty="0">
                         <a:solidFill>
                           <a:srgbClr val="000000"/>
                         </a:solidFill>
@@ -5637,7 +7298,9 @@
                       </a:endParaRPr>
                     </a:p>
                   </a:txBody>
-                  <a:tcPr marL="9525" marR="9525" marT="9525" marB="0" anchor="b"/>
+                  <a:tcPr marL="9525" marR="9525" marT="9525" marB="0" anchor="b">
+                    <a:noFill/>
+                  </a:tcPr>
                 </a:tc>
                 <a:extLst>
                   <a:ext uri="{0D108BD9-81ED-4DB2-BD59-A6C34878D82A}">
@@ -5763,7 +7426,9 @@
                       </a:endParaRPr>
                     </a:p>
                   </a:txBody>
-                  <a:tcPr marL="9525" marR="9525" marT="9525" marB="0" anchor="b"/>
+                  <a:tcPr marL="9525" marR="9525" marT="9525" marB="0" anchor="b">
+                    <a:noFill/>
+                  </a:tcPr>
                 </a:tc>
                 <a:tc>
                   <a:txBody>
@@ -5788,7 +7453,9 @@
                       </a:endParaRPr>
                     </a:p>
                   </a:txBody>
-                  <a:tcPr marL="9525" marR="9525" marT="9525" marB="0" anchor="b"/>
+                  <a:tcPr marL="9525" marR="9525" marT="9525" marB="0" anchor="b">
+                    <a:noFill/>
+                  </a:tcPr>
                 </a:tc>
                 <a:tc>
                   <a:txBody>
@@ -5813,7 +7480,9 @@
                       </a:endParaRPr>
                     </a:p>
                   </a:txBody>
-                  <a:tcPr marL="9525" marR="9525" marT="9525" marB="0" anchor="b"/>
+                  <a:tcPr marL="9525" marR="9525" marT="9525" marB="0" anchor="b">
+                    <a:noFill/>
+                  </a:tcPr>
                 </a:tc>
                 <a:extLst>
                   <a:ext uri="{0D108BD9-81ED-4DB2-BD59-A6C34878D82A}">
@@ -5869,158 +7538,6 @@
 </p:sld>
 </file>
 
-<file path=ppt/slides/slide4.xml><?xml version="1.0" encoding="utf-8"?>
-<p:sld xmlns:a="http://schemas.openxmlformats.org/drawingml/2006/main" xmlns:r="http://schemas.openxmlformats.org/officeDocument/2006/relationships" xmlns:p="http://schemas.openxmlformats.org/presentationml/2006/main">
-  <p:cSld>
-    <p:spTree>
-      <p:nvGrpSpPr>
-        <p:cNvPr id="1" name=""/>
-        <p:cNvGrpSpPr/>
-        <p:nvPr/>
-      </p:nvGrpSpPr>
-      <p:grpSpPr>
-        <a:xfrm>
-          <a:off x="0" y="0"/>
-          <a:ext cx="0" cy="0"/>
-          <a:chOff x="0" y="0"/>
-          <a:chExt cx="0" cy="0"/>
-        </a:xfrm>
-      </p:grpSpPr>
-      <p:sp>
-        <p:nvSpPr>
-          <p:cNvPr id="2" name="Title 1"/>
-          <p:cNvSpPr>
-            <a:spLocks noGrp="1"/>
-          </p:cNvSpPr>
-          <p:nvPr>
-            <p:ph type="title"/>
-          </p:nvPr>
-        </p:nvSpPr>
-        <p:spPr/>
-        <p:txBody>
-          <a:bodyPr/>
-          <a:lstStyle/>
-          <a:p>
-            <a:r>
-              <a:rPr dirty="0"/>
-              <a:t>Données &amp; Split </a:t>
-            </a:r>
-            <a:r>
-              <a:rPr dirty="0" err="1"/>
-              <a:t>Temporel</a:t>
-            </a:r>
-            <a:endParaRPr dirty="0"/>
-          </a:p>
-        </p:txBody>
-      </p:sp>
-      <p:sp>
-        <p:nvSpPr>
-          <p:cNvPr id="3" name="Content Placeholder 2"/>
-          <p:cNvSpPr>
-            <a:spLocks noGrp="1"/>
-          </p:cNvSpPr>
-          <p:nvPr>
-            <p:ph idx="1"/>
-          </p:nvPr>
-        </p:nvSpPr>
-        <p:spPr>
-          <a:xfrm>
-            <a:off x="457200" y="1600200"/>
-            <a:ext cx="6257365" cy="4525963"/>
-          </a:xfrm>
-        </p:spPr>
-        <p:txBody>
-          <a:bodyPr/>
-          <a:lstStyle/>
-          <a:p>
-            <a:pPr>
-              <a:buFont typeface="Wingdings" panose="05000000000000000000" pitchFamily="2" charset="2"/>
-              <a:buChar char="ü"/>
-            </a:pPr>
-            <a:r>
-              <a:rPr dirty="0" err="1"/>
-              <a:t>Période</a:t>
-            </a:r>
-            <a:r>
-              <a:rPr dirty="0"/>
-              <a:t> disponible : 2022 - 202</a:t>
-            </a:r>
-            <a:r>
-              <a:rPr lang="fr-FR" dirty="0"/>
-              <a:t>5</a:t>
-            </a:r>
-            <a:endParaRPr dirty="0"/>
-          </a:p>
-        </p:txBody>
-      </p:sp>
-      <p:pic>
-        <p:nvPicPr>
-          <p:cNvPr id="5" name="Image 4">
-            <a:extLst>
-              <a:ext uri="{FF2B5EF4-FFF2-40B4-BE49-F238E27FC236}">
-                <a16:creationId xmlns:a16="http://schemas.microsoft.com/office/drawing/2014/main" id="{9D26236E-B616-755A-9CFE-D5195F0BEF13}"/>
-              </a:ext>
-            </a:extLst>
-          </p:cNvPr>
-          <p:cNvPicPr>
-            <a:picLocks noChangeAspect="1"/>
-          </p:cNvPicPr>
-          <p:nvPr/>
-        </p:nvPicPr>
-        <p:blipFill>
-          <a:blip r:embed="rId2"/>
-          <a:stretch>
-            <a:fillRect/>
-          </a:stretch>
-        </p:blipFill>
-        <p:spPr>
-          <a:xfrm>
-            <a:off x="5514569" y="2247794"/>
-            <a:ext cx="3172231" cy="3878369"/>
-          </a:xfrm>
-          <a:prstGeom prst="rect">
-            <a:avLst/>
-          </a:prstGeom>
-        </p:spPr>
-      </p:pic>
-      <p:pic>
-        <p:nvPicPr>
-          <p:cNvPr id="6" name="Image 5">
-            <a:extLst>
-              <a:ext uri="{FF2B5EF4-FFF2-40B4-BE49-F238E27FC236}">
-                <a16:creationId xmlns:a16="http://schemas.microsoft.com/office/drawing/2014/main" id="{3E0EB7D3-96C2-08CD-BEBE-BC6EEF425FD0}"/>
-              </a:ext>
-            </a:extLst>
-          </p:cNvPr>
-          <p:cNvPicPr>
-            <a:picLocks noChangeAspect="1"/>
-          </p:cNvPicPr>
-          <p:nvPr/>
-        </p:nvPicPr>
-        <p:blipFill>
-          <a:blip r:embed="rId3"/>
-          <a:stretch>
-            <a:fillRect/>
-          </a:stretch>
-        </p:blipFill>
-        <p:spPr>
-          <a:xfrm>
-            <a:off x="553031" y="2420083"/>
-            <a:ext cx="4829849" cy="1533739"/>
-          </a:xfrm>
-          <a:prstGeom prst="rect">
-            <a:avLst/>
-          </a:prstGeom>
-        </p:spPr>
-      </p:pic>
-    </p:spTree>
-  </p:cSld>
-  <p:clrMapOvr>
-    <a:masterClrMapping/>
-  </p:clrMapOvr>
-</p:sld>
-</file>
-
 <file path=ppt/slides/slide5.xml><?xml version="1.0" encoding="utf-8"?>
 <p:sld xmlns:a="http://schemas.openxmlformats.org/drawingml/2006/main" xmlns:r="http://schemas.openxmlformats.org/officeDocument/2006/relationships" xmlns:p="http://schemas.openxmlformats.org/presentationml/2006/main">
   <p:cSld>
@@ -6055,7 +7572,7 @@
           <a:p>
             <a:r>
               <a:rPr lang="fr-FR" dirty="0"/>
-              <a:t>Phase 1 : Importation M1</a:t>
+              <a:t>1 : Importation M1</a:t>
             </a:r>
           </a:p>
         </p:txBody>
@@ -6095,22 +7612,6 @@
               <a:buFont typeface="Wingdings" panose="05000000000000000000" pitchFamily="2" charset="2"/>
               <a:buChar char="ü"/>
             </a:pPr>
-            <a:r>
-              <a:rPr lang="fr-FR" sz="1800" dirty="0"/>
-              <a:t>F</a:t>
-            </a:r>
-            <a:r>
-              <a:rPr sz="1800" dirty="0" err="1"/>
-              <a:t>usion</a:t>
-            </a:r>
-            <a:r>
-              <a:rPr sz="1800" dirty="0"/>
-              <a:t> date/</a:t>
-            </a:r>
-            <a:r>
-              <a:rPr sz="1800" dirty="0" err="1"/>
-              <a:t>heure</a:t>
-            </a:r>
             <a:endParaRPr lang="fr-FR" sz="1800" dirty="0"/>
           </a:p>
           <a:p>
@@ -6120,6 +7621,39 @@
             </a:pPr>
             <a:r>
               <a:rPr lang="fr-FR" sz="1800" dirty="0"/>
+              <a:t>F</a:t>
+            </a:r>
+            <a:r>
+              <a:rPr sz="1800" dirty="0" err="1"/>
+              <a:t>usion</a:t>
+            </a:r>
+            <a:r>
+              <a:rPr sz="1800" dirty="0"/>
+              <a:t> date/</a:t>
+            </a:r>
+            <a:r>
+              <a:rPr sz="1800" dirty="0" err="1"/>
+              <a:t>heure</a:t>
+            </a:r>
+            <a:r>
+              <a:rPr lang="fr-FR" sz="1800" dirty="0"/>
+              <a:t> </a:t>
+            </a:r>
+          </a:p>
+          <a:p>
+            <a:pPr lvl="1">
+              <a:buFont typeface="Wingdings" panose="05000000000000000000" pitchFamily="2" charset="2"/>
+              <a:buChar char="ü"/>
+            </a:pPr>
+            <a:endParaRPr lang="fr-FR" sz="1800" dirty="0"/>
+          </a:p>
+          <a:p>
+            <a:pPr lvl="1">
+              <a:buFont typeface="Wingdings" panose="05000000000000000000" pitchFamily="2" charset="2"/>
+              <a:buChar char="ü"/>
+            </a:pPr>
+            <a:r>
+              <a:rPr lang="fr-FR" sz="1800" dirty="0"/>
               <a:t>V</a:t>
             </a:r>
             <a:r>
@@ -6145,6 +7679,66 @@
           </a:p>
         </p:txBody>
       </p:sp>
+      <p:pic>
+        <p:nvPicPr>
+          <p:cNvPr id="7" name="Image 6">
+            <a:extLst>
+              <a:ext uri="{FF2B5EF4-FFF2-40B4-BE49-F238E27FC236}">
+                <a16:creationId xmlns:a16="http://schemas.microsoft.com/office/drawing/2014/main" id="{21E380A3-3702-009D-DE86-045AD7BAD526}"/>
+              </a:ext>
+            </a:extLst>
+          </p:cNvPr>
+          <p:cNvPicPr>
+            <a:picLocks noChangeAspect="1"/>
+          </p:cNvPicPr>
+          <p:nvPr/>
+        </p:nvPicPr>
+        <p:blipFill>
+          <a:blip r:embed="rId2"/>
+          <a:stretch>
+            <a:fillRect/>
+          </a:stretch>
+        </p:blipFill>
+        <p:spPr>
+          <a:xfrm>
+            <a:off x="1261872" y="3429000"/>
+            <a:ext cx="5963482" cy="857370"/>
+          </a:xfrm>
+          <a:prstGeom prst="rect">
+            <a:avLst/>
+          </a:prstGeom>
+        </p:spPr>
+      </p:pic>
+      <p:pic>
+        <p:nvPicPr>
+          <p:cNvPr id="9" name="Image 8">
+            <a:extLst>
+              <a:ext uri="{FF2B5EF4-FFF2-40B4-BE49-F238E27FC236}">
+                <a16:creationId xmlns:a16="http://schemas.microsoft.com/office/drawing/2014/main" id="{A65BBBA9-6C0B-180A-4E27-4234961F04AF}"/>
+              </a:ext>
+            </a:extLst>
+          </p:cNvPr>
+          <p:cNvPicPr>
+            <a:picLocks noChangeAspect="1"/>
+          </p:cNvPicPr>
+          <p:nvPr/>
+        </p:nvPicPr>
+        <p:blipFill>
+          <a:blip r:embed="rId3"/>
+          <a:stretch>
+            <a:fillRect/>
+          </a:stretch>
+        </p:blipFill>
+        <p:spPr>
+          <a:xfrm>
+            <a:off x="1261872" y="4612328"/>
+            <a:ext cx="6291072" cy="1290943"/>
+          </a:xfrm>
+          <a:prstGeom prst="rect">
+            <a:avLst/>
+          </a:prstGeom>
+        </p:spPr>
+      </p:pic>
     </p:spTree>
   </p:cSld>
   <p:clrMapOvr>
@@ -6195,7 +7789,7 @@
           <a:p>
             <a:r>
               <a:rPr lang="fr-FR" dirty="0"/>
-              <a:t>Phase 2 : Agrégation M1 -&gt; M15</a:t>
+              <a:t>2 : Agrégation M1 -&gt; M15</a:t>
             </a:r>
           </a:p>
         </p:txBody>
@@ -6326,7 +7920,7 @@
         </p:blipFill>
         <p:spPr>
           <a:xfrm>
-            <a:off x="1604548" y="4639991"/>
+            <a:off x="1604548" y="4761911"/>
             <a:ext cx="5934903" cy="1943371"/>
           </a:xfrm>
           <a:prstGeom prst="rect">
@@ -6389,7 +7983,7 @@
           <a:p>
             <a:r>
               <a:rPr lang="fr-FR" dirty="0"/>
-              <a:t>Phase 3 : Nettoyage</a:t>
+              <a:t>3 : Nettoyage</a:t>
             </a:r>
           </a:p>
         </p:txBody>
@@ -6464,6 +8058,96 @@
           </a:p>
         </p:txBody>
       </p:sp>
+      <p:pic>
+        <p:nvPicPr>
+          <p:cNvPr id="5" name="Image 4">
+            <a:extLst>
+              <a:ext uri="{FF2B5EF4-FFF2-40B4-BE49-F238E27FC236}">
+                <a16:creationId xmlns:a16="http://schemas.microsoft.com/office/drawing/2014/main" id="{B6A3E131-CC12-9B15-D68F-81D2A4B7C660}"/>
+              </a:ext>
+            </a:extLst>
+          </p:cNvPr>
+          <p:cNvPicPr>
+            <a:picLocks noChangeAspect="1"/>
+          </p:cNvPicPr>
+          <p:nvPr/>
+        </p:nvPicPr>
+        <p:blipFill>
+          <a:blip r:embed="rId2"/>
+          <a:stretch>
+            <a:fillRect/>
+          </a:stretch>
+        </p:blipFill>
+        <p:spPr>
+          <a:xfrm>
+            <a:off x="927993" y="4110132"/>
+            <a:ext cx="1752845" cy="1362265"/>
+          </a:xfrm>
+          <a:prstGeom prst="rect">
+            <a:avLst/>
+          </a:prstGeom>
+        </p:spPr>
+      </p:pic>
+      <p:pic>
+        <p:nvPicPr>
+          <p:cNvPr id="7" name="Image 6">
+            <a:extLst>
+              <a:ext uri="{FF2B5EF4-FFF2-40B4-BE49-F238E27FC236}">
+                <a16:creationId xmlns:a16="http://schemas.microsoft.com/office/drawing/2014/main" id="{73D68644-74FB-6FBC-2A1E-CEC53414406E}"/>
+              </a:ext>
+            </a:extLst>
+          </p:cNvPr>
+          <p:cNvPicPr>
+            <a:picLocks noChangeAspect="1"/>
+          </p:cNvPicPr>
+          <p:nvPr/>
+        </p:nvPicPr>
+        <p:blipFill>
+          <a:blip r:embed="rId3"/>
+          <a:stretch>
+            <a:fillRect/>
+          </a:stretch>
+        </p:blipFill>
+        <p:spPr>
+          <a:xfrm>
+            <a:off x="2866569" y="4110132"/>
+            <a:ext cx="3801005" cy="962159"/>
+          </a:xfrm>
+          <a:prstGeom prst="rect">
+            <a:avLst/>
+          </a:prstGeom>
+        </p:spPr>
+      </p:pic>
+      <p:pic>
+        <p:nvPicPr>
+          <p:cNvPr id="9" name="Image 8">
+            <a:extLst>
+              <a:ext uri="{FF2B5EF4-FFF2-40B4-BE49-F238E27FC236}">
+                <a16:creationId xmlns:a16="http://schemas.microsoft.com/office/drawing/2014/main" id="{F3B45890-15ED-24C4-FD4A-D2DE9852EFF4}"/>
+              </a:ext>
+            </a:extLst>
+          </p:cNvPr>
+          <p:cNvPicPr>
+            <a:picLocks noChangeAspect="1"/>
+          </p:cNvPicPr>
+          <p:nvPr/>
+        </p:nvPicPr>
+        <p:blipFill>
+          <a:blip r:embed="rId4"/>
+          <a:stretch>
+            <a:fillRect/>
+          </a:stretch>
+        </p:blipFill>
+        <p:spPr>
+          <a:xfrm>
+            <a:off x="2866569" y="5354530"/>
+            <a:ext cx="5630061" cy="771633"/>
+          </a:xfrm>
+          <a:prstGeom prst="rect">
+            <a:avLst/>
+          </a:prstGeom>
+        </p:spPr>
+      </p:pic>
     </p:spTree>
     <p:extLst>
       <p:ext uri="{BB962C8B-B14F-4D97-AF65-F5344CB8AC3E}">
@@ -6499,7 +8183,7 @@
           <p:cNvPr id="2" name="Titre 1">
             <a:extLst>
               <a:ext uri="{FF2B5EF4-FFF2-40B4-BE49-F238E27FC236}">
-                <a16:creationId xmlns:a16="http://schemas.microsoft.com/office/drawing/2014/main" id="{822A1059-F7C1-5FE1-63EB-53AB278D2B16}"/>
+                <a16:creationId xmlns:a16="http://schemas.microsoft.com/office/drawing/2014/main" id="{19F9E0BA-48CB-89D0-C6E3-B4E9AD15B95F}"/>
               </a:ext>
             </a:extLst>
           </p:cNvPr>
@@ -6515,162 +8199,41 @@
           <a:bodyPr/>
           <a:lstStyle/>
           <a:p>
-            <a:r>
-              <a:rPr lang="fr-FR" dirty="0"/>
-              <a:t>Phase 4 : Analyse exploratoire</a:t>
-            </a:r>
-          </a:p>
-        </p:txBody>
-      </p:sp>
-      <p:graphicFrame>
-        <p:nvGraphicFramePr>
-          <p:cNvPr id="8" name="Espace réservé du contenu 7">
+            <a:endParaRPr lang="fr-FR"/>
+          </a:p>
+        </p:txBody>
+      </p:sp>
+      <p:sp>
+        <p:nvSpPr>
+          <p:cNvPr id="3" name="Espace réservé du contenu 2">
             <a:extLst>
               <a:ext uri="{FF2B5EF4-FFF2-40B4-BE49-F238E27FC236}">
-                <a16:creationId xmlns:a16="http://schemas.microsoft.com/office/drawing/2014/main" id="{45788B0E-FE80-A633-7D6D-71DB80BEEA62}"/>
+                <a16:creationId xmlns:a16="http://schemas.microsoft.com/office/drawing/2014/main" id="{C9D3CD0A-1834-05FF-F6F0-916D6D18F27B}"/>
               </a:ext>
             </a:extLst>
           </p:cNvPr>
-          <p:cNvGraphicFramePr>
-            <a:graphicFrameLocks noGrp="1"/>
-          </p:cNvGraphicFramePr>
+          <p:cNvSpPr>
+            <a:spLocks noGrp="1"/>
+          </p:cNvSpPr>
           <p:nvPr>
             <p:ph idx="1"/>
-            <p:extLst>
-              <p:ext uri="{D42A27DB-BD31-4B8C-83A1-F6EECF244321}">
-                <p14:modId xmlns:p14="http://schemas.microsoft.com/office/powerpoint/2010/main" val="1772541891"/>
-              </p:ext>
-            </p:extLst>
-          </p:nvPr>
-        </p:nvGraphicFramePr>
-        <p:xfrm>
-          <a:off x="261357" y="1386261"/>
-          <a:ext cx="8229600" cy="5032468"/>
-        </p:xfrm>
-        <a:graphic>
-          <a:graphicData uri="http://schemas.openxmlformats.org/drawingml/2006/table">
-            <a:tbl>
-              <a:tblPr firstRow="1" bandRow="1">
-                <a:tableStyleId>{5C22544A-7EE6-4342-B048-85BDC9FD1C3A}</a:tableStyleId>
-              </a:tblPr>
-              <a:tblGrid>
-                <a:gridCol w="4114800">
-                  <a:extLst>
-                    <a:ext uri="{9D8B030D-6E8A-4147-A177-3AD203B41FA5}">
-                      <a16:colId xmlns:a16="http://schemas.microsoft.com/office/drawing/2014/main" val="210803697"/>
-                    </a:ext>
-                  </a:extLst>
-                </a:gridCol>
-                <a:gridCol w="4114800">
-                  <a:extLst>
-                    <a:ext uri="{9D8B030D-6E8A-4147-A177-3AD203B41FA5}">
-                      <a16:colId xmlns:a16="http://schemas.microsoft.com/office/drawing/2014/main" val="3381025899"/>
-                    </a:ext>
-                  </a:extLst>
-                </a:gridCol>
-              </a:tblGrid>
-              <a:tr h="2516234">
-                <a:tc>
-                  <a:txBody>
-                    <a:bodyPr/>
-                    <a:lstStyle/>
-                    <a:p>
-                      <a:r>
-                        <a:rPr lang="fr-FR" dirty="0"/>
-                        <a:t>Distribution</a:t>
-                      </a:r>
-                    </a:p>
-                    <a:p>
-                      <a:endParaRPr lang="fr-FR" dirty="0"/>
-                    </a:p>
-                    <a:p>
-                      <a:endParaRPr lang="fr-FR" dirty="0"/>
-                    </a:p>
-                  </a:txBody>
-                  <a:tcPr/>
-                </a:tc>
-                <a:tc>
-                  <a:txBody>
-                    <a:bodyPr/>
-                    <a:lstStyle/>
-                    <a:p>
-                      <a:pPr marL="0" marR="0" lvl="0" indent="0" algn="l" defTabSz="457200" rtl="0" eaLnBrk="1" fontAlgn="auto" latinLnBrk="0" hangingPunct="1">
-                        <a:lnSpc>
-                          <a:spcPct val="100000"/>
-                        </a:lnSpc>
-                        <a:spcBef>
-                          <a:spcPts val="0"/>
-                        </a:spcBef>
-                        <a:spcAft>
-                          <a:spcPts val="0"/>
-                        </a:spcAft>
-                        <a:buClrTx/>
-                        <a:buSzTx/>
-                        <a:buFontTx/>
-                        <a:buNone/>
-                        <a:tabLst/>
-                        <a:defRPr/>
-                      </a:pPr>
-                      <a:r>
-                        <a:rPr lang="fr-FR" dirty="0"/>
-                        <a:t>Volatilité</a:t>
-                      </a:r>
-                    </a:p>
-                    <a:p>
-                      <a:endParaRPr lang="fr-FR" dirty="0"/>
-                    </a:p>
-                  </a:txBody>
-                  <a:tcPr/>
-                </a:tc>
-                <a:extLst>
-                  <a:ext uri="{0D108BD9-81ED-4DB2-BD59-A6C34878D82A}">
-                    <a16:rowId xmlns:a16="http://schemas.microsoft.com/office/drawing/2014/main" val="4006736409"/>
-                  </a:ext>
-                </a:extLst>
-              </a:tr>
-              <a:tr h="2516234">
-                <a:tc>
-                  <a:txBody>
-                    <a:bodyPr/>
-                    <a:lstStyle/>
-                    <a:p>
-                      <a:r>
-                        <a:rPr lang="fr-FR" dirty="0"/>
-                        <a:t>Rendement</a:t>
-                      </a:r>
-                    </a:p>
-                  </a:txBody>
-                  <a:tcPr/>
-                </a:tc>
-                <a:tc>
-                  <a:txBody>
-                    <a:bodyPr/>
-                    <a:lstStyle/>
-                    <a:p>
-                      <a:r>
-                        <a:rPr lang="fr-FR" dirty="0"/>
-                        <a:t>Autocorrélation</a:t>
-                      </a:r>
-                    </a:p>
-                  </a:txBody>
-                  <a:tcPr/>
-                </a:tc>
-                <a:extLst>
-                  <a:ext uri="{0D108BD9-81ED-4DB2-BD59-A6C34878D82A}">
-                    <a16:rowId xmlns:a16="http://schemas.microsoft.com/office/drawing/2014/main" val="2132972571"/>
-                  </a:ext>
-                </a:extLst>
-              </a:tr>
-            </a:tbl>
-          </a:graphicData>
-        </a:graphic>
-      </p:graphicFrame>
+          </p:nvPr>
+        </p:nvSpPr>
+        <p:spPr/>
+        <p:txBody>
+          <a:bodyPr/>
+          <a:lstStyle/>
+          <a:p>
+            <a:endParaRPr lang="fr-FR"/>
+          </a:p>
+        </p:txBody>
+      </p:sp>
       <p:pic>
         <p:nvPicPr>
-          <p:cNvPr id="7" name="Image 6">
+          <p:cNvPr id="5" name="Image 4">
             <a:extLst>
               <a:ext uri="{FF2B5EF4-FFF2-40B4-BE49-F238E27FC236}">
-                <a16:creationId xmlns:a16="http://schemas.microsoft.com/office/drawing/2014/main" id="{D830BB08-C5CE-9638-CE7E-E5582F75CCAE}"/>
+                <a16:creationId xmlns:a16="http://schemas.microsoft.com/office/drawing/2014/main" id="{21193C2E-876D-A621-C604-D6AE84FA8F2B}"/>
               </a:ext>
             </a:extLst>
           </p:cNvPr>
@@ -6687,128 +8250,8 @@
         </p:blipFill>
         <p:spPr>
           <a:xfrm>
-            <a:off x="410933" y="4518361"/>
-            <a:ext cx="3683765" cy="1143000"/>
-          </a:xfrm>
-          <a:prstGeom prst="rect">
-            <a:avLst/>
-          </a:prstGeom>
-        </p:spPr>
-      </p:pic>
-      <p:pic>
-        <p:nvPicPr>
-          <p:cNvPr id="10" name="Image 9">
-            <a:extLst>
-              <a:ext uri="{FF2B5EF4-FFF2-40B4-BE49-F238E27FC236}">
-                <a16:creationId xmlns:a16="http://schemas.microsoft.com/office/drawing/2014/main" id="{4F5B2023-5EE7-0B22-DC3C-61382B7E8B1A}"/>
-              </a:ext>
-            </a:extLst>
-          </p:cNvPr>
-          <p:cNvPicPr>
-            <a:picLocks noChangeAspect="1"/>
-          </p:cNvPicPr>
-          <p:nvPr/>
-        </p:nvPicPr>
-        <p:blipFill>
-          <a:blip r:embed="rId3"/>
-          <a:stretch>
-            <a:fillRect/>
-          </a:stretch>
-        </p:blipFill>
-        <p:spPr>
-          <a:xfrm>
-            <a:off x="378824" y="2036518"/>
-            <a:ext cx="3915207" cy="1074235"/>
-          </a:xfrm>
-          <a:prstGeom prst="rect">
-            <a:avLst/>
-          </a:prstGeom>
-        </p:spPr>
-      </p:pic>
-      <p:pic>
-        <p:nvPicPr>
-          <p:cNvPr id="12" name="Image 11">
-            <a:extLst>
-              <a:ext uri="{FF2B5EF4-FFF2-40B4-BE49-F238E27FC236}">
-                <a16:creationId xmlns:a16="http://schemas.microsoft.com/office/drawing/2014/main" id="{0E5F626E-E386-D85F-0577-82A5CB082BA2}"/>
-              </a:ext>
-            </a:extLst>
-          </p:cNvPr>
-          <p:cNvPicPr>
-            <a:picLocks noChangeAspect="1"/>
-          </p:cNvPicPr>
-          <p:nvPr/>
-        </p:nvPicPr>
-        <p:blipFill>
-          <a:blip r:embed="rId4"/>
-          <a:stretch>
-            <a:fillRect/>
-          </a:stretch>
-        </p:blipFill>
-        <p:spPr>
-          <a:xfrm>
-            <a:off x="4839496" y="4296191"/>
-            <a:ext cx="3165985" cy="2050104"/>
-          </a:xfrm>
-          <a:prstGeom prst="rect">
-            <a:avLst/>
-          </a:prstGeom>
-        </p:spPr>
-      </p:pic>
-      <p:pic>
-        <p:nvPicPr>
-          <p:cNvPr id="14" name="Image 13">
-            <a:extLst>
-              <a:ext uri="{FF2B5EF4-FFF2-40B4-BE49-F238E27FC236}">
-                <a16:creationId xmlns:a16="http://schemas.microsoft.com/office/drawing/2014/main" id="{B2661C2D-6233-7B10-A0BF-311703232458}"/>
-              </a:ext>
-            </a:extLst>
-          </p:cNvPr>
-          <p:cNvPicPr>
-            <a:picLocks noChangeAspect="1"/>
-          </p:cNvPicPr>
-          <p:nvPr/>
-        </p:nvPicPr>
-        <p:blipFill>
-          <a:blip r:embed="rId5"/>
-          <a:stretch>
-            <a:fillRect/>
-          </a:stretch>
-        </p:blipFill>
-        <p:spPr>
-          <a:xfrm>
-            <a:off x="798539" y="511705"/>
-            <a:ext cx="4120926" cy="3007020"/>
-          </a:xfrm>
-          <a:prstGeom prst="rect">
-            <a:avLst/>
-          </a:prstGeom>
-        </p:spPr>
-      </p:pic>
-      <p:pic>
-        <p:nvPicPr>
-          <p:cNvPr id="4" name="Image 3">
-            <a:extLst>
-              <a:ext uri="{FF2B5EF4-FFF2-40B4-BE49-F238E27FC236}">
-                <a16:creationId xmlns:a16="http://schemas.microsoft.com/office/drawing/2014/main" id="{CD3AAD32-C889-23C4-2CC1-7ED2E96BC118}"/>
-              </a:ext>
-            </a:extLst>
-          </p:cNvPr>
-          <p:cNvPicPr>
-            <a:picLocks noChangeAspect="1"/>
-          </p:cNvPicPr>
-          <p:nvPr/>
-        </p:nvPicPr>
-        <p:blipFill>
-          <a:blip r:embed="rId6"/>
-          <a:stretch>
-            <a:fillRect/>
-          </a:stretch>
-        </p:blipFill>
-        <p:spPr>
-          <a:xfrm>
-            <a:off x="4489874" y="1740314"/>
-            <a:ext cx="3855587" cy="1908321"/>
+            <a:off x="2049905" y="94533"/>
+            <a:ext cx="5044189" cy="6668933"/>
           </a:xfrm>
           <a:prstGeom prst="rect">
             <a:avLst/>
@@ -6818,7 +8261,7 @@
     </p:spTree>
     <p:extLst>
       <p:ext uri="{BB962C8B-B14F-4D97-AF65-F5344CB8AC3E}">
-        <p14:creationId xmlns:p14="http://schemas.microsoft.com/office/powerpoint/2010/main" val="211231267"/>
+        <p14:creationId xmlns:p14="http://schemas.microsoft.com/office/powerpoint/2010/main" val="2090700619"/>
       </p:ext>
     </p:extLst>
   </p:cSld>
@@ -6850,7 +8293,7 @@
           <p:cNvPr id="2" name="Titre 1">
             <a:extLst>
               <a:ext uri="{FF2B5EF4-FFF2-40B4-BE49-F238E27FC236}">
-                <a16:creationId xmlns:a16="http://schemas.microsoft.com/office/drawing/2014/main" id="{DC474ACD-9FFC-4659-9837-3F0087302A79}"/>
+                <a16:creationId xmlns:a16="http://schemas.microsoft.com/office/drawing/2014/main" id="{822A1059-F7C1-5FE1-63EB-53AB278D2B16}"/>
               </a:ext>
             </a:extLst>
           </p:cNvPr>
@@ -6863,32 +8306,22 @@
         </p:nvSpPr>
         <p:spPr/>
         <p:txBody>
-          <a:bodyPr>
-            <a:normAutofit/>
-          </a:bodyPr>
+          <a:bodyPr/>
           <a:lstStyle/>
           <a:p>
             <a:r>
               <a:rPr lang="fr-FR" dirty="0"/>
-              <a:t>Phase 5 – </a:t>
-            </a:r>
-            <a:r>
-              <a:rPr lang="fr-FR" dirty="0" err="1"/>
-              <a:t>Feature</a:t>
-            </a:r>
-            <a:r>
-              <a:rPr lang="fr-FR" dirty="0"/>
-              <a:t> engineering</a:t>
-            </a:r>
-          </a:p>
-        </p:txBody>
-      </p:sp>
-      <p:sp>
-        <p:nvSpPr>
-          <p:cNvPr id="3" name="Espace réservé du contenu 2">
+              <a:t>4 : Analyse exploratoire</a:t>
+            </a:r>
+          </a:p>
+        </p:txBody>
+      </p:sp>
+      <p:sp>
+        <p:nvSpPr>
+          <p:cNvPr id="13" name="Espace réservé du contenu 12">
             <a:extLst>
               <a:ext uri="{FF2B5EF4-FFF2-40B4-BE49-F238E27FC236}">
-                <a16:creationId xmlns:a16="http://schemas.microsoft.com/office/drawing/2014/main" id="{FBB0F750-C285-B7AE-B828-3BF5AB7DA366}"/>
+                <a16:creationId xmlns:a16="http://schemas.microsoft.com/office/drawing/2014/main" id="{D384B251-C903-D9C4-4DA6-985C102AC66A}"/>
               </a:ext>
             </a:extLst>
           </p:cNvPr>
@@ -6904,55 +8337,16 @@
           <a:bodyPr/>
           <a:lstStyle/>
           <a:p>
-            <a:pPr>
-              <a:buFont typeface="Wingdings" panose="05000000000000000000" pitchFamily="2" charset="2"/>
-              <a:buChar char="ü"/>
-            </a:pPr>
-            <a:r>
-              <a:rPr lang="fr-FR" sz="1400" dirty="0"/>
-              <a:t>2 blocs : </a:t>
-            </a:r>
-          </a:p>
-          <a:p>
-            <a:pPr lvl="1">
-              <a:buFont typeface="Wingdings" panose="05000000000000000000" pitchFamily="2" charset="2"/>
-              <a:buChar char="ü"/>
-            </a:pPr>
-            <a:r>
-              <a:rPr lang="fr-FR" sz="1400" dirty="0"/>
-              <a:t>Court terme : Dynamique immédiate du prix (</a:t>
-            </a:r>
-            <a:r>
-              <a:rPr lang="fr-FR" sz="1400" dirty="0" err="1"/>
-              <a:t>Returns</a:t>
-            </a:r>
-            <a:r>
-              <a:rPr lang="fr-FR" sz="1400" dirty="0"/>
-              <a:t>, RSI, Ranges)</a:t>
-            </a:r>
-          </a:p>
-          <a:p>
-            <a:pPr lvl="1">
-              <a:buFont typeface="Wingdings" panose="05000000000000000000" pitchFamily="2" charset="2"/>
-              <a:buChar char="ü"/>
-            </a:pPr>
-            <a:r>
-              <a:rPr lang="fr-FR" sz="1400" dirty="0"/>
-              <a:t>Contexte &amp; Régime : Tendances de fond (EDA 200, ADX) et volatilité (ATR)</a:t>
-            </a:r>
-            <a:br>
-              <a:rPr lang="fr-FR" dirty="0"/>
-            </a:br>
             <a:endParaRPr lang="fr-FR" dirty="0"/>
           </a:p>
         </p:txBody>
       </p:sp>
       <p:pic>
         <p:nvPicPr>
-          <p:cNvPr id="5" name="Image 4">
+          <p:cNvPr id="16" name="Image 15">
             <a:extLst>
               <a:ext uri="{FF2B5EF4-FFF2-40B4-BE49-F238E27FC236}">
-                <a16:creationId xmlns:a16="http://schemas.microsoft.com/office/drawing/2014/main" id="{95335285-282A-819F-8AD1-CBE46D18EDD7}"/>
+                <a16:creationId xmlns:a16="http://schemas.microsoft.com/office/drawing/2014/main" id="{F7175491-300A-0EC6-09C4-62214B50CC85}"/>
               </a:ext>
             </a:extLst>
           </p:cNvPr>
@@ -6969,8 +8363,38 @@
         </p:blipFill>
         <p:spPr>
           <a:xfrm>
-            <a:off x="984250" y="2498930"/>
-            <a:ext cx="6546850" cy="3627233"/>
+            <a:off x="1554480" y="1228205"/>
+            <a:ext cx="5802284" cy="2871837"/>
+          </a:xfrm>
+          <a:prstGeom prst="rect">
+            <a:avLst/>
+          </a:prstGeom>
+        </p:spPr>
+      </p:pic>
+      <p:pic>
+        <p:nvPicPr>
+          <p:cNvPr id="19" name="Image 18">
+            <a:extLst>
+              <a:ext uri="{FF2B5EF4-FFF2-40B4-BE49-F238E27FC236}">
+                <a16:creationId xmlns:a16="http://schemas.microsoft.com/office/drawing/2014/main" id="{B3AAFB87-FA7C-C4B9-6C58-CB8259BF6DCF}"/>
+              </a:ext>
+            </a:extLst>
+          </p:cNvPr>
+          <p:cNvPicPr>
+            <a:picLocks noChangeAspect="1"/>
+          </p:cNvPicPr>
+          <p:nvPr/>
+        </p:nvPicPr>
+        <p:blipFill>
+          <a:blip r:embed="rId3"/>
+          <a:stretch>
+            <a:fillRect/>
+          </a:stretch>
+        </p:blipFill>
+        <p:spPr>
+          <a:xfrm>
+            <a:off x="0" y="4282604"/>
+            <a:ext cx="9144000" cy="2482163"/>
           </a:xfrm>
           <a:prstGeom prst="rect">
             <a:avLst/>
@@ -6980,7 +8404,7 @@
     </p:spTree>
     <p:extLst>
       <p:ext uri="{BB962C8B-B14F-4D97-AF65-F5344CB8AC3E}">
-        <p14:creationId xmlns:p14="http://schemas.microsoft.com/office/powerpoint/2010/main" val="3040014445"/>
+        <p14:creationId xmlns:p14="http://schemas.microsoft.com/office/powerpoint/2010/main" val="211231267"/>
       </p:ext>
     </p:extLst>
   </p:cSld>
